--- a/docs/images.pptx
+++ b/docs/images.pptx
@@ -5,7 +5,7 @@
     <p:sldMasterId id="2147483660" r:id="rId1"/>
   </p:sldMasterIdLst>
   <p:sldIdLst>
-    <p:sldId id="256" r:id="rId2"/>
+    <p:sldId id="257" r:id="rId2"/>
   </p:sldIdLst>
   <p:sldSz cx="12192000" cy="8442325"/>
   <p:notesSz cx="6858000" cy="9144000"/>
@@ -106,13 +106,7 @@
   </p:defaultTextStyle>
   <p:extLst>
     <p:ext uri="{EFAFB233-063F-42B5-8137-9DF3F51BA10A}">
-      <p15:sldGuideLst xmlns:p15="http://schemas.microsoft.com/office/powerpoint/2012/main">
-        <p15:guide id="1" orient="horz" pos="709" userDrawn="1">
-          <p15:clr>
-            <a:srgbClr val="A4A3A4"/>
-          </p15:clr>
-        </p15:guide>
-      </p15:sldGuideLst>
+      <p15:sldGuideLst xmlns:p15="http://schemas.microsoft.com/office/powerpoint/2012/main"/>
     </p:ext>
   </p:extLst>
 </p:presentation>
@@ -249,7 +243,7 @@
           <a:p>
             <a:fld id="{F8B9BAEA-F684-D943-B74C-F1059F981867}" type="datetimeFigureOut">
               <a:rPr lang="es-CO" smtClean="0"/>
-              <a:t>23/05/18</a:t>
+              <a:t>24/05/18</a:t>
             </a:fld>
             <a:endParaRPr lang="es-CO"/>
           </a:p>
@@ -395,7 +389,7 @@
           <a:p>
             <a:fld id="{F8B9BAEA-F684-D943-B74C-F1059F981867}" type="datetimeFigureOut">
               <a:rPr lang="es-CO" smtClean="0"/>
-              <a:t>23/05/18</a:t>
+              <a:t>24/05/18</a:t>
             </a:fld>
             <a:endParaRPr lang="es-CO"/>
           </a:p>
@@ -551,7 +545,7 @@
           <a:p>
             <a:fld id="{F8B9BAEA-F684-D943-B74C-F1059F981867}" type="datetimeFigureOut">
               <a:rPr lang="es-CO" smtClean="0"/>
-              <a:t>23/05/18</a:t>
+              <a:t>24/05/18</a:t>
             </a:fld>
             <a:endParaRPr lang="es-CO"/>
           </a:p>
@@ -697,7 +691,7 @@
           <a:p>
             <a:fld id="{F8B9BAEA-F684-D943-B74C-F1059F981867}" type="datetimeFigureOut">
               <a:rPr lang="es-CO" smtClean="0"/>
-              <a:t>23/05/18</a:t>
+              <a:t>24/05/18</a:t>
             </a:fld>
             <a:endParaRPr lang="es-CO"/>
           </a:p>
@@ -946,7 +940,7 @@
           <a:p>
             <a:fld id="{F8B9BAEA-F684-D943-B74C-F1059F981867}" type="datetimeFigureOut">
               <a:rPr lang="es-CO" smtClean="0"/>
-              <a:t>23/05/18</a:t>
+              <a:t>24/05/18</a:t>
             </a:fld>
             <a:endParaRPr lang="es-CO"/>
           </a:p>
@@ -1130,7 +1124,7 @@
           <a:p>
             <a:fld id="{F8B9BAEA-F684-D943-B74C-F1059F981867}" type="datetimeFigureOut">
               <a:rPr lang="es-CO" smtClean="0"/>
-              <a:t>23/05/18</a:t>
+              <a:t>24/05/18</a:t>
             </a:fld>
             <a:endParaRPr lang="es-CO"/>
           </a:p>
@@ -1459,7 +1453,7 @@
           <a:p>
             <a:fld id="{F8B9BAEA-F684-D943-B74C-F1059F981867}" type="datetimeFigureOut">
               <a:rPr lang="es-CO" smtClean="0"/>
-              <a:t>23/05/18</a:t>
+              <a:t>24/05/18</a:t>
             </a:fld>
             <a:endParaRPr lang="es-CO"/>
           </a:p>
@@ -1577,7 +1571,7 @@
           <a:p>
             <a:fld id="{F8B9BAEA-F684-D943-B74C-F1059F981867}" type="datetimeFigureOut">
               <a:rPr lang="es-CO" smtClean="0"/>
-              <a:t>23/05/18</a:t>
+              <a:t>24/05/18</a:t>
             </a:fld>
             <a:endParaRPr lang="es-CO"/>
           </a:p>
@@ -1672,7 +1666,7 @@
           <a:p>
             <a:fld id="{F8B9BAEA-F684-D943-B74C-F1059F981867}" type="datetimeFigureOut">
               <a:rPr lang="es-CO" smtClean="0"/>
-              <a:t>23/05/18</a:t>
+              <a:t>24/05/18</a:t>
             </a:fld>
             <a:endParaRPr lang="es-CO"/>
           </a:p>
@@ -1930,7 +1924,7 @@
           <a:p>
             <a:fld id="{F8B9BAEA-F684-D943-B74C-F1059F981867}" type="datetimeFigureOut">
               <a:rPr lang="es-CO" smtClean="0"/>
-              <a:t>23/05/18</a:t>
+              <a:t>24/05/18</a:t>
             </a:fld>
             <a:endParaRPr lang="es-CO"/>
           </a:p>
@@ -2192,7 +2186,7 @@
           <a:p>
             <a:fld id="{F8B9BAEA-F684-D943-B74C-F1059F981867}" type="datetimeFigureOut">
               <a:rPr lang="es-CO" smtClean="0"/>
-              <a:t>23/05/18</a:t>
+              <a:t>24/05/18</a:t>
             </a:fld>
             <a:endParaRPr lang="es-CO"/>
           </a:p>
@@ -2381,7 +2375,7 @@
           <a:p>
             <a:fld id="{F8B9BAEA-F684-D943-B74C-F1059F981867}" type="datetimeFigureOut">
               <a:rPr lang="es-CO" smtClean="0"/>
-              <a:t>23/05/18</a:t>
+              <a:t>24/05/18</a:t>
             </a:fld>
             <a:endParaRPr lang="es-CO"/>
           </a:p>
@@ -2788,10 +2782,10 @@
       </p:grpSpPr>
       <p:sp>
         <p:nvSpPr>
-          <p:cNvPr id="4" name="Rectángulo 3">
+          <p:cNvPr id="2" name="Rectángulo 1">
             <a:extLst>
               <a:ext uri="{FF2B5EF4-FFF2-40B4-BE49-F238E27FC236}">
-                <a16:creationId xmlns:a16="http://schemas.microsoft.com/office/drawing/2014/main" id="{5991F261-EDDA-3647-8D27-2648F63A7C3B}"/>
+                <a16:creationId xmlns:a16="http://schemas.microsoft.com/office/drawing/2014/main" id="{EC6C12E8-05B7-394B-9E8E-D8DD7DF70961}"/>
               </a:ext>
             </a:extLst>
           </p:cNvPr>
@@ -2800,7 +2794,7 @@
         </p:nvSpPr>
         <p:spPr>
           <a:xfrm>
-            <a:off x="1685377" y="6290675"/>
+            <a:off x="721240" y="6290850"/>
             <a:ext cx="251999" cy="251999"/>
           </a:xfrm>
           <a:prstGeom prst="rect">
@@ -2842,10 +2836,10 @@
       </p:sp>
       <p:sp>
         <p:nvSpPr>
-          <p:cNvPr id="5" name="Elipse 4">
+          <p:cNvPr id="3" name="Elipse 2">
             <a:extLst>
               <a:ext uri="{FF2B5EF4-FFF2-40B4-BE49-F238E27FC236}">
-                <a16:creationId xmlns:a16="http://schemas.microsoft.com/office/drawing/2014/main" id="{AAA9141A-0592-C049-9104-9632C85E31DD}"/>
+                <a16:creationId xmlns:a16="http://schemas.microsoft.com/office/drawing/2014/main" id="{72B53EDB-A23F-CE4F-B1AE-924F2B5AEA7A}"/>
               </a:ext>
             </a:extLst>
           </p:cNvPr>
@@ -2854,7 +2848,7 @@
         </p:nvSpPr>
         <p:spPr>
           <a:xfrm>
-            <a:off x="3370217" y="5360400"/>
+            <a:off x="2782977" y="5039354"/>
             <a:ext cx="251999" cy="251999"/>
           </a:xfrm>
           <a:prstGeom prst="ellipse">
@@ -2896,10 +2890,10 @@
       </p:sp>
       <p:grpSp>
         <p:nvGrpSpPr>
-          <p:cNvPr id="15" name="Grupo 14">
+          <p:cNvPr id="119" name="Grupo 118">
             <a:extLst>
               <a:ext uri="{FF2B5EF4-FFF2-40B4-BE49-F238E27FC236}">
-                <a16:creationId xmlns:a16="http://schemas.microsoft.com/office/drawing/2014/main" id="{28C8D8E6-52A1-C543-BFB6-562629F41AB8}"/>
+                <a16:creationId xmlns:a16="http://schemas.microsoft.com/office/drawing/2014/main" id="{96975A59-69BC-5E4F-B7BC-7553112ADEDB}"/>
               </a:ext>
             </a:extLst>
           </p:cNvPr>
@@ -2908,74 +2902,30 @@
         </p:nvGrpSpPr>
         <p:grpSpPr>
           <a:xfrm>
-            <a:off x="1937376" y="5486400"/>
-            <a:ext cx="1432841" cy="1820091"/>
-            <a:chOff x="1937376" y="5486400"/>
-            <a:chExt cx="1432841" cy="1820091"/>
+            <a:off x="988669" y="5167788"/>
+            <a:ext cx="1780132" cy="2525488"/>
+            <a:chOff x="988669" y="5167788"/>
+            <a:chExt cx="1780132" cy="2525488"/>
           </a:xfrm>
         </p:grpSpPr>
         <p:cxnSp>
           <p:nvCxnSpPr>
-            <p:cNvPr id="7" name="Conector recto 6">
+            <p:cNvPr id="10" name="Conector recto 9">
               <a:extLst>
                 <a:ext uri="{FF2B5EF4-FFF2-40B4-BE49-F238E27FC236}">
-                  <a16:creationId xmlns:a16="http://schemas.microsoft.com/office/drawing/2014/main" id="{CBDE406F-CCBA-1246-A3FA-27FD4795ECE4}"/>
+                  <a16:creationId xmlns:a16="http://schemas.microsoft.com/office/drawing/2014/main" id="{70836C17-6C60-9B41-85D4-160BEF1AAA41}"/>
                 </a:ext>
               </a:extLst>
             </p:cNvPr>
             <p:cNvCxnSpPr>
-              <a:stCxn id="4" idx="3"/>
+              <a:cxnSpLocks/>
             </p:cNvCxnSpPr>
             <p:nvPr/>
           </p:nvCxnSpPr>
           <p:spPr>
             <a:xfrm flipV="1">
-              <a:off x="1937376" y="5486400"/>
-              <a:ext cx="378787" cy="930275"/>
-            </a:xfrm>
-            <a:prstGeom prst="line">
-              <a:avLst/>
-            </a:prstGeom>
-            <a:ln w="22225">
-              <a:solidFill>
-                <a:schemeClr val="tx1"/>
-              </a:solidFill>
-            </a:ln>
-          </p:spPr>
-          <p:style>
-            <a:lnRef idx="1">
-              <a:schemeClr val="accent1"/>
-            </a:lnRef>
-            <a:fillRef idx="0">
-              <a:schemeClr val="accent1"/>
-            </a:fillRef>
-            <a:effectRef idx="0">
-              <a:schemeClr val="accent1"/>
-            </a:effectRef>
-            <a:fontRef idx="minor">
-              <a:schemeClr val="tx1"/>
-            </a:fontRef>
-          </p:style>
-        </p:cxnSp>
-        <p:cxnSp>
-          <p:nvCxnSpPr>
-            <p:cNvPr id="8" name="Conector recto 7">
-              <a:extLst>
-                <a:ext uri="{FF2B5EF4-FFF2-40B4-BE49-F238E27FC236}">
-                  <a16:creationId xmlns:a16="http://schemas.microsoft.com/office/drawing/2014/main" id="{4CE9B9A5-5F69-5C44-BBFC-A526E44EBDA8}"/>
-                </a:ext>
-              </a:extLst>
-            </p:cNvPr>
-            <p:cNvCxnSpPr>
-              <a:cxnSpLocks/>
-              <a:stCxn id="4" idx="3"/>
-            </p:cNvCxnSpPr>
-            <p:nvPr/>
-          </p:nvCxnSpPr>
-          <p:spPr>
-            <a:xfrm>
-              <a:off x="1937376" y="6416675"/>
-              <a:ext cx="378787" cy="889816"/>
+              <a:off x="988669" y="5167788"/>
+              <a:ext cx="324430" cy="1233658"/>
             </a:xfrm>
             <a:prstGeom prst="line">
               <a:avLst/>
@@ -3006,7 +2956,7 @@
             <p:cNvPr id="11" name="Conector recto 10">
               <a:extLst>
                 <a:ext uri="{FF2B5EF4-FFF2-40B4-BE49-F238E27FC236}">
-                  <a16:creationId xmlns:a16="http://schemas.microsoft.com/office/drawing/2014/main" id="{F50AB276-6D81-FE47-A8D6-A06F50E0A553}"/>
+                  <a16:creationId xmlns:a16="http://schemas.microsoft.com/office/drawing/2014/main" id="{69E143F6-7DEC-6940-A0A3-052F69EF17D7}"/>
                 </a:ext>
               </a:extLst>
             </p:cNvPr>
@@ -3016,9 +2966,9 @@
             <p:nvPr/>
           </p:nvCxnSpPr>
           <p:spPr>
-            <a:xfrm flipV="1">
-              <a:off x="2307454" y="5486401"/>
-              <a:ext cx="1054054" cy="1"/>
+            <a:xfrm>
+              <a:off x="988669" y="6401443"/>
+              <a:ext cx="341298" cy="1291832"/>
             </a:xfrm>
             <a:prstGeom prst="line">
               <a:avLst/>
@@ -3046,10 +2996,10 @@
         </p:cxnSp>
         <p:cxnSp>
           <p:nvCxnSpPr>
-            <p:cNvPr id="14" name="Conector recto 13">
+            <p:cNvPr id="12" name="Conector recto 11">
               <a:extLst>
                 <a:ext uri="{FF2B5EF4-FFF2-40B4-BE49-F238E27FC236}">
-                  <a16:creationId xmlns:a16="http://schemas.microsoft.com/office/drawing/2014/main" id="{C43A5C25-0085-164F-A606-4EF13338D459}"/>
+                  <a16:creationId xmlns:a16="http://schemas.microsoft.com/office/drawing/2014/main" id="{C8A64B2F-332E-484B-AEEE-0884470E4908}"/>
                 </a:ext>
               </a:extLst>
             </p:cNvPr>
@@ -3060,70 +3010,8 @@
           </p:nvCxnSpPr>
           <p:spPr>
             <a:xfrm flipV="1">
-              <a:off x="2316163" y="7306490"/>
-              <a:ext cx="1054054" cy="1"/>
-            </a:xfrm>
-            <a:prstGeom prst="line">
-              <a:avLst/>
-            </a:prstGeom>
-            <a:ln w="22225">
-              <a:solidFill>
-                <a:schemeClr val="tx1"/>
-              </a:solidFill>
-            </a:ln>
-          </p:spPr>
-          <p:style>
-            <a:lnRef idx="1">
-              <a:schemeClr val="accent1"/>
-            </a:lnRef>
-            <a:fillRef idx="0">
-              <a:schemeClr val="accent1"/>
-            </a:fillRef>
-            <a:effectRef idx="0">
-              <a:schemeClr val="accent1"/>
-            </a:effectRef>
-            <a:fontRef idx="minor">
-              <a:schemeClr val="tx1"/>
-            </a:fontRef>
-          </p:style>
-        </p:cxnSp>
-      </p:grpSp>
-      <p:grpSp>
-        <p:nvGrpSpPr>
-          <p:cNvPr id="16" name="Grupo 15">
-            <a:extLst>
-              <a:ext uri="{FF2B5EF4-FFF2-40B4-BE49-F238E27FC236}">
-                <a16:creationId xmlns:a16="http://schemas.microsoft.com/office/drawing/2014/main" id="{2B8F59BB-F9DF-764B-B28F-76D6AF015D54}"/>
-              </a:ext>
-            </a:extLst>
-          </p:cNvPr>
-          <p:cNvGrpSpPr/>
-          <p:nvPr/>
-        </p:nvGrpSpPr>
-        <p:grpSpPr>
-          <a:xfrm>
-            <a:off x="3630925" y="4576353"/>
-            <a:ext cx="1432841" cy="1820091"/>
-            <a:chOff x="1937376" y="5486400"/>
-            <a:chExt cx="1432841" cy="1820091"/>
-          </a:xfrm>
-        </p:grpSpPr>
-        <p:cxnSp>
-          <p:nvCxnSpPr>
-            <p:cNvPr id="17" name="Conector recto 16">
-              <a:extLst>
-                <a:ext uri="{FF2B5EF4-FFF2-40B4-BE49-F238E27FC236}">
-                  <a16:creationId xmlns:a16="http://schemas.microsoft.com/office/drawing/2014/main" id="{48941692-74E9-3144-A4B5-CCB3BE1764F1}"/>
-                </a:ext>
-              </a:extLst>
-            </p:cNvPr>
-            <p:cNvCxnSpPr/>
-            <p:nvPr/>
-          </p:nvCxnSpPr>
-          <p:spPr>
-            <a:xfrm flipV="1">
-              <a:off x="1937376" y="5486400"/>
-              <a:ext cx="378787" cy="930275"/>
+              <a:off x="1319238" y="5167789"/>
+              <a:ext cx="1449563" cy="1"/>
             </a:xfrm>
             <a:prstGeom prst="line">
               <a:avLst/>
@@ -3151,53 +3039,10 @@
         </p:cxnSp>
         <p:cxnSp>
           <p:nvCxnSpPr>
-            <p:cNvPr id="18" name="Conector recto 17">
+            <p:cNvPr id="13" name="Conector recto 12">
               <a:extLst>
                 <a:ext uri="{FF2B5EF4-FFF2-40B4-BE49-F238E27FC236}">
-                  <a16:creationId xmlns:a16="http://schemas.microsoft.com/office/drawing/2014/main" id="{FF444EE4-B558-4849-8469-1B1129C19A8C}"/>
-                </a:ext>
-              </a:extLst>
-            </p:cNvPr>
-            <p:cNvCxnSpPr>
-              <a:cxnSpLocks/>
-            </p:cNvCxnSpPr>
-            <p:nvPr/>
-          </p:nvCxnSpPr>
-          <p:spPr>
-            <a:xfrm>
-              <a:off x="1937376" y="6416675"/>
-              <a:ext cx="378787" cy="889816"/>
-            </a:xfrm>
-            <a:prstGeom prst="line">
-              <a:avLst/>
-            </a:prstGeom>
-            <a:ln w="22225">
-              <a:solidFill>
-                <a:schemeClr val="tx1"/>
-              </a:solidFill>
-            </a:ln>
-          </p:spPr>
-          <p:style>
-            <a:lnRef idx="1">
-              <a:schemeClr val="accent1"/>
-            </a:lnRef>
-            <a:fillRef idx="0">
-              <a:schemeClr val="accent1"/>
-            </a:fillRef>
-            <a:effectRef idx="0">
-              <a:schemeClr val="accent1"/>
-            </a:effectRef>
-            <a:fontRef idx="minor">
-              <a:schemeClr val="tx1"/>
-            </a:fontRef>
-          </p:style>
-        </p:cxnSp>
-        <p:cxnSp>
-          <p:nvCxnSpPr>
-            <p:cNvPr id="19" name="Conector recto 18">
-              <a:extLst>
-                <a:ext uri="{FF2B5EF4-FFF2-40B4-BE49-F238E27FC236}">
-                  <a16:creationId xmlns:a16="http://schemas.microsoft.com/office/drawing/2014/main" id="{11000258-D4BB-B14F-8978-DE023067A186}"/>
+                  <a16:creationId xmlns:a16="http://schemas.microsoft.com/office/drawing/2014/main" id="{8F384298-83E4-F748-8530-32DC89E2B213}"/>
                 </a:ext>
               </a:extLst>
             </p:cNvPr>
@@ -3208,51 +3053,8 @@
           </p:nvCxnSpPr>
           <p:spPr>
             <a:xfrm flipV="1">
-              <a:off x="2307454" y="5486401"/>
-              <a:ext cx="1054054" cy="1"/>
-            </a:xfrm>
-            <a:prstGeom prst="line">
-              <a:avLst/>
-            </a:prstGeom>
-            <a:ln w="22225">
-              <a:solidFill>
-                <a:schemeClr val="tx1"/>
-              </a:solidFill>
-            </a:ln>
-          </p:spPr>
-          <p:style>
-            <a:lnRef idx="1">
-              <a:schemeClr val="accent1"/>
-            </a:lnRef>
-            <a:fillRef idx="0">
-              <a:schemeClr val="accent1"/>
-            </a:fillRef>
-            <a:effectRef idx="0">
-              <a:schemeClr val="accent1"/>
-            </a:effectRef>
-            <a:fontRef idx="minor">
-              <a:schemeClr val="tx1"/>
-            </a:fontRef>
-          </p:style>
-        </p:cxnSp>
-        <p:cxnSp>
-          <p:nvCxnSpPr>
-            <p:cNvPr id="20" name="Conector recto 19">
-              <a:extLst>
-                <a:ext uri="{FF2B5EF4-FFF2-40B4-BE49-F238E27FC236}">
-                  <a16:creationId xmlns:a16="http://schemas.microsoft.com/office/drawing/2014/main" id="{8BA1B5E8-4EBE-BE4F-A4B6-CD640F250F82}"/>
-                </a:ext>
-              </a:extLst>
-            </p:cNvPr>
-            <p:cNvCxnSpPr>
-              <a:cxnSpLocks/>
-            </p:cNvCxnSpPr>
-            <p:nvPr/>
-          </p:nvCxnSpPr>
-          <p:spPr>
-            <a:xfrm flipV="1">
-              <a:off x="2316163" y="7306490"/>
-              <a:ext cx="1054054" cy="1"/>
+              <a:off x="1319238" y="7693275"/>
+              <a:ext cx="1449563" cy="1"/>
             </a:xfrm>
             <a:prstGeom prst="line">
               <a:avLst/>
@@ -3279,182 +3081,12 @@
           </p:style>
         </p:cxnSp>
       </p:grpSp>
-      <p:cxnSp>
-        <p:nvCxnSpPr>
-          <p:cNvPr id="22" name="Conector recto 21">
+      <p:sp>
+        <p:nvSpPr>
+          <p:cNvPr id="32" name="Triángulo 31">
             <a:extLst>
               <a:ext uri="{FF2B5EF4-FFF2-40B4-BE49-F238E27FC236}">
-                <a16:creationId xmlns:a16="http://schemas.microsoft.com/office/drawing/2014/main" id="{CFB38796-9FDC-C541-B8E2-767C5D97DE23}"/>
-              </a:ext>
-            </a:extLst>
-          </p:cNvPr>
-          <p:cNvCxnSpPr/>
-          <p:nvPr/>
-        </p:nvCxnSpPr>
-        <p:spPr>
-          <a:xfrm flipV="1">
-            <a:off x="5332620" y="3645558"/>
-            <a:ext cx="378787" cy="930275"/>
-          </a:xfrm>
-          <a:prstGeom prst="line">
-            <a:avLst/>
-          </a:prstGeom>
-          <a:ln w="22225">
-            <a:solidFill>
-              <a:schemeClr val="tx1"/>
-            </a:solidFill>
-          </a:ln>
-        </p:spPr>
-        <p:style>
-          <a:lnRef idx="1">
-            <a:schemeClr val="accent1"/>
-          </a:lnRef>
-          <a:fillRef idx="0">
-            <a:schemeClr val="accent1"/>
-          </a:fillRef>
-          <a:effectRef idx="0">
-            <a:schemeClr val="accent1"/>
-          </a:effectRef>
-          <a:fontRef idx="minor">
-            <a:schemeClr val="tx1"/>
-          </a:fontRef>
-        </p:style>
-      </p:cxnSp>
-      <p:cxnSp>
-        <p:nvCxnSpPr>
-          <p:cNvPr id="23" name="Conector recto 22">
-            <a:extLst>
-              <a:ext uri="{FF2B5EF4-FFF2-40B4-BE49-F238E27FC236}">
-                <a16:creationId xmlns:a16="http://schemas.microsoft.com/office/drawing/2014/main" id="{ED5DEDD9-EF2B-A440-A826-2D443E1C8390}"/>
-              </a:ext>
-            </a:extLst>
-          </p:cNvPr>
-          <p:cNvCxnSpPr>
-            <a:cxnSpLocks/>
-          </p:cNvCxnSpPr>
-          <p:nvPr/>
-        </p:nvCxnSpPr>
-        <p:spPr>
-          <a:xfrm>
-            <a:off x="5332620" y="4570454"/>
-            <a:ext cx="378787" cy="889816"/>
-          </a:xfrm>
-          <a:prstGeom prst="line">
-            <a:avLst/>
-          </a:prstGeom>
-          <a:ln w="22225">
-            <a:solidFill>
-              <a:schemeClr val="tx1"/>
-            </a:solidFill>
-          </a:ln>
-        </p:spPr>
-        <p:style>
-          <a:lnRef idx="1">
-            <a:schemeClr val="accent1"/>
-          </a:lnRef>
-          <a:fillRef idx="0">
-            <a:schemeClr val="accent1"/>
-          </a:fillRef>
-          <a:effectRef idx="0">
-            <a:schemeClr val="accent1"/>
-          </a:effectRef>
-          <a:fontRef idx="minor">
-            <a:schemeClr val="tx1"/>
-          </a:fontRef>
-        </p:style>
-      </p:cxnSp>
-      <p:cxnSp>
-        <p:nvCxnSpPr>
-          <p:cNvPr id="24" name="Conector recto 23">
-            <a:extLst>
-              <a:ext uri="{FF2B5EF4-FFF2-40B4-BE49-F238E27FC236}">
-                <a16:creationId xmlns:a16="http://schemas.microsoft.com/office/drawing/2014/main" id="{7C4E940C-3EB8-1F42-8260-D5F59D947E76}"/>
-              </a:ext>
-            </a:extLst>
-          </p:cNvPr>
-          <p:cNvCxnSpPr>
-            <a:cxnSpLocks/>
-          </p:cNvCxnSpPr>
-          <p:nvPr/>
-        </p:nvCxnSpPr>
-        <p:spPr>
-          <a:xfrm flipV="1">
-            <a:off x="5702698" y="3640180"/>
-            <a:ext cx="1054054" cy="1"/>
-          </a:xfrm>
-          <a:prstGeom prst="line">
-            <a:avLst/>
-          </a:prstGeom>
-          <a:ln w="22225">
-            <a:solidFill>
-              <a:schemeClr val="tx1"/>
-            </a:solidFill>
-          </a:ln>
-        </p:spPr>
-        <p:style>
-          <a:lnRef idx="1">
-            <a:schemeClr val="accent1"/>
-          </a:lnRef>
-          <a:fillRef idx="0">
-            <a:schemeClr val="accent1"/>
-          </a:fillRef>
-          <a:effectRef idx="0">
-            <a:schemeClr val="accent1"/>
-          </a:effectRef>
-          <a:fontRef idx="minor">
-            <a:schemeClr val="tx1"/>
-          </a:fontRef>
-        </p:style>
-      </p:cxnSp>
-      <p:cxnSp>
-        <p:nvCxnSpPr>
-          <p:cNvPr id="25" name="Conector recto 24">
-            <a:extLst>
-              <a:ext uri="{FF2B5EF4-FFF2-40B4-BE49-F238E27FC236}">
-                <a16:creationId xmlns:a16="http://schemas.microsoft.com/office/drawing/2014/main" id="{FD12C1C7-E74A-6A4C-8394-87701F1E8AE8}"/>
-              </a:ext>
-            </a:extLst>
-          </p:cNvPr>
-          <p:cNvCxnSpPr>
-            <a:cxnSpLocks/>
-          </p:cNvCxnSpPr>
-          <p:nvPr/>
-        </p:nvCxnSpPr>
-        <p:spPr>
-          <a:xfrm flipV="1">
-            <a:off x="5711407" y="5460269"/>
-            <a:ext cx="1054054" cy="1"/>
-          </a:xfrm>
-          <a:prstGeom prst="line">
-            <a:avLst/>
-          </a:prstGeom>
-          <a:ln w="22225">
-            <a:solidFill>
-              <a:schemeClr val="tx1"/>
-            </a:solidFill>
-          </a:ln>
-        </p:spPr>
-        <p:style>
-          <a:lnRef idx="1">
-            <a:schemeClr val="accent1"/>
-          </a:lnRef>
-          <a:fillRef idx="0">
-            <a:schemeClr val="accent1"/>
-          </a:fillRef>
-          <a:effectRef idx="0">
-            <a:schemeClr val="accent1"/>
-          </a:effectRef>
-          <a:fontRef idx="minor">
-            <a:schemeClr val="tx1"/>
-          </a:fontRef>
-        </p:style>
-      </p:cxnSp>
-      <p:sp>
-        <p:nvSpPr>
-          <p:cNvPr id="26" name="Rectángulo 25">
-            <a:extLst>
-              <a:ext uri="{FF2B5EF4-FFF2-40B4-BE49-F238E27FC236}">
-                <a16:creationId xmlns:a16="http://schemas.microsoft.com/office/drawing/2014/main" id="{391AAA76-0C95-C647-9191-A88B764D416A}"/>
+                <a16:creationId xmlns:a16="http://schemas.microsoft.com/office/drawing/2014/main" id="{676C999F-FC3D-9047-83E2-442B3673517C}"/>
               </a:ext>
             </a:extLst>
           </p:cNvPr>
@@ -3462,595 +3094,8 @@
           <p:nvPr/>
         </p:nvSpPr>
         <p:spPr>
-          <a:xfrm>
-            <a:off x="5067839" y="4455732"/>
-            <a:ext cx="251999" cy="251999"/>
-          </a:xfrm>
-          <a:prstGeom prst="rect">
-            <a:avLst/>
-          </a:prstGeom>
-          <a:solidFill>
-            <a:schemeClr val="bg1"/>
-          </a:solidFill>
-          <a:ln w="22225">
-            <a:solidFill>
-              <a:schemeClr val="tx1"/>
-            </a:solidFill>
-          </a:ln>
-        </p:spPr>
-        <p:style>
-          <a:lnRef idx="2">
-            <a:schemeClr val="accent1">
-              <a:shade val="50000"/>
-            </a:schemeClr>
-          </a:lnRef>
-          <a:fillRef idx="1">
-            <a:schemeClr val="accent1"/>
-          </a:fillRef>
-          <a:effectRef idx="0">
-            <a:schemeClr val="accent1"/>
-          </a:effectRef>
-          <a:fontRef idx="minor">
-            <a:schemeClr val="lt1"/>
-          </a:fontRef>
-        </p:style>
-        <p:txBody>
-          <a:bodyPr rtlCol="0" anchor="ctr"/>
-          <a:lstStyle/>
-          <a:p>
-            <a:pPr algn="ctr"/>
-            <a:endParaRPr lang="es-CO"/>
-          </a:p>
-        </p:txBody>
-      </p:sp>
-      <p:cxnSp>
-        <p:nvCxnSpPr>
-          <p:cNvPr id="27" name="Conector recto 26">
-            <a:extLst>
-              <a:ext uri="{FF2B5EF4-FFF2-40B4-BE49-F238E27FC236}">
-                <a16:creationId xmlns:a16="http://schemas.microsoft.com/office/drawing/2014/main" id="{8535C24F-C52C-4B42-B9C6-5D27B1108881}"/>
-              </a:ext>
-            </a:extLst>
-          </p:cNvPr>
-          <p:cNvCxnSpPr>
-            <a:cxnSpLocks/>
-          </p:cNvCxnSpPr>
-          <p:nvPr/>
-        </p:nvCxnSpPr>
-        <p:spPr>
-          <a:xfrm flipV="1">
-            <a:off x="5332620" y="4575833"/>
-            <a:ext cx="1411080" cy="5695"/>
-          </a:xfrm>
-          <a:prstGeom prst="line">
-            <a:avLst/>
-          </a:prstGeom>
-          <a:ln w="22225">
-            <a:solidFill>
-              <a:schemeClr val="tx1"/>
-            </a:solidFill>
-          </a:ln>
-        </p:spPr>
-        <p:style>
-          <a:lnRef idx="1">
-            <a:schemeClr val="accent1"/>
-          </a:lnRef>
-          <a:fillRef idx="0">
-            <a:schemeClr val="accent1"/>
-          </a:fillRef>
-          <a:effectRef idx="0">
-            <a:schemeClr val="accent1"/>
-          </a:effectRef>
-          <a:fontRef idx="minor">
-            <a:schemeClr val="tx1"/>
-          </a:fontRef>
-        </p:style>
-      </p:cxnSp>
-      <p:grpSp>
-        <p:nvGrpSpPr>
-          <p:cNvPr id="30" name="Grupo 29">
-            <a:extLst>
-              <a:ext uri="{FF2B5EF4-FFF2-40B4-BE49-F238E27FC236}">
-                <a16:creationId xmlns:a16="http://schemas.microsoft.com/office/drawing/2014/main" id="{B483C276-CAEA-C348-9E83-8E68F948A1AF}"/>
-              </a:ext>
-            </a:extLst>
-          </p:cNvPr>
-          <p:cNvGrpSpPr/>
-          <p:nvPr/>
-        </p:nvGrpSpPr>
-        <p:grpSpPr>
-          <a:xfrm>
-            <a:off x="6994600" y="4311161"/>
-            <a:ext cx="1432841" cy="518586"/>
-            <a:chOff x="1937376" y="5486400"/>
-            <a:chExt cx="1432841" cy="1820091"/>
-          </a:xfrm>
-        </p:grpSpPr>
-        <p:cxnSp>
-          <p:nvCxnSpPr>
-            <p:cNvPr id="31" name="Conector recto 30">
-              <a:extLst>
-                <a:ext uri="{FF2B5EF4-FFF2-40B4-BE49-F238E27FC236}">
-                  <a16:creationId xmlns:a16="http://schemas.microsoft.com/office/drawing/2014/main" id="{81AE2E6F-CE7D-574B-B70C-BE8803EA98C1}"/>
-                </a:ext>
-              </a:extLst>
-            </p:cNvPr>
-            <p:cNvCxnSpPr/>
-            <p:nvPr/>
-          </p:nvCxnSpPr>
-          <p:spPr>
-            <a:xfrm flipV="1">
-              <a:off x="1937376" y="5486400"/>
-              <a:ext cx="378787" cy="930275"/>
-            </a:xfrm>
-            <a:prstGeom prst="line">
-              <a:avLst/>
-            </a:prstGeom>
-            <a:ln w="22225">
-              <a:solidFill>
-                <a:schemeClr val="tx1"/>
-              </a:solidFill>
-            </a:ln>
-          </p:spPr>
-          <p:style>
-            <a:lnRef idx="1">
-              <a:schemeClr val="accent1"/>
-            </a:lnRef>
-            <a:fillRef idx="0">
-              <a:schemeClr val="accent1"/>
-            </a:fillRef>
-            <a:effectRef idx="0">
-              <a:schemeClr val="accent1"/>
-            </a:effectRef>
-            <a:fontRef idx="minor">
-              <a:schemeClr val="tx1"/>
-            </a:fontRef>
-          </p:style>
-        </p:cxnSp>
-        <p:cxnSp>
-          <p:nvCxnSpPr>
-            <p:cNvPr id="32" name="Conector recto 31">
-              <a:extLst>
-                <a:ext uri="{FF2B5EF4-FFF2-40B4-BE49-F238E27FC236}">
-                  <a16:creationId xmlns:a16="http://schemas.microsoft.com/office/drawing/2014/main" id="{3AA14E7C-CF14-704E-A5CC-DD48C6AC7FBA}"/>
-                </a:ext>
-              </a:extLst>
-            </p:cNvPr>
-            <p:cNvCxnSpPr>
-              <a:cxnSpLocks/>
-            </p:cNvCxnSpPr>
-            <p:nvPr/>
-          </p:nvCxnSpPr>
-          <p:spPr>
-            <a:xfrm>
-              <a:off x="1937376" y="6416675"/>
-              <a:ext cx="378787" cy="889816"/>
-            </a:xfrm>
-            <a:prstGeom prst="line">
-              <a:avLst/>
-            </a:prstGeom>
-            <a:ln w="22225">
-              <a:solidFill>
-                <a:schemeClr val="tx1"/>
-              </a:solidFill>
-            </a:ln>
-          </p:spPr>
-          <p:style>
-            <a:lnRef idx="1">
-              <a:schemeClr val="accent1"/>
-            </a:lnRef>
-            <a:fillRef idx="0">
-              <a:schemeClr val="accent1"/>
-            </a:fillRef>
-            <a:effectRef idx="0">
-              <a:schemeClr val="accent1"/>
-            </a:effectRef>
-            <a:fontRef idx="minor">
-              <a:schemeClr val="tx1"/>
-            </a:fontRef>
-          </p:style>
-        </p:cxnSp>
-        <p:cxnSp>
-          <p:nvCxnSpPr>
-            <p:cNvPr id="33" name="Conector recto 32">
-              <a:extLst>
-                <a:ext uri="{FF2B5EF4-FFF2-40B4-BE49-F238E27FC236}">
-                  <a16:creationId xmlns:a16="http://schemas.microsoft.com/office/drawing/2014/main" id="{A9EE57C4-0378-9949-A03C-B346F13B3B87}"/>
-                </a:ext>
-              </a:extLst>
-            </p:cNvPr>
-            <p:cNvCxnSpPr>
-              <a:cxnSpLocks/>
-            </p:cNvCxnSpPr>
-            <p:nvPr/>
-          </p:nvCxnSpPr>
-          <p:spPr>
-            <a:xfrm flipV="1">
-              <a:off x="2307454" y="5486401"/>
-              <a:ext cx="1054054" cy="1"/>
-            </a:xfrm>
-            <a:prstGeom prst="line">
-              <a:avLst/>
-            </a:prstGeom>
-            <a:ln w="22225">
-              <a:solidFill>
-                <a:schemeClr val="tx1"/>
-              </a:solidFill>
-            </a:ln>
-          </p:spPr>
-          <p:style>
-            <a:lnRef idx="1">
-              <a:schemeClr val="accent1"/>
-            </a:lnRef>
-            <a:fillRef idx="0">
-              <a:schemeClr val="accent1"/>
-            </a:fillRef>
-            <a:effectRef idx="0">
-              <a:schemeClr val="accent1"/>
-            </a:effectRef>
-            <a:fontRef idx="minor">
-              <a:schemeClr val="tx1"/>
-            </a:fontRef>
-          </p:style>
-        </p:cxnSp>
-        <p:cxnSp>
-          <p:nvCxnSpPr>
-            <p:cNvPr id="34" name="Conector recto 33">
-              <a:extLst>
-                <a:ext uri="{FF2B5EF4-FFF2-40B4-BE49-F238E27FC236}">
-                  <a16:creationId xmlns:a16="http://schemas.microsoft.com/office/drawing/2014/main" id="{ED254405-6714-A643-9C76-C6A30D3ADD88}"/>
-                </a:ext>
-              </a:extLst>
-            </p:cNvPr>
-            <p:cNvCxnSpPr>
-              <a:cxnSpLocks/>
-            </p:cNvCxnSpPr>
-            <p:nvPr/>
-          </p:nvCxnSpPr>
-          <p:spPr>
-            <a:xfrm flipV="1">
-              <a:off x="2316163" y="7306490"/>
-              <a:ext cx="1054054" cy="1"/>
-            </a:xfrm>
-            <a:prstGeom prst="line">
-              <a:avLst/>
-            </a:prstGeom>
-            <a:ln w="22225">
-              <a:solidFill>
-                <a:schemeClr val="tx1"/>
-              </a:solidFill>
-            </a:ln>
-          </p:spPr>
-          <p:style>
-            <a:lnRef idx="1">
-              <a:schemeClr val="accent1"/>
-            </a:lnRef>
-            <a:fillRef idx="0">
-              <a:schemeClr val="accent1"/>
-            </a:fillRef>
-            <a:effectRef idx="0">
-              <a:schemeClr val="accent1"/>
-            </a:effectRef>
-            <a:fontRef idx="minor">
-              <a:schemeClr val="tx1"/>
-            </a:fontRef>
-          </p:style>
-        </p:cxnSp>
-      </p:grpSp>
-      <p:sp>
-        <p:nvSpPr>
-          <p:cNvPr id="35" name="Elipse 34">
-            <a:extLst>
-              <a:ext uri="{FF2B5EF4-FFF2-40B4-BE49-F238E27FC236}">
-                <a16:creationId xmlns:a16="http://schemas.microsoft.com/office/drawing/2014/main" id="{A761937A-A318-A540-9E20-5C07A44699C2}"/>
-              </a:ext>
-            </a:extLst>
-          </p:cNvPr>
-          <p:cNvSpPr/>
-          <p:nvPr/>
-        </p:nvSpPr>
-        <p:spPr>
-          <a:xfrm>
-            <a:off x="6743700" y="4455732"/>
-            <a:ext cx="251999" cy="251999"/>
-          </a:xfrm>
-          <a:prstGeom prst="ellipse">
-            <a:avLst/>
-          </a:prstGeom>
-          <a:solidFill>
-            <a:schemeClr val="bg1"/>
-          </a:solidFill>
-          <a:ln w="22225">
-            <a:solidFill>
-              <a:schemeClr val="tx1"/>
-            </a:solidFill>
-          </a:ln>
-        </p:spPr>
-        <p:style>
-          <a:lnRef idx="2">
-            <a:schemeClr val="accent1">
-              <a:shade val="50000"/>
-            </a:schemeClr>
-          </a:lnRef>
-          <a:fillRef idx="1">
-            <a:schemeClr val="accent1"/>
-          </a:fillRef>
-          <a:effectRef idx="0">
-            <a:schemeClr val="accent1"/>
-          </a:effectRef>
-          <a:fontRef idx="minor">
-            <a:schemeClr val="lt1"/>
-          </a:fontRef>
-        </p:style>
-        <p:txBody>
-          <a:bodyPr rtlCol="0" anchor="ctr"/>
-          <a:lstStyle/>
-          <a:p>
-            <a:pPr algn="ctr"/>
-            <a:endParaRPr lang="es-CO"/>
-          </a:p>
-        </p:txBody>
-      </p:sp>
-      <p:sp>
-        <p:nvSpPr>
-          <p:cNvPr id="36" name="Elipse 35">
-            <a:extLst>
-              <a:ext uri="{FF2B5EF4-FFF2-40B4-BE49-F238E27FC236}">
-                <a16:creationId xmlns:a16="http://schemas.microsoft.com/office/drawing/2014/main" id="{ECB6D4C1-4404-A546-92B2-F8A2B45E22B6}"/>
-              </a:ext>
-            </a:extLst>
-          </p:cNvPr>
-          <p:cNvSpPr/>
-          <p:nvPr/>
-        </p:nvSpPr>
-        <p:spPr>
-          <a:xfrm>
-            <a:off x="6742601" y="5334269"/>
-            <a:ext cx="251999" cy="251999"/>
-          </a:xfrm>
-          <a:prstGeom prst="ellipse">
-            <a:avLst/>
-          </a:prstGeom>
-          <a:solidFill>
-            <a:schemeClr val="bg1"/>
-          </a:solidFill>
-          <a:ln w="22225">
-            <a:solidFill>
-              <a:schemeClr val="tx1"/>
-            </a:solidFill>
-          </a:ln>
-        </p:spPr>
-        <p:style>
-          <a:lnRef idx="2">
-            <a:schemeClr val="accent1">
-              <a:shade val="50000"/>
-            </a:schemeClr>
-          </a:lnRef>
-          <a:fillRef idx="1">
-            <a:schemeClr val="accent1"/>
-          </a:fillRef>
-          <a:effectRef idx="0">
-            <a:schemeClr val="accent1"/>
-          </a:effectRef>
-          <a:fontRef idx="minor">
-            <a:schemeClr val="lt1"/>
-          </a:fontRef>
-        </p:style>
-        <p:txBody>
-          <a:bodyPr rtlCol="0" anchor="ctr"/>
-          <a:lstStyle/>
-          <a:p>
-            <a:pPr algn="ctr"/>
-            <a:endParaRPr lang="es-CO"/>
-          </a:p>
-        </p:txBody>
-      </p:sp>
-      <p:grpSp>
-        <p:nvGrpSpPr>
-          <p:cNvPr id="42" name="Grupo 41">
-            <a:extLst>
-              <a:ext uri="{FF2B5EF4-FFF2-40B4-BE49-F238E27FC236}">
-                <a16:creationId xmlns:a16="http://schemas.microsoft.com/office/drawing/2014/main" id="{179C0C33-CAF1-6D48-AAD1-2983AF31AD60}"/>
-              </a:ext>
-            </a:extLst>
-          </p:cNvPr>
-          <p:cNvGrpSpPr/>
-          <p:nvPr/>
-        </p:nvGrpSpPr>
-        <p:grpSpPr>
-          <a:xfrm>
-            <a:off x="7000759" y="5200975"/>
-            <a:ext cx="1432841" cy="518586"/>
-            <a:chOff x="1937376" y="5486400"/>
-            <a:chExt cx="1432841" cy="1820091"/>
-          </a:xfrm>
-        </p:grpSpPr>
-        <p:cxnSp>
-          <p:nvCxnSpPr>
-            <p:cNvPr id="43" name="Conector recto 42">
-              <a:extLst>
-                <a:ext uri="{FF2B5EF4-FFF2-40B4-BE49-F238E27FC236}">
-                  <a16:creationId xmlns:a16="http://schemas.microsoft.com/office/drawing/2014/main" id="{C5FCD2B8-CF47-5543-BFFE-80BB4FDEFDA4}"/>
-                </a:ext>
-              </a:extLst>
-            </p:cNvPr>
-            <p:cNvCxnSpPr/>
-            <p:nvPr/>
-          </p:nvCxnSpPr>
-          <p:spPr>
-            <a:xfrm flipV="1">
-              <a:off x="1937376" y="5486400"/>
-              <a:ext cx="378787" cy="930275"/>
-            </a:xfrm>
-            <a:prstGeom prst="line">
-              <a:avLst/>
-            </a:prstGeom>
-            <a:ln w="22225">
-              <a:solidFill>
-                <a:schemeClr val="tx1"/>
-              </a:solidFill>
-            </a:ln>
-          </p:spPr>
-          <p:style>
-            <a:lnRef idx="1">
-              <a:schemeClr val="accent1"/>
-            </a:lnRef>
-            <a:fillRef idx="0">
-              <a:schemeClr val="accent1"/>
-            </a:fillRef>
-            <a:effectRef idx="0">
-              <a:schemeClr val="accent1"/>
-            </a:effectRef>
-            <a:fontRef idx="minor">
-              <a:schemeClr val="tx1"/>
-            </a:fontRef>
-          </p:style>
-        </p:cxnSp>
-        <p:cxnSp>
-          <p:nvCxnSpPr>
-            <p:cNvPr id="44" name="Conector recto 43">
-              <a:extLst>
-                <a:ext uri="{FF2B5EF4-FFF2-40B4-BE49-F238E27FC236}">
-                  <a16:creationId xmlns:a16="http://schemas.microsoft.com/office/drawing/2014/main" id="{E907D07D-5C3F-F94E-BE08-5D68F68F3817}"/>
-                </a:ext>
-              </a:extLst>
-            </p:cNvPr>
-            <p:cNvCxnSpPr>
-              <a:cxnSpLocks/>
-            </p:cNvCxnSpPr>
-            <p:nvPr/>
-          </p:nvCxnSpPr>
-          <p:spPr>
-            <a:xfrm>
-              <a:off x="1937376" y="6416675"/>
-              <a:ext cx="378787" cy="889816"/>
-            </a:xfrm>
-            <a:prstGeom prst="line">
-              <a:avLst/>
-            </a:prstGeom>
-            <a:ln w="22225">
-              <a:solidFill>
-                <a:schemeClr val="tx1"/>
-              </a:solidFill>
-            </a:ln>
-          </p:spPr>
-          <p:style>
-            <a:lnRef idx="1">
-              <a:schemeClr val="accent1"/>
-            </a:lnRef>
-            <a:fillRef idx="0">
-              <a:schemeClr val="accent1"/>
-            </a:fillRef>
-            <a:effectRef idx="0">
-              <a:schemeClr val="accent1"/>
-            </a:effectRef>
-            <a:fontRef idx="minor">
-              <a:schemeClr val="tx1"/>
-            </a:fontRef>
-          </p:style>
-        </p:cxnSp>
-        <p:cxnSp>
-          <p:nvCxnSpPr>
-            <p:cNvPr id="45" name="Conector recto 44">
-              <a:extLst>
-                <a:ext uri="{FF2B5EF4-FFF2-40B4-BE49-F238E27FC236}">
-                  <a16:creationId xmlns:a16="http://schemas.microsoft.com/office/drawing/2014/main" id="{0723EE86-CE4F-B54D-941C-6C6A04D1F337}"/>
-                </a:ext>
-              </a:extLst>
-            </p:cNvPr>
-            <p:cNvCxnSpPr>
-              <a:cxnSpLocks/>
-            </p:cNvCxnSpPr>
-            <p:nvPr/>
-          </p:nvCxnSpPr>
-          <p:spPr>
-            <a:xfrm flipV="1">
-              <a:off x="2307454" y="5486401"/>
-              <a:ext cx="1054054" cy="1"/>
-            </a:xfrm>
-            <a:prstGeom prst="line">
-              <a:avLst/>
-            </a:prstGeom>
-            <a:ln w="22225">
-              <a:solidFill>
-                <a:schemeClr val="tx1"/>
-              </a:solidFill>
-            </a:ln>
-          </p:spPr>
-          <p:style>
-            <a:lnRef idx="1">
-              <a:schemeClr val="accent1"/>
-            </a:lnRef>
-            <a:fillRef idx="0">
-              <a:schemeClr val="accent1"/>
-            </a:fillRef>
-            <a:effectRef idx="0">
-              <a:schemeClr val="accent1"/>
-            </a:effectRef>
-            <a:fontRef idx="minor">
-              <a:schemeClr val="tx1"/>
-            </a:fontRef>
-          </p:style>
-        </p:cxnSp>
-        <p:cxnSp>
-          <p:nvCxnSpPr>
-            <p:cNvPr id="46" name="Conector recto 45">
-              <a:extLst>
-                <a:ext uri="{FF2B5EF4-FFF2-40B4-BE49-F238E27FC236}">
-                  <a16:creationId xmlns:a16="http://schemas.microsoft.com/office/drawing/2014/main" id="{CF25DA17-272B-EE4C-9A3A-E44925BC6307}"/>
-                </a:ext>
-              </a:extLst>
-            </p:cNvPr>
-            <p:cNvCxnSpPr>
-              <a:cxnSpLocks/>
-            </p:cNvCxnSpPr>
-            <p:nvPr/>
-          </p:nvCxnSpPr>
-          <p:spPr>
-            <a:xfrm flipV="1">
-              <a:off x="2316163" y="7306490"/>
-              <a:ext cx="1054054" cy="1"/>
-            </a:xfrm>
-            <a:prstGeom prst="line">
-              <a:avLst/>
-            </a:prstGeom>
-            <a:ln w="22225">
-              <a:solidFill>
-                <a:schemeClr val="tx1"/>
-              </a:solidFill>
-            </a:ln>
-          </p:spPr>
-          <p:style>
-            <a:lnRef idx="1">
-              <a:schemeClr val="accent1"/>
-            </a:lnRef>
-            <a:fillRef idx="0">
-              <a:schemeClr val="accent1"/>
-            </a:fillRef>
-            <a:effectRef idx="0">
-              <a:schemeClr val="accent1"/>
-            </a:effectRef>
-            <a:fontRef idx="minor">
-              <a:schemeClr val="tx1"/>
-            </a:fontRef>
-          </p:style>
-        </p:cxnSp>
-      </p:grpSp>
-      <p:sp>
-        <p:nvSpPr>
-          <p:cNvPr id="47" name="Triángulo 46">
-            <a:extLst>
-              <a:ext uri="{FF2B5EF4-FFF2-40B4-BE49-F238E27FC236}">
-                <a16:creationId xmlns:a16="http://schemas.microsoft.com/office/drawing/2014/main" id="{0352E989-5B81-754F-80DB-DFF446962F86}"/>
-              </a:ext>
-            </a:extLst>
-          </p:cNvPr>
-          <p:cNvSpPr/>
-          <p:nvPr/>
-        </p:nvSpPr>
-        <p:spPr>
           <a:xfrm rot="16200000">
-            <a:off x="3373117" y="7181310"/>
+            <a:off x="2777532" y="7558898"/>
             <a:ext cx="251999" cy="251999"/>
           </a:xfrm>
           <a:prstGeom prst="triangle">
@@ -4092,10 +3137,10 @@
       </p:sp>
       <p:sp>
         <p:nvSpPr>
-          <p:cNvPr id="48" name="Triángulo 47">
+          <p:cNvPr id="33" name="Triángulo 32">
             <a:extLst>
               <a:ext uri="{FF2B5EF4-FFF2-40B4-BE49-F238E27FC236}">
-                <a16:creationId xmlns:a16="http://schemas.microsoft.com/office/drawing/2014/main" id="{392BC8CF-A212-7942-A501-E8BA422CE145}"/>
+                <a16:creationId xmlns:a16="http://schemas.microsoft.com/office/drawing/2014/main" id="{A06886DE-DB53-934B-83FD-B1AAF4FB3AEB}"/>
               </a:ext>
             </a:extLst>
           </p:cNvPr>
@@ -4104,7 +3149,7 @@
         </p:nvSpPr>
         <p:spPr>
           <a:xfrm rot="16200000">
-            <a:off x="5073187" y="6266600"/>
+            <a:off x="4946483" y="6307610"/>
             <a:ext cx="251999" cy="251999"/>
           </a:xfrm>
           <a:prstGeom prst="triangle">
@@ -4146,280 +3191,10 @@
       </p:sp>
       <p:sp>
         <p:nvSpPr>
-          <p:cNvPr id="49" name="Triángulo 48">
+          <p:cNvPr id="39" name="CuadroTexto 38">
             <a:extLst>
               <a:ext uri="{FF2B5EF4-FFF2-40B4-BE49-F238E27FC236}">
-                <a16:creationId xmlns:a16="http://schemas.microsoft.com/office/drawing/2014/main" id="{3B061738-1FC7-5149-8106-DC49E5F48315}"/>
-              </a:ext>
-            </a:extLst>
-          </p:cNvPr>
-          <p:cNvSpPr/>
-          <p:nvPr/>
-        </p:nvSpPr>
-        <p:spPr>
-          <a:xfrm rot="16200000">
-            <a:off x="6758027" y="3514180"/>
-            <a:ext cx="251999" cy="251999"/>
-          </a:xfrm>
-          <a:prstGeom prst="triangle">
-            <a:avLst/>
-          </a:prstGeom>
-          <a:solidFill>
-            <a:schemeClr val="bg1"/>
-          </a:solidFill>
-          <a:ln w="22225">
-            <a:solidFill>
-              <a:schemeClr val="tx1"/>
-            </a:solidFill>
-          </a:ln>
-        </p:spPr>
-        <p:style>
-          <a:lnRef idx="2">
-            <a:schemeClr val="accent1">
-              <a:shade val="50000"/>
-            </a:schemeClr>
-          </a:lnRef>
-          <a:fillRef idx="1">
-            <a:schemeClr val="accent1"/>
-          </a:fillRef>
-          <a:effectRef idx="0">
-            <a:schemeClr val="accent1"/>
-          </a:effectRef>
-          <a:fontRef idx="minor">
-            <a:schemeClr val="lt1"/>
-          </a:fontRef>
-        </p:style>
-        <p:txBody>
-          <a:bodyPr rtlCol="0" anchor="ctr"/>
-          <a:lstStyle/>
-          <a:p>
-            <a:pPr algn="ctr"/>
-            <a:endParaRPr lang="es-CO"/>
-          </a:p>
-        </p:txBody>
-      </p:sp>
-      <p:sp>
-        <p:nvSpPr>
-          <p:cNvPr id="50" name="Triángulo 49">
-            <a:extLst>
-              <a:ext uri="{FF2B5EF4-FFF2-40B4-BE49-F238E27FC236}">
-                <a16:creationId xmlns:a16="http://schemas.microsoft.com/office/drawing/2014/main" id="{E6A0903A-FB67-9545-AE27-0E0EA578F606}"/>
-              </a:ext>
-            </a:extLst>
-          </p:cNvPr>
-          <p:cNvSpPr/>
-          <p:nvPr/>
-        </p:nvSpPr>
-        <p:spPr>
-          <a:xfrm rot="16200000">
-            <a:off x="8436389" y="4185161"/>
-            <a:ext cx="251999" cy="251999"/>
-          </a:xfrm>
-          <a:prstGeom prst="triangle">
-            <a:avLst/>
-          </a:prstGeom>
-          <a:solidFill>
-            <a:schemeClr val="bg1"/>
-          </a:solidFill>
-          <a:ln w="22225">
-            <a:solidFill>
-              <a:schemeClr val="tx1"/>
-            </a:solidFill>
-          </a:ln>
-        </p:spPr>
-        <p:style>
-          <a:lnRef idx="2">
-            <a:schemeClr val="accent1">
-              <a:shade val="50000"/>
-            </a:schemeClr>
-          </a:lnRef>
-          <a:fillRef idx="1">
-            <a:schemeClr val="accent1"/>
-          </a:fillRef>
-          <a:effectRef idx="0">
-            <a:schemeClr val="accent1"/>
-          </a:effectRef>
-          <a:fontRef idx="minor">
-            <a:schemeClr val="lt1"/>
-          </a:fontRef>
-        </p:style>
-        <p:txBody>
-          <a:bodyPr rtlCol="0" anchor="ctr"/>
-          <a:lstStyle/>
-          <a:p>
-            <a:pPr algn="ctr"/>
-            <a:endParaRPr lang="es-CO"/>
-          </a:p>
-        </p:txBody>
-      </p:sp>
-      <p:sp>
-        <p:nvSpPr>
-          <p:cNvPr id="51" name="Triángulo 50">
-            <a:extLst>
-              <a:ext uri="{FF2B5EF4-FFF2-40B4-BE49-F238E27FC236}">
-                <a16:creationId xmlns:a16="http://schemas.microsoft.com/office/drawing/2014/main" id="{15CDA008-DBC8-DC48-BE24-981475FD1DA6}"/>
-              </a:ext>
-            </a:extLst>
-          </p:cNvPr>
-          <p:cNvSpPr/>
-          <p:nvPr/>
-        </p:nvSpPr>
-        <p:spPr>
-          <a:xfrm rot="16200000">
-            <a:off x="8427441" y="4703627"/>
-            <a:ext cx="251999" cy="251999"/>
-          </a:xfrm>
-          <a:prstGeom prst="triangle">
-            <a:avLst/>
-          </a:prstGeom>
-          <a:solidFill>
-            <a:schemeClr val="bg1"/>
-          </a:solidFill>
-          <a:ln w="22225">
-            <a:solidFill>
-              <a:schemeClr val="tx1"/>
-            </a:solidFill>
-          </a:ln>
-        </p:spPr>
-        <p:style>
-          <a:lnRef idx="2">
-            <a:schemeClr val="accent1">
-              <a:shade val="50000"/>
-            </a:schemeClr>
-          </a:lnRef>
-          <a:fillRef idx="1">
-            <a:schemeClr val="accent1"/>
-          </a:fillRef>
-          <a:effectRef idx="0">
-            <a:schemeClr val="accent1"/>
-          </a:effectRef>
-          <a:fontRef idx="minor">
-            <a:schemeClr val="lt1"/>
-          </a:fontRef>
-        </p:style>
-        <p:txBody>
-          <a:bodyPr rtlCol="0" anchor="ctr"/>
-          <a:lstStyle/>
-          <a:p>
-            <a:pPr algn="ctr"/>
-            <a:endParaRPr lang="es-CO"/>
-          </a:p>
-        </p:txBody>
-      </p:sp>
-      <p:sp>
-        <p:nvSpPr>
-          <p:cNvPr id="52" name="Triángulo 51">
-            <a:extLst>
-              <a:ext uri="{FF2B5EF4-FFF2-40B4-BE49-F238E27FC236}">
-                <a16:creationId xmlns:a16="http://schemas.microsoft.com/office/drawing/2014/main" id="{1132B482-1C57-2548-8EE7-090E06BC8677}"/>
-              </a:ext>
-            </a:extLst>
-          </p:cNvPr>
-          <p:cNvSpPr/>
-          <p:nvPr/>
-        </p:nvSpPr>
-        <p:spPr>
-          <a:xfrm rot="16200000">
-            <a:off x="8434874" y="5081504"/>
-            <a:ext cx="251999" cy="251999"/>
-          </a:xfrm>
-          <a:prstGeom prst="triangle">
-            <a:avLst/>
-          </a:prstGeom>
-          <a:solidFill>
-            <a:schemeClr val="bg1"/>
-          </a:solidFill>
-          <a:ln w="22225">
-            <a:solidFill>
-              <a:schemeClr val="tx1"/>
-            </a:solidFill>
-          </a:ln>
-        </p:spPr>
-        <p:style>
-          <a:lnRef idx="2">
-            <a:schemeClr val="accent1">
-              <a:shade val="50000"/>
-            </a:schemeClr>
-          </a:lnRef>
-          <a:fillRef idx="1">
-            <a:schemeClr val="accent1"/>
-          </a:fillRef>
-          <a:effectRef idx="0">
-            <a:schemeClr val="accent1"/>
-          </a:effectRef>
-          <a:fontRef idx="minor">
-            <a:schemeClr val="lt1"/>
-          </a:fontRef>
-        </p:style>
-        <p:txBody>
-          <a:bodyPr rtlCol="0" anchor="ctr"/>
-          <a:lstStyle/>
-          <a:p>
-            <a:pPr algn="ctr"/>
-            <a:endParaRPr lang="es-CO"/>
-          </a:p>
-        </p:txBody>
-      </p:sp>
-      <p:sp>
-        <p:nvSpPr>
-          <p:cNvPr id="53" name="Triángulo 52">
-            <a:extLst>
-              <a:ext uri="{FF2B5EF4-FFF2-40B4-BE49-F238E27FC236}">
-                <a16:creationId xmlns:a16="http://schemas.microsoft.com/office/drawing/2014/main" id="{92EAD3A0-388A-BD4C-879A-A34DE44998C0}"/>
-              </a:ext>
-            </a:extLst>
-          </p:cNvPr>
-          <p:cNvSpPr/>
-          <p:nvPr/>
-        </p:nvSpPr>
-        <p:spPr>
-          <a:xfrm rot="16200000">
-            <a:off x="8441034" y="5592796"/>
-            <a:ext cx="251999" cy="251999"/>
-          </a:xfrm>
-          <a:prstGeom prst="triangle">
-            <a:avLst/>
-          </a:prstGeom>
-          <a:solidFill>
-            <a:schemeClr val="bg1"/>
-          </a:solidFill>
-          <a:ln w="22225">
-            <a:solidFill>
-              <a:schemeClr val="tx1"/>
-            </a:solidFill>
-          </a:ln>
-        </p:spPr>
-        <p:style>
-          <a:lnRef idx="2">
-            <a:schemeClr val="accent1">
-              <a:shade val="50000"/>
-            </a:schemeClr>
-          </a:lnRef>
-          <a:fillRef idx="1">
-            <a:schemeClr val="accent1"/>
-          </a:fillRef>
-          <a:effectRef idx="0">
-            <a:schemeClr val="accent1"/>
-          </a:effectRef>
-          <a:fontRef idx="minor">
-            <a:schemeClr val="lt1"/>
-          </a:fontRef>
-        </p:style>
-        <p:txBody>
-          <a:bodyPr rtlCol="0" anchor="ctr"/>
-          <a:lstStyle/>
-          <a:p>
-            <a:pPr algn="ctr"/>
-            <a:endParaRPr lang="es-CO"/>
-          </a:p>
-        </p:txBody>
-      </p:sp>
-      <p:sp>
-        <p:nvSpPr>
-          <p:cNvPr id="54" name="CuadroTexto 53">
-            <a:extLst>
-              <a:ext uri="{FF2B5EF4-FFF2-40B4-BE49-F238E27FC236}">
-                <a16:creationId xmlns:a16="http://schemas.microsoft.com/office/drawing/2014/main" id="{B4C6949B-CA9C-2344-8366-E71809DF0D0E}"/>
+                <a16:creationId xmlns:a16="http://schemas.microsoft.com/office/drawing/2014/main" id="{7B698ACF-A090-2444-B7B4-EBD78C80E5C8}"/>
               </a:ext>
             </a:extLst>
           </p:cNvPr>
@@ -4428,8 +3203,8 @@
         </p:nvSpPr>
         <p:spPr>
           <a:xfrm>
-            <a:off x="2311338" y="5490085"/>
-            <a:ext cx="904415" cy="369332"/>
+            <a:off x="1324718" y="4796022"/>
+            <a:ext cx="811441" cy="369332"/>
           </a:xfrm>
           <a:prstGeom prst="rect">
             <a:avLst/>
@@ -4448,21 +3223,21 @@
             </a:r>
             <a:r>
               <a:rPr lang="es-CO" baseline="-25000" dirty="0"/>
-              <a:t>1 </a:t>
+              <a:t>1</a:t>
             </a:r>
             <a:r>
               <a:rPr lang="es-CO" dirty="0"/>
-              <a:t>= -50</a:t>
+              <a:t>, -50</a:t>
             </a:r>
           </a:p>
         </p:txBody>
       </p:sp>
       <p:sp>
         <p:nvSpPr>
-          <p:cNvPr id="55" name="CuadroTexto 54">
+          <p:cNvPr id="40" name="CuadroTexto 39">
             <a:extLst>
               <a:ext uri="{FF2B5EF4-FFF2-40B4-BE49-F238E27FC236}">
-                <a16:creationId xmlns:a16="http://schemas.microsoft.com/office/drawing/2014/main" id="{50146262-4B08-2643-88EA-D11026046778}"/>
+                <a16:creationId xmlns:a16="http://schemas.microsoft.com/office/drawing/2014/main" id="{83CB01BF-209A-794E-84F8-007677D84BB8}"/>
               </a:ext>
             </a:extLst>
           </p:cNvPr>
@@ -4471,8 +3246,8 @@
         </p:nvSpPr>
         <p:spPr>
           <a:xfrm>
-            <a:off x="2316163" y="7320112"/>
-            <a:ext cx="716863" cy="369332"/>
+            <a:off x="1327969" y="7322860"/>
+            <a:ext cx="623889" cy="369332"/>
           </a:xfrm>
           <a:prstGeom prst="rect">
             <a:avLst/>
@@ -4491,21 +3266,21 @@
             </a:r>
             <a:r>
               <a:rPr lang="es-CO" baseline="-25000" dirty="0"/>
-              <a:t>2 </a:t>
+              <a:t>2</a:t>
             </a:r>
             <a:r>
               <a:rPr lang="es-CO" dirty="0"/>
-              <a:t>= 0</a:t>
+              <a:t>, 0</a:t>
             </a:r>
           </a:p>
         </p:txBody>
       </p:sp>
       <p:sp>
         <p:nvSpPr>
-          <p:cNvPr id="56" name="CuadroTexto 55">
+          <p:cNvPr id="41" name="CuadroTexto 40">
             <a:extLst>
               <a:ext uri="{FF2B5EF4-FFF2-40B4-BE49-F238E27FC236}">
-                <a16:creationId xmlns:a16="http://schemas.microsoft.com/office/drawing/2014/main" id="{A9D83C19-DE39-544F-89D8-F651DF45DAA0}"/>
+                <a16:creationId xmlns:a16="http://schemas.microsoft.com/office/drawing/2014/main" id="{804B23E0-9379-E44D-A9C9-81AEB229CA84}"/>
               </a:ext>
             </a:extLst>
           </p:cNvPr>
@@ -4514,8 +3289,8 @@
         </p:nvSpPr>
         <p:spPr>
           <a:xfrm>
-            <a:off x="4011482" y="4193830"/>
-            <a:ext cx="907621" cy="369332"/>
+            <a:off x="3413959" y="3552538"/>
+            <a:ext cx="1359668" cy="369332"/>
           </a:xfrm>
           <a:prstGeom prst="rect">
             <a:avLst/>
@@ -4538,17 +3313,17 @@
             </a:r>
             <a:r>
               <a:rPr lang="es-CO" dirty="0"/>
-              <a:t>= 250</a:t>
+              <a:t>, 250, 50%</a:t>
             </a:r>
           </a:p>
         </p:txBody>
       </p:sp>
       <p:sp>
         <p:nvSpPr>
-          <p:cNvPr id="57" name="CuadroTexto 56">
+          <p:cNvPr id="42" name="CuadroTexto 41">
             <a:extLst>
               <a:ext uri="{FF2B5EF4-FFF2-40B4-BE49-F238E27FC236}">
-                <a16:creationId xmlns:a16="http://schemas.microsoft.com/office/drawing/2014/main" id="{11379658-7B36-D141-8C3E-4857575DA055}"/>
+                <a16:creationId xmlns:a16="http://schemas.microsoft.com/office/drawing/2014/main" id="{BF797610-2387-A642-A7C5-607FB3572D6B}"/>
               </a:ext>
             </a:extLst>
           </p:cNvPr>
@@ -4557,8 +3332,8 @@
         </p:nvSpPr>
         <p:spPr>
           <a:xfrm>
-            <a:off x="4013938" y="6033796"/>
-            <a:ext cx="708848" cy="369332"/>
+            <a:off x="3464910" y="6052915"/>
+            <a:ext cx="1125629" cy="369332"/>
           </a:xfrm>
           <a:prstGeom prst="rect">
             <a:avLst/>
@@ -4574,92 +3349,6 @@
             <a:r>
               <a:rPr lang="es-CO" dirty="0"/>
               <a:t>B</a:t>
-            </a:r>
-            <a:r>
-              <a:rPr lang="es-CO" baseline="-25000" dirty="0"/>
-              <a:t>2 </a:t>
-            </a:r>
-            <a:r>
-              <a:rPr lang="es-CO" dirty="0"/>
-              <a:t>= 0</a:t>
-            </a:r>
-          </a:p>
-        </p:txBody>
-      </p:sp>
-      <p:sp>
-        <p:nvSpPr>
-          <p:cNvPr id="58" name="CuadroTexto 57">
-            <a:extLst>
-              <a:ext uri="{FF2B5EF4-FFF2-40B4-BE49-F238E27FC236}">
-                <a16:creationId xmlns:a16="http://schemas.microsoft.com/office/drawing/2014/main" id="{81BA5224-8F4E-EA4A-BE6A-5D76B9C36C9F}"/>
-              </a:ext>
-            </a:extLst>
-          </p:cNvPr>
-          <p:cNvSpPr txBox="1"/>
-          <p:nvPr/>
-        </p:nvSpPr>
-        <p:spPr>
-          <a:xfrm>
-            <a:off x="5715092" y="3238243"/>
-            <a:ext cx="976549" cy="369332"/>
-          </a:xfrm>
-          <a:prstGeom prst="rect">
-            <a:avLst/>
-          </a:prstGeom>
-          <a:noFill/>
-        </p:spPr>
-        <p:txBody>
-          <a:bodyPr wrap="none" rtlCol="0">
-            <a:spAutoFit/>
-          </a:bodyPr>
-          <a:lstStyle/>
-          <a:p>
-            <a:r>
-              <a:rPr lang="es-CO" dirty="0"/>
-              <a:t>C</a:t>
-            </a:r>
-            <a:r>
-              <a:rPr lang="es-CO" baseline="-25000" dirty="0"/>
-              <a:t>1</a:t>
-            </a:r>
-            <a:r>
-              <a:rPr lang="es-CO" dirty="0"/>
-              <a:t>= -120</a:t>
-            </a:r>
-          </a:p>
-        </p:txBody>
-      </p:sp>
-      <p:sp>
-        <p:nvSpPr>
-          <p:cNvPr id="59" name="CuadroTexto 58">
-            <a:extLst>
-              <a:ext uri="{FF2B5EF4-FFF2-40B4-BE49-F238E27FC236}">
-                <a16:creationId xmlns:a16="http://schemas.microsoft.com/office/drawing/2014/main" id="{CB377F96-5BC8-A640-BB28-60C3F25D97A1}"/>
-              </a:ext>
-            </a:extLst>
-          </p:cNvPr>
-          <p:cNvSpPr txBox="1"/>
-          <p:nvPr/>
-        </p:nvSpPr>
-        <p:spPr>
-          <a:xfrm>
-            <a:off x="5672722" y="4192315"/>
-            <a:ext cx="859531" cy="369332"/>
-          </a:xfrm>
-          <a:prstGeom prst="rect">
-            <a:avLst/>
-          </a:prstGeom>
-          <a:noFill/>
-        </p:spPr>
-        <p:txBody>
-          <a:bodyPr wrap="none" rtlCol="0">
-            <a:spAutoFit/>
-          </a:bodyPr>
-          <a:lstStyle/>
-          <a:p>
-            <a:r>
-              <a:rPr lang="es-CO" dirty="0"/>
-              <a:t>C</a:t>
             </a:r>
             <a:r>
               <a:rPr lang="es-CO" baseline="-25000" dirty="0"/>
@@ -4667,17 +3356,17 @@
             </a:r>
             <a:r>
               <a:rPr lang="es-CO" dirty="0"/>
-              <a:t>= -50</a:t>
+              <a:t>, 0, 50%</a:t>
             </a:r>
           </a:p>
         </p:txBody>
       </p:sp>
       <p:sp>
         <p:nvSpPr>
-          <p:cNvPr id="60" name="CuadroTexto 59">
+          <p:cNvPr id="51" name="CuadroTexto 50">
             <a:extLst>
               <a:ext uri="{FF2B5EF4-FFF2-40B4-BE49-F238E27FC236}">
-                <a16:creationId xmlns:a16="http://schemas.microsoft.com/office/drawing/2014/main" id="{D0F5D21A-50B5-DA4B-9962-8636D5DF9F12}"/>
+                <a16:creationId xmlns:a16="http://schemas.microsoft.com/office/drawing/2014/main" id="{9B923394-21B3-1143-8600-E38A0EC5E95A}"/>
               </a:ext>
             </a:extLst>
           </p:cNvPr>
@@ -4686,8 +3375,8 @@
         </p:nvSpPr>
         <p:spPr>
           <a:xfrm>
-            <a:off x="5664631" y="5475463"/>
-            <a:ext cx="859531" cy="369332"/>
+            <a:off x="10263617" y="4352828"/>
+            <a:ext cx="1505540" cy="369332"/>
           </a:xfrm>
           <a:prstGeom prst="rect">
             <a:avLst/>
@@ -4702,269 +3391,18 @@
           <a:p>
             <a:r>
               <a:rPr lang="es-CO" dirty="0"/>
-              <a:t>C</a:t>
+              <a:t>T2 = A+B+C+D</a:t>
             </a:r>
-            <a:r>
-              <a:rPr lang="es-CO" baseline="-25000" dirty="0"/>
-              <a:t>3</a:t>
-            </a:r>
-            <a:r>
-              <a:rPr lang="es-CO" dirty="0"/>
-              <a:t>= -80</a:t>
-            </a:r>
-          </a:p>
-        </p:txBody>
-      </p:sp>
-      <p:sp>
-        <p:nvSpPr>
-          <p:cNvPr id="61" name="CuadroTexto 60">
+            <a:endParaRPr lang="es-CO" baseline="-25000" dirty="0"/>
+          </a:p>
+        </p:txBody>
+      </p:sp>
+      <p:sp>
+        <p:nvSpPr>
+          <p:cNvPr id="52" name="Cerrar llave 51">
             <a:extLst>
               <a:ext uri="{FF2B5EF4-FFF2-40B4-BE49-F238E27FC236}">
-                <a16:creationId xmlns:a16="http://schemas.microsoft.com/office/drawing/2014/main" id="{18E0714B-0639-7C42-8F2F-03A0100BA91B}"/>
-              </a:ext>
-            </a:extLst>
-          </p:cNvPr>
-          <p:cNvSpPr txBox="1"/>
-          <p:nvPr/>
-        </p:nvSpPr>
-        <p:spPr>
-          <a:xfrm>
-            <a:off x="7364678" y="3927581"/>
-            <a:ext cx="691215" cy="369332"/>
-          </a:xfrm>
-          <a:prstGeom prst="rect">
-            <a:avLst/>
-          </a:prstGeom>
-          <a:noFill/>
-        </p:spPr>
-        <p:txBody>
-          <a:bodyPr wrap="none" rtlCol="0">
-            <a:spAutoFit/>
-          </a:bodyPr>
-          <a:lstStyle/>
-          <a:p>
-            <a:r>
-              <a:rPr lang="es-CO" dirty="0"/>
-              <a:t>D</a:t>
-            </a:r>
-            <a:r>
-              <a:rPr lang="es-CO" baseline="-25000" dirty="0"/>
-              <a:t>1</a:t>
-            </a:r>
-            <a:r>
-              <a:rPr lang="es-CO" dirty="0"/>
-              <a:t>= 0</a:t>
-            </a:r>
-          </a:p>
-        </p:txBody>
-      </p:sp>
-      <p:sp>
-        <p:nvSpPr>
-          <p:cNvPr id="62" name="CuadroTexto 61">
-            <a:extLst>
-              <a:ext uri="{FF2B5EF4-FFF2-40B4-BE49-F238E27FC236}">
-                <a16:creationId xmlns:a16="http://schemas.microsoft.com/office/drawing/2014/main" id="{0D8972C5-5BF0-2944-8D18-1846D900C017}"/>
-              </a:ext>
-            </a:extLst>
-          </p:cNvPr>
-          <p:cNvSpPr txBox="1"/>
-          <p:nvPr/>
-        </p:nvSpPr>
-        <p:spPr>
-          <a:xfrm>
-            <a:off x="7367993" y="4457666"/>
-            <a:ext cx="995785" cy="369332"/>
-          </a:xfrm>
-          <a:prstGeom prst="rect">
-            <a:avLst/>
-          </a:prstGeom>
-          <a:noFill/>
-        </p:spPr>
-        <p:txBody>
-          <a:bodyPr wrap="none" rtlCol="0">
-            <a:spAutoFit/>
-          </a:bodyPr>
-          <a:lstStyle/>
-          <a:p>
-            <a:r>
-              <a:rPr lang="es-CO" dirty="0"/>
-              <a:t>D</a:t>
-            </a:r>
-            <a:r>
-              <a:rPr lang="es-CO" baseline="-25000" dirty="0"/>
-              <a:t>2</a:t>
-            </a:r>
-            <a:r>
-              <a:rPr lang="es-CO" dirty="0"/>
-              <a:t>= -120</a:t>
-            </a:r>
-          </a:p>
-        </p:txBody>
-      </p:sp>
-      <p:sp>
-        <p:nvSpPr>
-          <p:cNvPr id="63" name="CuadroTexto 62">
-            <a:extLst>
-              <a:ext uri="{FF2B5EF4-FFF2-40B4-BE49-F238E27FC236}">
-                <a16:creationId xmlns:a16="http://schemas.microsoft.com/office/drawing/2014/main" id="{6031D934-43A4-8B48-9812-A4E835BB20EC}"/>
-              </a:ext>
-            </a:extLst>
-          </p:cNvPr>
-          <p:cNvSpPr txBox="1"/>
-          <p:nvPr/>
-        </p:nvSpPr>
-        <p:spPr>
-          <a:xfrm>
-            <a:off x="7367993" y="5193484"/>
-            <a:ext cx="691215" cy="369332"/>
-          </a:xfrm>
-          <a:prstGeom prst="rect">
-            <a:avLst/>
-          </a:prstGeom>
-          <a:noFill/>
-        </p:spPr>
-        <p:txBody>
-          <a:bodyPr wrap="none" rtlCol="0">
-            <a:spAutoFit/>
-          </a:bodyPr>
-          <a:lstStyle/>
-          <a:p>
-            <a:r>
-              <a:rPr lang="es-CO" dirty="0"/>
-              <a:t>D</a:t>
-            </a:r>
-            <a:r>
-              <a:rPr lang="es-CO" baseline="-25000" dirty="0"/>
-              <a:t>1</a:t>
-            </a:r>
-            <a:r>
-              <a:rPr lang="es-CO" dirty="0"/>
-              <a:t>= 0</a:t>
-            </a:r>
-          </a:p>
-        </p:txBody>
-      </p:sp>
-      <p:sp>
-        <p:nvSpPr>
-          <p:cNvPr id="64" name="CuadroTexto 63">
-            <a:extLst>
-              <a:ext uri="{FF2B5EF4-FFF2-40B4-BE49-F238E27FC236}">
-                <a16:creationId xmlns:a16="http://schemas.microsoft.com/office/drawing/2014/main" id="{35BFFFC8-024D-BE4B-9773-74AED4863ADF}"/>
-              </a:ext>
-            </a:extLst>
-          </p:cNvPr>
-          <p:cNvSpPr txBox="1"/>
-          <p:nvPr/>
-        </p:nvSpPr>
-        <p:spPr>
-          <a:xfrm>
-            <a:off x="7361369" y="5723572"/>
-            <a:ext cx="995785" cy="369332"/>
-          </a:xfrm>
-          <a:prstGeom prst="rect">
-            <a:avLst/>
-          </a:prstGeom>
-          <a:noFill/>
-        </p:spPr>
-        <p:txBody>
-          <a:bodyPr wrap="none" rtlCol="0">
-            <a:spAutoFit/>
-          </a:bodyPr>
-          <a:lstStyle/>
-          <a:p>
-            <a:r>
-              <a:rPr lang="es-CO" dirty="0"/>
-              <a:t>D</a:t>
-            </a:r>
-            <a:r>
-              <a:rPr lang="es-CO" baseline="-25000" dirty="0"/>
-              <a:t>2</a:t>
-            </a:r>
-            <a:r>
-              <a:rPr lang="es-CO" dirty="0"/>
-              <a:t>= -120</a:t>
-            </a:r>
-          </a:p>
-        </p:txBody>
-      </p:sp>
-      <p:sp>
-        <p:nvSpPr>
-          <p:cNvPr id="65" name="CuadroTexto 64">
-            <a:extLst>
-              <a:ext uri="{FF2B5EF4-FFF2-40B4-BE49-F238E27FC236}">
-                <a16:creationId xmlns:a16="http://schemas.microsoft.com/office/drawing/2014/main" id="{90A95C96-CCAA-3B4F-A975-0CD80F62D2E1}"/>
-              </a:ext>
-            </a:extLst>
-          </p:cNvPr>
-          <p:cNvSpPr txBox="1"/>
-          <p:nvPr/>
-        </p:nvSpPr>
-        <p:spPr>
-          <a:xfrm>
-            <a:off x="7001853" y="3458762"/>
-            <a:ext cx="1141659" cy="369332"/>
-          </a:xfrm>
-          <a:prstGeom prst="rect">
-            <a:avLst/>
-          </a:prstGeom>
-          <a:noFill/>
-        </p:spPr>
-        <p:txBody>
-          <a:bodyPr wrap="none" rtlCol="0">
-            <a:spAutoFit/>
-          </a:bodyPr>
-          <a:lstStyle/>
-          <a:p>
-            <a:r>
-              <a:rPr lang="es-CO" dirty="0"/>
-              <a:t>T1=A+B+C</a:t>
-            </a:r>
-            <a:endParaRPr lang="es-CO" baseline="-25000" dirty="0"/>
-          </a:p>
-        </p:txBody>
-      </p:sp>
-      <p:sp>
-        <p:nvSpPr>
-          <p:cNvPr id="67" name="CuadroTexto 66">
-            <a:extLst>
-              <a:ext uri="{FF2B5EF4-FFF2-40B4-BE49-F238E27FC236}">
-                <a16:creationId xmlns:a16="http://schemas.microsoft.com/office/drawing/2014/main" id="{B3961893-E265-D046-8CAA-D02784ACC043}"/>
-              </a:ext>
-            </a:extLst>
-          </p:cNvPr>
-          <p:cNvSpPr txBox="1"/>
-          <p:nvPr/>
-        </p:nvSpPr>
-        <p:spPr>
-          <a:xfrm>
-            <a:off x="9225138" y="4784757"/>
-            <a:ext cx="1399742" cy="369332"/>
-          </a:xfrm>
-          <a:prstGeom prst="rect">
-            <a:avLst/>
-          </a:prstGeom>
-          <a:noFill/>
-        </p:spPr>
-        <p:txBody>
-          <a:bodyPr wrap="none" rtlCol="0">
-            <a:spAutoFit/>
-          </a:bodyPr>
-          <a:lstStyle/>
-          <a:p>
-            <a:r>
-              <a:rPr lang="es-CO" dirty="0"/>
-              <a:t>T2=A+B+C+D</a:t>
-            </a:r>
-            <a:endParaRPr lang="es-CO" baseline="-25000" dirty="0"/>
-          </a:p>
-        </p:txBody>
-      </p:sp>
-      <p:sp>
-        <p:nvSpPr>
-          <p:cNvPr id="68" name="Cerrar llave 67">
-            <a:extLst>
-              <a:ext uri="{FF2B5EF4-FFF2-40B4-BE49-F238E27FC236}">
-                <a16:creationId xmlns:a16="http://schemas.microsoft.com/office/drawing/2014/main" id="{33F0D5D1-8AF4-4344-A4F9-CD6B8A6495B9}"/>
+                <a16:creationId xmlns:a16="http://schemas.microsoft.com/office/drawing/2014/main" id="{D2182A1F-DA22-FC40-9E71-CC3F7590FDD1}"/>
               </a:ext>
             </a:extLst>
           </p:cNvPr>
@@ -4973,8 +3411,8 @@
         </p:nvSpPr>
         <p:spPr>
           <a:xfrm>
-            <a:off x="8856905" y="4090257"/>
-            <a:ext cx="374049" cy="1843404"/>
+            <a:off x="9733173" y="2870628"/>
+            <a:ext cx="374049" cy="3388843"/>
           </a:xfrm>
           <a:prstGeom prst="rightBrace">
             <a:avLst>
@@ -4982,7 +3420,7 @@
               <a:gd name="adj2" fmla="val 50000"/>
             </a:avLst>
           </a:prstGeom>
-          <a:ln w="15875">
+          <a:ln w="22225">
             <a:solidFill>
               <a:schemeClr val="tx1"/>
             </a:solidFill>
@@ -5013,10 +3451,10 @@
       </p:sp>
       <p:sp>
         <p:nvSpPr>
-          <p:cNvPr id="69" name="CuadroTexto 68">
+          <p:cNvPr id="53" name="CuadroTexto 52">
             <a:extLst>
               <a:ext uri="{FF2B5EF4-FFF2-40B4-BE49-F238E27FC236}">
-                <a16:creationId xmlns:a16="http://schemas.microsoft.com/office/drawing/2014/main" id="{8512BFE2-D2AB-3849-9203-CAB9193A556D}"/>
+                <a16:creationId xmlns:a16="http://schemas.microsoft.com/office/drawing/2014/main" id="{D96C6E67-40C3-7244-BA40-33E30443D33D}"/>
               </a:ext>
             </a:extLst>
           </p:cNvPr>
@@ -5025,8 +3463,8 @@
         </p:nvSpPr>
         <p:spPr>
           <a:xfrm>
-            <a:off x="5364332" y="6218462"/>
-            <a:ext cx="902811" cy="369332"/>
+            <a:off x="5237628" y="6259472"/>
+            <a:ext cx="1008609" cy="369332"/>
           </a:xfrm>
           <a:prstGeom prst="rect">
             <a:avLst/>
@@ -5041,7 +3479,7 @@
           <a:p>
             <a:r>
               <a:rPr lang="es-CO" dirty="0"/>
-              <a:t>T3=A+B</a:t>
+              <a:t>T3 = A+B</a:t>
             </a:r>
             <a:endParaRPr lang="es-CO" baseline="-25000" dirty="0"/>
           </a:p>
@@ -5049,10 +3487,10 @@
       </p:sp>
       <p:sp>
         <p:nvSpPr>
-          <p:cNvPr id="70" name="CuadroTexto 69">
+          <p:cNvPr id="54" name="CuadroTexto 53">
             <a:extLst>
               <a:ext uri="{FF2B5EF4-FFF2-40B4-BE49-F238E27FC236}">
-                <a16:creationId xmlns:a16="http://schemas.microsoft.com/office/drawing/2014/main" id="{29AF5289-CB75-964F-B5DD-C43050C50772}"/>
+                <a16:creationId xmlns:a16="http://schemas.microsoft.com/office/drawing/2014/main" id="{89EBE780-9336-CA45-A7DF-2BD5DE882C10}"/>
               </a:ext>
             </a:extLst>
           </p:cNvPr>
@@ -5061,8 +3499,8 @@
         </p:nvSpPr>
         <p:spPr>
           <a:xfrm>
-            <a:off x="3630796" y="7142050"/>
-            <a:ext cx="662361" cy="369332"/>
+            <a:off x="3035211" y="7519638"/>
+            <a:ext cx="974958" cy="369332"/>
           </a:xfrm>
           <a:prstGeom prst="rect">
             <a:avLst/>
@@ -5070,23 +3508,2205 @@
           <a:noFill/>
         </p:spPr>
         <p:txBody>
+          <a:bodyPr wrap="square" rtlCol="0">
+            <a:spAutoFit/>
+          </a:bodyPr>
+          <a:lstStyle/>
+          <a:p>
+            <a:r>
+              <a:rPr lang="es-CO" dirty="0"/>
+              <a:t>T4 = A</a:t>
+            </a:r>
+            <a:endParaRPr lang="es-CO" baseline="-25000" dirty="0"/>
+          </a:p>
+        </p:txBody>
+      </p:sp>
+      <p:cxnSp>
+        <p:nvCxnSpPr>
+          <p:cNvPr id="71" name="Conector recto 70">
+            <a:extLst>
+              <a:ext uri="{FF2B5EF4-FFF2-40B4-BE49-F238E27FC236}">
+                <a16:creationId xmlns:a16="http://schemas.microsoft.com/office/drawing/2014/main" id="{0215E3B8-56C2-334F-A618-15A4AA48E894}"/>
+              </a:ext>
+            </a:extLst>
+          </p:cNvPr>
+          <p:cNvCxnSpPr>
+            <a:cxnSpLocks/>
+            <a:endCxn id="2" idx="1"/>
+          </p:cNvCxnSpPr>
+          <p:nvPr/>
+        </p:nvCxnSpPr>
+        <p:spPr>
+          <a:xfrm>
+            <a:off x="77272" y="6411898"/>
+            <a:ext cx="643968" cy="4952"/>
+          </a:xfrm>
+          <a:prstGeom prst="line">
+            <a:avLst/>
+          </a:prstGeom>
+          <a:ln w="22225">
+            <a:solidFill>
+              <a:schemeClr val="tx1"/>
+            </a:solidFill>
+          </a:ln>
+        </p:spPr>
+        <p:style>
+          <a:lnRef idx="1">
+            <a:schemeClr val="accent1"/>
+          </a:lnRef>
+          <a:fillRef idx="0">
+            <a:schemeClr val="accent1"/>
+          </a:fillRef>
+          <a:effectRef idx="0">
+            <a:schemeClr val="accent1"/>
+          </a:effectRef>
+          <a:fontRef idx="minor">
+            <a:schemeClr val="tx1"/>
+          </a:fontRef>
+        </p:style>
+      </p:cxnSp>
+      <p:grpSp>
+        <p:nvGrpSpPr>
+          <p:cNvPr id="77" name="Grupo 76">
+            <a:extLst>
+              <a:ext uri="{FF2B5EF4-FFF2-40B4-BE49-F238E27FC236}">
+                <a16:creationId xmlns:a16="http://schemas.microsoft.com/office/drawing/2014/main" id="{90095EBE-0196-7242-939F-3A0C599E97D4}"/>
+              </a:ext>
+            </a:extLst>
+          </p:cNvPr>
+          <p:cNvGrpSpPr/>
+          <p:nvPr/>
+        </p:nvGrpSpPr>
+        <p:grpSpPr>
+          <a:xfrm>
+            <a:off x="3047854" y="3918651"/>
+            <a:ext cx="1898629" cy="2525488"/>
+            <a:chOff x="1843158" y="2960914"/>
+            <a:chExt cx="2395013" cy="2525488"/>
+          </a:xfrm>
+        </p:grpSpPr>
+        <p:cxnSp>
+          <p:nvCxnSpPr>
+            <p:cNvPr id="78" name="Conector recto 77">
+              <a:extLst>
+                <a:ext uri="{FF2B5EF4-FFF2-40B4-BE49-F238E27FC236}">
+                  <a16:creationId xmlns:a16="http://schemas.microsoft.com/office/drawing/2014/main" id="{D7E5CFBA-5509-394D-896A-FE215824EA62}"/>
+                </a:ext>
+              </a:extLst>
+            </p:cNvPr>
+            <p:cNvCxnSpPr>
+              <a:cxnSpLocks/>
+            </p:cNvCxnSpPr>
+            <p:nvPr/>
+          </p:nvCxnSpPr>
+          <p:spPr>
+            <a:xfrm flipV="1">
+              <a:off x="1843158" y="2960914"/>
+              <a:ext cx="436492" cy="1233658"/>
+            </a:xfrm>
+            <a:prstGeom prst="line">
+              <a:avLst/>
+            </a:prstGeom>
+            <a:ln w="22225">
+              <a:solidFill>
+                <a:schemeClr val="tx1"/>
+              </a:solidFill>
+            </a:ln>
+          </p:spPr>
+          <p:style>
+            <a:lnRef idx="1">
+              <a:schemeClr val="accent1"/>
+            </a:lnRef>
+            <a:fillRef idx="0">
+              <a:schemeClr val="accent1"/>
+            </a:fillRef>
+            <a:effectRef idx="0">
+              <a:schemeClr val="accent1"/>
+            </a:effectRef>
+            <a:fontRef idx="minor">
+              <a:schemeClr val="tx1"/>
+            </a:fontRef>
+          </p:style>
+        </p:cxnSp>
+        <p:cxnSp>
+          <p:nvCxnSpPr>
+            <p:cNvPr id="79" name="Conector recto 78">
+              <a:extLst>
+                <a:ext uri="{FF2B5EF4-FFF2-40B4-BE49-F238E27FC236}">
+                  <a16:creationId xmlns:a16="http://schemas.microsoft.com/office/drawing/2014/main" id="{F5256D1E-37B9-AD4F-BFEA-FF8C7FB07D60}"/>
+                </a:ext>
+              </a:extLst>
+            </p:cNvPr>
+            <p:cNvCxnSpPr>
+              <a:cxnSpLocks/>
+            </p:cNvCxnSpPr>
+            <p:nvPr/>
+          </p:nvCxnSpPr>
+          <p:spPr>
+            <a:xfrm>
+              <a:off x="1843158" y="4194569"/>
+              <a:ext cx="459187" cy="1291832"/>
+            </a:xfrm>
+            <a:prstGeom prst="line">
+              <a:avLst/>
+            </a:prstGeom>
+            <a:ln w="22225">
+              <a:solidFill>
+                <a:schemeClr val="tx1"/>
+              </a:solidFill>
+            </a:ln>
+          </p:spPr>
+          <p:style>
+            <a:lnRef idx="1">
+              <a:schemeClr val="accent1"/>
+            </a:lnRef>
+            <a:fillRef idx="0">
+              <a:schemeClr val="accent1"/>
+            </a:fillRef>
+            <a:effectRef idx="0">
+              <a:schemeClr val="accent1"/>
+            </a:effectRef>
+            <a:fontRef idx="minor">
+              <a:schemeClr val="tx1"/>
+            </a:fontRef>
+          </p:style>
+        </p:cxnSp>
+        <p:cxnSp>
+          <p:nvCxnSpPr>
+            <p:cNvPr id="80" name="Conector recto 79">
+              <a:extLst>
+                <a:ext uri="{FF2B5EF4-FFF2-40B4-BE49-F238E27FC236}">
+                  <a16:creationId xmlns:a16="http://schemas.microsoft.com/office/drawing/2014/main" id="{39D98B10-7266-FA4F-9F13-0D16D7BD603F}"/>
+                </a:ext>
+              </a:extLst>
+            </p:cNvPr>
+            <p:cNvCxnSpPr>
+              <a:cxnSpLocks/>
+            </p:cNvCxnSpPr>
+            <p:nvPr/>
+          </p:nvCxnSpPr>
+          <p:spPr>
+            <a:xfrm flipV="1">
+              <a:off x="2287910" y="2960915"/>
+              <a:ext cx="1950261" cy="1"/>
+            </a:xfrm>
+            <a:prstGeom prst="line">
+              <a:avLst/>
+            </a:prstGeom>
+            <a:ln w="22225">
+              <a:solidFill>
+                <a:schemeClr val="tx1"/>
+              </a:solidFill>
+            </a:ln>
+          </p:spPr>
+          <p:style>
+            <a:lnRef idx="1">
+              <a:schemeClr val="accent1"/>
+            </a:lnRef>
+            <a:fillRef idx="0">
+              <a:schemeClr val="accent1"/>
+            </a:fillRef>
+            <a:effectRef idx="0">
+              <a:schemeClr val="accent1"/>
+            </a:effectRef>
+            <a:fontRef idx="minor">
+              <a:schemeClr val="tx1"/>
+            </a:fontRef>
+          </p:style>
+        </p:cxnSp>
+        <p:cxnSp>
+          <p:nvCxnSpPr>
+            <p:cNvPr id="81" name="Conector recto 80">
+              <a:extLst>
+                <a:ext uri="{FF2B5EF4-FFF2-40B4-BE49-F238E27FC236}">
+                  <a16:creationId xmlns:a16="http://schemas.microsoft.com/office/drawing/2014/main" id="{DBE1C5EC-CBA8-074B-8B80-0D55A3632977}"/>
+                </a:ext>
+              </a:extLst>
+            </p:cNvPr>
+            <p:cNvCxnSpPr>
+              <a:cxnSpLocks/>
+            </p:cNvCxnSpPr>
+            <p:nvPr/>
+          </p:nvCxnSpPr>
+          <p:spPr>
+            <a:xfrm flipV="1">
+              <a:off x="2287910" y="5486401"/>
+              <a:ext cx="1950261" cy="1"/>
+            </a:xfrm>
+            <a:prstGeom prst="line">
+              <a:avLst/>
+            </a:prstGeom>
+            <a:ln w="22225">
+              <a:solidFill>
+                <a:schemeClr val="tx1"/>
+              </a:solidFill>
+            </a:ln>
+          </p:spPr>
+          <p:style>
+            <a:lnRef idx="1">
+              <a:schemeClr val="accent1"/>
+            </a:lnRef>
+            <a:fillRef idx="0">
+              <a:schemeClr val="accent1"/>
+            </a:fillRef>
+            <a:effectRef idx="0">
+              <a:schemeClr val="accent1"/>
+            </a:effectRef>
+            <a:fontRef idx="minor">
+              <a:schemeClr val="tx1"/>
+            </a:fontRef>
+          </p:style>
+        </p:cxnSp>
+      </p:grpSp>
+      <p:grpSp>
+        <p:nvGrpSpPr>
+          <p:cNvPr id="4" name="Grupo 3">
+            <a:extLst>
+              <a:ext uri="{FF2B5EF4-FFF2-40B4-BE49-F238E27FC236}">
+                <a16:creationId xmlns:a16="http://schemas.microsoft.com/office/drawing/2014/main" id="{A51FE307-753B-914C-85C5-D877780D8938}"/>
+              </a:ext>
+            </a:extLst>
+          </p:cNvPr>
+          <p:cNvGrpSpPr/>
+          <p:nvPr/>
+        </p:nvGrpSpPr>
+        <p:grpSpPr>
+          <a:xfrm>
+            <a:off x="4928235" y="2031030"/>
+            <a:ext cx="4842486" cy="4021885"/>
+            <a:chOff x="5658935" y="2024891"/>
+            <a:chExt cx="4842486" cy="4021885"/>
+          </a:xfrm>
+        </p:grpSpPr>
+        <p:sp>
+          <p:nvSpPr>
+            <p:cNvPr id="18" name="Rectángulo 17">
+              <a:extLst>
+                <a:ext uri="{FF2B5EF4-FFF2-40B4-BE49-F238E27FC236}">
+                  <a16:creationId xmlns:a16="http://schemas.microsoft.com/office/drawing/2014/main" id="{16FE6538-C1BE-B740-8CB4-014C45EDCCE1}"/>
+                </a:ext>
+              </a:extLst>
+            </p:cNvPr>
+            <p:cNvSpPr/>
+            <p:nvPr/>
+          </p:nvSpPr>
+          <p:spPr>
+            <a:xfrm>
+              <a:off x="5658935" y="3786192"/>
+              <a:ext cx="251999" cy="251999"/>
+            </a:xfrm>
+            <a:prstGeom prst="rect">
+              <a:avLst/>
+            </a:prstGeom>
+            <a:solidFill>
+              <a:schemeClr val="bg1"/>
+            </a:solidFill>
+            <a:ln w="22225">
+              <a:solidFill>
+                <a:schemeClr val="tx1"/>
+              </a:solidFill>
+            </a:ln>
+          </p:spPr>
+          <p:style>
+            <a:lnRef idx="2">
+              <a:schemeClr val="accent1">
+                <a:shade val="50000"/>
+              </a:schemeClr>
+            </a:lnRef>
+            <a:fillRef idx="1">
+              <a:schemeClr val="accent1"/>
+            </a:fillRef>
+            <a:effectRef idx="0">
+              <a:schemeClr val="accent1"/>
+            </a:effectRef>
+            <a:fontRef idx="minor">
+              <a:schemeClr val="lt1"/>
+            </a:fontRef>
+          </p:style>
+          <p:txBody>
+            <a:bodyPr rtlCol="0" anchor="ctr"/>
+            <a:lstStyle/>
+            <a:p>
+              <a:pPr algn="ctr"/>
+              <a:endParaRPr lang="es-CO"/>
+            </a:p>
+          </p:txBody>
+        </p:sp>
+        <p:sp>
+          <p:nvSpPr>
+            <p:cNvPr id="43" name="CuadroTexto 42">
+              <a:extLst>
+                <a:ext uri="{FF2B5EF4-FFF2-40B4-BE49-F238E27FC236}">
+                  <a16:creationId xmlns:a16="http://schemas.microsoft.com/office/drawing/2014/main" id="{7F1E6D14-79B5-2642-9AF4-658549125A80}"/>
+                </a:ext>
+              </a:extLst>
+            </p:cNvPr>
+            <p:cNvSpPr txBox="1"/>
+            <p:nvPr/>
+          </p:nvSpPr>
+          <p:spPr>
+            <a:xfrm>
+              <a:off x="6252514" y="2024891"/>
+              <a:ext cx="976549" cy="369332"/>
+            </a:xfrm>
+            <a:prstGeom prst="rect">
+              <a:avLst/>
+            </a:prstGeom>
+            <a:noFill/>
+          </p:spPr>
+          <p:txBody>
+            <a:bodyPr wrap="none" rtlCol="0">
+              <a:spAutoFit/>
+            </a:bodyPr>
+            <a:lstStyle/>
+            <a:p>
+              <a:r>
+                <a:rPr lang="es-CO" dirty="0"/>
+                <a:t>C</a:t>
+              </a:r>
+              <a:r>
+                <a:rPr lang="es-CO" baseline="-25000" dirty="0"/>
+                <a:t>1</a:t>
+              </a:r>
+              <a:r>
+                <a:rPr lang="es-CO" dirty="0"/>
+                <a:t>= -120</a:t>
+              </a:r>
+            </a:p>
+          </p:txBody>
+        </p:sp>
+        <p:sp>
+          <p:nvSpPr>
+            <p:cNvPr id="44" name="CuadroTexto 43">
+              <a:extLst>
+                <a:ext uri="{FF2B5EF4-FFF2-40B4-BE49-F238E27FC236}">
+                  <a16:creationId xmlns:a16="http://schemas.microsoft.com/office/drawing/2014/main" id="{654A20FE-A7EF-2F40-BE0F-5A94737D6829}"/>
+                </a:ext>
+              </a:extLst>
+            </p:cNvPr>
+            <p:cNvSpPr txBox="1"/>
+            <p:nvPr/>
+          </p:nvSpPr>
+          <p:spPr>
+            <a:xfrm>
+              <a:off x="6311024" y="3342255"/>
+              <a:ext cx="859531" cy="369332"/>
+            </a:xfrm>
+            <a:prstGeom prst="rect">
+              <a:avLst/>
+            </a:prstGeom>
+            <a:noFill/>
+          </p:spPr>
+          <p:txBody>
+            <a:bodyPr wrap="none" rtlCol="0">
+              <a:spAutoFit/>
+            </a:bodyPr>
+            <a:lstStyle/>
+            <a:p>
+              <a:r>
+                <a:rPr lang="es-CO" dirty="0"/>
+                <a:t>C</a:t>
+              </a:r>
+              <a:r>
+                <a:rPr lang="es-CO" baseline="-25000" dirty="0"/>
+                <a:t>2</a:t>
+              </a:r>
+              <a:r>
+                <a:rPr lang="es-CO" dirty="0"/>
+                <a:t>= -50</a:t>
+              </a:r>
+            </a:p>
+          </p:txBody>
+        </p:sp>
+        <p:sp>
+          <p:nvSpPr>
+            <p:cNvPr id="45" name="CuadroTexto 44">
+              <a:extLst>
+                <a:ext uri="{FF2B5EF4-FFF2-40B4-BE49-F238E27FC236}">
+                  <a16:creationId xmlns:a16="http://schemas.microsoft.com/office/drawing/2014/main" id="{7D17E999-095B-DF42-8C8D-3CAEB2B65FAD}"/>
+                </a:ext>
+              </a:extLst>
+            </p:cNvPr>
+            <p:cNvSpPr txBox="1"/>
+            <p:nvPr/>
+          </p:nvSpPr>
+          <p:spPr>
+            <a:xfrm>
+              <a:off x="6319557" y="5059083"/>
+              <a:ext cx="859531" cy="369332"/>
+            </a:xfrm>
+            <a:prstGeom prst="rect">
+              <a:avLst/>
+            </a:prstGeom>
+            <a:noFill/>
+          </p:spPr>
+          <p:txBody>
+            <a:bodyPr wrap="none" rtlCol="0">
+              <a:spAutoFit/>
+            </a:bodyPr>
+            <a:lstStyle/>
+            <a:p>
+              <a:r>
+                <a:rPr lang="es-CO" dirty="0"/>
+                <a:t>C</a:t>
+              </a:r>
+              <a:r>
+                <a:rPr lang="es-CO" baseline="-25000" dirty="0"/>
+                <a:t>3</a:t>
+              </a:r>
+              <a:r>
+                <a:rPr lang="es-CO" dirty="0"/>
+                <a:t>= -80</a:t>
+              </a:r>
+            </a:p>
+          </p:txBody>
+        </p:sp>
+        <p:sp>
+          <p:nvSpPr>
+            <p:cNvPr id="50" name="CuadroTexto 49">
+              <a:extLst>
+                <a:ext uri="{FF2B5EF4-FFF2-40B4-BE49-F238E27FC236}">
+                  <a16:creationId xmlns:a16="http://schemas.microsoft.com/office/drawing/2014/main" id="{FE11F11D-CB96-EA44-BDD6-AD5ABDD54E2C}"/>
+                </a:ext>
+              </a:extLst>
+            </p:cNvPr>
+            <p:cNvSpPr txBox="1"/>
+            <p:nvPr/>
+          </p:nvSpPr>
+          <p:spPr>
+            <a:xfrm>
+              <a:off x="8273372" y="2220843"/>
+              <a:ext cx="1247457" cy="369332"/>
+            </a:xfrm>
+            <a:prstGeom prst="rect">
+              <a:avLst/>
+            </a:prstGeom>
+            <a:noFill/>
+          </p:spPr>
+          <p:txBody>
+            <a:bodyPr wrap="none" rtlCol="0">
+              <a:spAutoFit/>
+            </a:bodyPr>
+            <a:lstStyle/>
+            <a:p>
+              <a:r>
+                <a:rPr lang="es-CO" dirty="0"/>
+                <a:t>T1 = A+B+C</a:t>
+              </a:r>
+              <a:endParaRPr lang="es-CO" baseline="-25000" dirty="0"/>
+            </a:p>
+          </p:txBody>
+        </p:sp>
+        <p:grpSp>
+          <p:nvGrpSpPr>
+            <p:cNvPr id="104" name="Grupo 103">
+              <a:extLst>
+                <a:ext uri="{FF2B5EF4-FFF2-40B4-BE49-F238E27FC236}">
+                  <a16:creationId xmlns:a16="http://schemas.microsoft.com/office/drawing/2014/main" id="{95E48ACA-08B0-C54D-B5F8-F328E4673ABA}"/>
+                </a:ext>
+              </a:extLst>
+            </p:cNvPr>
+            <p:cNvGrpSpPr/>
+            <p:nvPr/>
+          </p:nvGrpSpPr>
+          <p:grpSpPr>
+            <a:xfrm>
+              <a:off x="7953542" y="2846484"/>
+              <a:ext cx="2547879" cy="3200292"/>
+              <a:chOff x="9263067" y="2657777"/>
+              <a:chExt cx="2547879" cy="3200292"/>
+            </a:xfrm>
+          </p:grpSpPr>
+          <p:grpSp>
+            <p:nvGrpSpPr>
+              <p:cNvPr id="82" name="Grupo 81">
+                <a:extLst>
+                  <a:ext uri="{FF2B5EF4-FFF2-40B4-BE49-F238E27FC236}">
+                    <a16:creationId xmlns:a16="http://schemas.microsoft.com/office/drawing/2014/main" id="{E3F8B92A-9DA2-514F-8C22-C0ED40DA6004}"/>
+                  </a:ext>
+                </a:extLst>
+              </p:cNvPr>
+              <p:cNvGrpSpPr/>
+              <p:nvPr/>
+            </p:nvGrpSpPr>
+            <p:grpSpPr>
+              <a:xfrm>
+                <a:off x="9519808" y="4743985"/>
+                <a:ext cx="2032131" cy="980202"/>
+                <a:chOff x="1843158" y="2960914"/>
+                <a:chExt cx="2395013" cy="2525488"/>
+              </a:xfrm>
+            </p:grpSpPr>
+            <p:cxnSp>
+              <p:nvCxnSpPr>
+                <p:cNvPr id="83" name="Conector recto 82">
+                  <a:extLst>
+                    <a:ext uri="{FF2B5EF4-FFF2-40B4-BE49-F238E27FC236}">
+                      <a16:creationId xmlns:a16="http://schemas.microsoft.com/office/drawing/2014/main" id="{10321713-407E-3E44-8429-B8CA634ACB5D}"/>
+                    </a:ext>
+                  </a:extLst>
+                </p:cNvPr>
+                <p:cNvCxnSpPr>
+                  <a:cxnSpLocks/>
+                </p:cNvCxnSpPr>
+                <p:nvPr/>
+              </p:nvCxnSpPr>
+              <p:spPr>
+                <a:xfrm flipV="1">
+                  <a:off x="1843158" y="2960914"/>
+                  <a:ext cx="436492" cy="1233658"/>
+                </a:xfrm>
+                <a:prstGeom prst="line">
+                  <a:avLst/>
+                </a:prstGeom>
+                <a:ln w="22225">
+                  <a:solidFill>
+                    <a:schemeClr val="tx1"/>
+                  </a:solidFill>
+                </a:ln>
+              </p:spPr>
+              <p:style>
+                <a:lnRef idx="1">
+                  <a:schemeClr val="accent1"/>
+                </a:lnRef>
+                <a:fillRef idx="0">
+                  <a:schemeClr val="accent1"/>
+                </a:fillRef>
+                <a:effectRef idx="0">
+                  <a:schemeClr val="accent1"/>
+                </a:effectRef>
+                <a:fontRef idx="minor">
+                  <a:schemeClr val="tx1"/>
+                </a:fontRef>
+              </p:style>
+            </p:cxnSp>
+            <p:cxnSp>
+              <p:nvCxnSpPr>
+                <p:cNvPr id="84" name="Conector recto 83">
+                  <a:extLst>
+                    <a:ext uri="{FF2B5EF4-FFF2-40B4-BE49-F238E27FC236}">
+                      <a16:creationId xmlns:a16="http://schemas.microsoft.com/office/drawing/2014/main" id="{7B3BB77A-2D06-C642-A58B-E578FA9CD153}"/>
+                    </a:ext>
+                  </a:extLst>
+                </p:cNvPr>
+                <p:cNvCxnSpPr>
+                  <a:cxnSpLocks/>
+                </p:cNvCxnSpPr>
+                <p:nvPr/>
+              </p:nvCxnSpPr>
+              <p:spPr>
+                <a:xfrm>
+                  <a:off x="1843158" y="4194569"/>
+                  <a:ext cx="459187" cy="1291832"/>
+                </a:xfrm>
+                <a:prstGeom prst="line">
+                  <a:avLst/>
+                </a:prstGeom>
+                <a:ln w="22225">
+                  <a:solidFill>
+                    <a:schemeClr val="tx1"/>
+                  </a:solidFill>
+                </a:ln>
+              </p:spPr>
+              <p:style>
+                <a:lnRef idx="1">
+                  <a:schemeClr val="accent1"/>
+                </a:lnRef>
+                <a:fillRef idx="0">
+                  <a:schemeClr val="accent1"/>
+                </a:fillRef>
+                <a:effectRef idx="0">
+                  <a:schemeClr val="accent1"/>
+                </a:effectRef>
+                <a:fontRef idx="minor">
+                  <a:schemeClr val="tx1"/>
+                </a:fontRef>
+              </p:style>
+            </p:cxnSp>
+            <p:cxnSp>
+              <p:nvCxnSpPr>
+                <p:cNvPr id="85" name="Conector recto 84">
+                  <a:extLst>
+                    <a:ext uri="{FF2B5EF4-FFF2-40B4-BE49-F238E27FC236}">
+                      <a16:creationId xmlns:a16="http://schemas.microsoft.com/office/drawing/2014/main" id="{B8CFF97F-0725-5D4D-959E-6AF2B41B9569}"/>
+                    </a:ext>
+                  </a:extLst>
+                </p:cNvPr>
+                <p:cNvCxnSpPr>
+                  <a:cxnSpLocks/>
+                </p:cNvCxnSpPr>
+                <p:nvPr/>
+              </p:nvCxnSpPr>
+              <p:spPr>
+                <a:xfrm flipV="1">
+                  <a:off x="2287910" y="2960915"/>
+                  <a:ext cx="1950261" cy="1"/>
+                </a:xfrm>
+                <a:prstGeom prst="line">
+                  <a:avLst/>
+                </a:prstGeom>
+                <a:ln w="22225">
+                  <a:solidFill>
+                    <a:schemeClr val="tx1"/>
+                  </a:solidFill>
+                </a:ln>
+              </p:spPr>
+              <p:style>
+                <a:lnRef idx="1">
+                  <a:schemeClr val="accent1"/>
+                </a:lnRef>
+                <a:fillRef idx="0">
+                  <a:schemeClr val="accent1"/>
+                </a:fillRef>
+                <a:effectRef idx="0">
+                  <a:schemeClr val="accent1"/>
+                </a:effectRef>
+                <a:fontRef idx="minor">
+                  <a:schemeClr val="tx1"/>
+                </a:fontRef>
+              </p:style>
+            </p:cxnSp>
+            <p:cxnSp>
+              <p:nvCxnSpPr>
+                <p:cNvPr id="86" name="Conector recto 85">
+                  <a:extLst>
+                    <a:ext uri="{FF2B5EF4-FFF2-40B4-BE49-F238E27FC236}">
+                      <a16:creationId xmlns:a16="http://schemas.microsoft.com/office/drawing/2014/main" id="{9EF4C595-0BC0-A94D-86D3-8B38DFC4A94D}"/>
+                    </a:ext>
+                  </a:extLst>
+                </p:cNvPr>
+                <p:cNvCxnSpPr>
+                  <a:cxnSpLocks/>
+                </p:cNvCxnSpPr>
+                <p:nvPr/>
+              </p:nvCxnSpPr>
+              <p:spPr>
+                <a:xfrm flipV="1">
+                  <a:off x="2287910" y="5486401"/>
+                  <a:ext cx="1950261" cy="1"/>
+                </a:xfrm>
+                <a:prstGeom prst="line">
+                  <a:avLst/>
+                </a:prstGeom>
+                <a:ln w="22225">
+                  <a:solidFill>
+                    <a:schemeClr val="tx1"/>
+                  </a:solidFill>
+                </a:ln>
+              </p:spPr>
+              <p:style>
+                <a:lnRef idx="1">
+                  <a:schemeClr val="accent1"/>
+                </a:lnRef>
+                <a:fillRef idx="0">
+                  <a:schemeClr val="accent1"/>
+                </a:fillRef>
+                <a:effectRef idx="0">
+                  <a:schemeClr val="accent1"/>
+                </a:effectRef>
+                <a:fontRef idx="minor">
+                  <a:schemeClr val="tx1"/>
+                </a:fontRef>
+              </p:style>
+            </p:cxnSp>
+          </p:grpSp>
+          <p:sp>
+            <p:nvSpPr>
+              <p:cNvPr id="87" name="CuadroTexto 86">
+                <a:extLst>
+                  <a:ext uri="{FF2B5EF4-FFF2-40B4-BE49-F238E27FC236}">
+                    <a16:creationId xmlns:a16="http://schemas.microsoft.com/office/drawing/2014/main" id="{7189CC31-41EF-174D-A368-01B396D3A0E6}"/>
+                  </a:ext>
+                </a:extLst>
+              </p:cNvPr>
+              <p:cNvSpPr txBox="1"/>
+              <p:nvPr/>
+            </p:nvSpPr>
+            <p:spPr>
+              <a:xfrm>
+                <a:off x="9926653" y="4349890"/>
+                <a:ext cx="1112805" cy="369332"/>
+              </a:xfrm>
+              <a:prstGeom prst="rect">
+                <a:avLst/>
+              </a:prstGeom>
+              <a:noFill/>
+            </p:spPr>
+            <p:txBody>
+              <a:bodyPr wrap="none" rtlCol="0">
+                <a:spAutoFit/>
+              </a:bodyPr>
+              <a:lstStyle/>
+              <a:p>
+                <a:r>
+                  <a:rPr lang="es-CO" dirty="0"/>
+                  <a:t>E</a:t>
+                </a:r>
+                <a:r>
+                  <a:rPr lang="es-CO" baseline="-25000" dirty="0"/>
+                  <a:t>1</a:t>
+                </a:r>
+                <a:r>
+                  <a:rPr lang="es-CO" dirty="0"/>
+                  <a:t>, 0, 70%</a:t>
+                </a:r>
+              </a:p>
+            </p:txBody>
+          </p:sp>
+          <p:sp>
+            <p:nvSpPr>
+              <p:cNvPr id="88" name="CuadroTexto 87">
+                <a:extLst>
+                  <a:ext uri="{FF2B5EF4-FFF2-40B4-BE49-F238E27FC236}">
+                    <a16:creationId xmlns:a16="http://schemas.microsoft.com/office/drawing/2014/main" id="{DF38A20D-DA46-5F46-907A-AD96FFC6A8F0}"/>
+                  </a:ext>
+                </a:extLst>
+              </p:cNvPr>
+              <p:cNvSpPr txBox="1"/>
+              <p:nvPr/>
+            </p:nvSpPr>
+            <p:spPr>
+              <a:xfrm>
+                <a:off x="9903895" y="5340882"/>
+                <a:ext cx="1417376" cy="369332"/>
+              </a:xfrm>
+              <a:prstGeom prst="rect">
+                <a:avLst/>
+              </a:prstGeom>
+              <a:noFill/>
+            </p:spPr>
+            <p:txBody>
+              <a:bodyPr wrap="none" rtlCol="0">
+                <a:spAutoFit/>
+              </a:bodyPr>
+              <a:lstStyle/>
+              <a:p>
+                <a:r>
+                  <a:rPr lang="es-CO" dirty="0"/>
+                  <a:t>E</a:t>
+                </a:r>
+                <a:r>
+                  <a:rPr lang="es-CO" baseline="-25000" dirty="0"/>
+                  <a:t>2</a:t>
+                </a:r>
+                <a:r>
+                  <a:rPr lang="es-CO" dirty="0"/>
+                  <a:t>, -120, 30%</a:t>
+                </a:r>
+              </a:p>
+            </p:txBody>
+          </p:sp>
+          <p:grpSp>
+            <p:nvGrpSpPr>
+              <p:cNvPr id="89" name="Grupo 88">
+                <a:extLst>
+                  <a:ext uri="{FF2B5EF4-FFF2-40B4-BE49-F238E27FC236}">
+                    <a16:creationId xmlns:a16="http://schemas.microsoft.com/office/drawing/2014/main" id="{CB2D8374-4F4E-8645-A184-BC45E7FD8702}"/>
+                  </a:ext>
+                </a:extLst>
+              </p:cNvPr>
+              <p:cNvGrpSpPr/>
+              <p:nvPr/>
+            </p:nvGrpSpPr>
+            <p:grpSpPr>
+              <a:xfrm>
+                <a:off x="9519808" y="3051872"/>
+                <a:ext cx="2032131" cy="980202"/>
+                <a:chOff x="1843158" y="2960914"/>
+                <a:chExt cx="2395013" cy="2525488"/>
+              </a:xfrm>
+            </p:grpSpPr>
+            <p:cxnSp>
+              <p:nvCxnSpPr>
+                <p:cNvPr id="90" name="Conector recto 89">
+                  <a:extLst>
+                    <a:ext uri="{FF2B5EF4-FFF2-40B4-BE49-F238E27FC236}">
+                      <a16:creationId xmlns:a16="http://schemas.microsoft.com/office/drawing/2014/main" id="{D26D54B4-A8F1-1D47-8A19-045422D683E0}"/>
+                    </a:ext>
+                  </a:extLst>
+                </p:cNvPr>
+                <p:cNvCxnSpPr>
+                  <a:cxnSpLocks/>
+                </p:cNvCxnSpPr>
+                <p:nvPr/>
+              </p:nvCxnSpPr>
+              <p:spPr>
+                <a:xfrm flipV="1">
+                  <a:off x="1843158" y="2960914"/>
+                  <a:ext cx="436492" cy="1233658"/>
+                </a:xfrm>
+                <a:prstGeom prst="line">
+                  <a:avLst/>
+                </a:prstGeom>
+                <a:ln w="22225">
+                  <a:solidFill>
+                    <a:schemeClr val="tx1"/>
+                  </a:solidFill>
+                </a:ln>
+              </p:spPr>
+              <p:style>
+                <a:lnRef idx="1">
+                  <a:schemeClr val="accent1"/>
+                </a:lnRef>
+                <a:fillRef idx="0">
+                  <a:schemeClr val="accent1"/>
+                </a:fillRef>
+                <a:effectRef idx="0">
+                  <a:schemeClr val="accent1"/>
+                </a:effectRef>
+                <a:fontRef idx="minor">
+                  <a:schemeClr val="tx1"/>
+                </a:fontRef>
+              </p:style>
+            </p:cxnSp>
+            <p:cxnSp>
+              <p:nvCxnSpPr>
+                <p:cNvPr id="91" name="Conector recto 90">
+                  <a:extLst>
+                    <a:ext uri="{FF2B5EF4-FFF2-40B4-BE49-F238E27FC236}">
+                      <a16:creationId xmlns:a16="http://schemas.microsoft.com/office/drawing/2014/main" id="{D269AC7F-1A94-CB43-8F4B-E67436C94DA7}"/>
+                    </a:ext>
+                  </a:extLst>
+                </p:cNvPr>
+                <p:cNvCxnSpPr>
+                  <a:cxnSpLocks/>
+                </p:cNvCxnSpPr>
+                <p:nvPr/>
+              </p:nvCxnSpPr>
+              <p:spPr>
+                <a:xfrm>
+                  <a:off x="1843158" y="4194569"/>
+                  <a:ext cx="459187" cy="1291832"/>
+                </a:xfrm>
+                <a:prstGeom prst="line">
+                  <a:avLst/>
+                </a:prstGeom>
+                <a:ln w="22225">
+                  <a:solidFill>
+                    <a:schemeClr val="tx1"/>
+                  </a:solidFill>
+                </a:ln>
+              </p:spPr>
+              <p:style>
+                <a:lnRef idx="1">
+                  <a:schemeClr val="accent1"/>
+                </a:lnRef>
+                <a:fillRef idx="0">
+                  <a:schemeClr val="accent1"/>
+                </a:fillRef>
+                <a:effectRef idx="0">
+                  <a:schemeClr val="accent1"/>
+                </a:effectRef>
+                <a:fontRef idx="minor">
+                  <a:schemeClr val="tx1"/>
+                </a:fontRef>
+              </p:style>
+            </p:cxnSp>
+            <p:cxnSp>
+              <p:nvCxnSpPr>
+                <p:cNvPr id="92" name="Conector recto 91">
+                  <a:extLst>
+                    <a:ext uri="{FF2B5EF4-FFF2-40B4-BE49-F238E27FC236}">
+                      <a16:creationId xmlns:a16="http://schemas.microsoft.com/office/drawing/2014/main" id="{5761D0ED-04A1-3C4C-B460-A05AC1F0691D}"/>
+                    </a:ext>
+                  </a:extLst>
+                </p:cNvPr>
+                <p:cNvCxnSpPr>
+                  <a:cxnSpLocks/>
+                </p:cNvCxnSpPr>
+                <p:nvPr/>
+              </p:nvCxnSpPr>
+              <p:spPr>
+                <a:xfrm flipV="1">
+                  <a:off x="2287910" y="2960915"/>
+                  <a:ext cx="1950261" cy="1"/>
+                </a:xfrm>
+                <a:prstGeom prst="line">
+                  <a:avLst/>
+                </a:prstGeom>
+                <a:ln w="22225">
+                  <a:solidFill>
+                    <a:schemeClr val="tx1"/>
+                  </a:solidFill>
+                </a:ln>
+              </p:spPr>
+              <p:style>
+                <a:lnRef idx="1">
+                  <a:schemeClr val="accent1"/>
+                </a:lnRef>
+                <a:fillRef idx="0">
+                  <a:schemeClr val="accent1"/>
+                </a:fillRef>
+                <a:effectRef idx="0">
+                  <a:schemeClr val="accent1"/>
+                </a:effectRef>
+                <a:fontRef idx="minor">
+                  <a:schemeClr val="tx1"/>
+                </a:fontRef>
+              </p:style>
+            </p:cxnSp>
+            <p:cxnSp>
+              <p:nvCxnSpPr>
+                <p:cNvPr id="93" name="Conector recto 92">
+                  <a:extLst>
+                    <a:ext uri="{FF2B5EF4-FFF2-40B4-BE49-F238E27FC236}">
+                      <a16:creationId xmlns:a16="http://schemas.microsoft.com/office/drawing/2014/main" id="{6E972C10-585B-4248-B407-CB1FA9D26701}"/>
+                    </a:ext>
+                  </a:extLst>
+                </p:cNvPr>
+                <p:cNvCxnSpPr>
+                  <a:cxnSpLocks/>
+                </p:cNvCxnSpPr>
+                <p:nvPr/>
+              </p:nvCxnSpPr>
+              <p:spPr>
+                <a:xfrm flipV="1">
+                  <a:off x="2287910" y="5486401"/>
+                  <a:ext cx="1950261" cy="1"/>
+                </a:xfrm>
+                <a:prstGeom prst="line">
+                  <a:avLst/>
+                </a:prstGeom>
+                <a:ln w="22225">
+                  <a:solidFill>
+                    <a:schemeClr val="tx1"/>
+                  </a:solidFill>
+                </a:ln>
+              </p:spPr>
+              <p:style>
+                <a:lnRef idx="1">
+                  <a:schemeClr val="accent1"/>
+                </a:lnRef>
+                <a:fillRef idx="0">
+                  <a:schemeClr val="accent1"/>
+                </a:fillRef>
+                <a:effectRef idx="0">
+                  <a:schemeClr val="accent1"/>
+                </a:effectRef>
+                <a:fontRef idx="minor">
+                  <a:schemeClr val="tx1"/>
+                </a:fontRef>
+              </p:style>
+            </p:cxnSp>
+          </p:grpSp>
+          <p:sp>
+            <p:nvSpPr>
+              <p:cNvPr id="94" name="CuadroTexto 93">
+                <a:extLst>
+                  <a:ext uri="{FF2B5EF4-FFF2-40B4-BE49-F238E27FC236}">
+                    <a16:creationId xmlns:a16="http://schemas.microsoft.com/office/drawing/2014/main" id="{48367319-17E4-4941-AAF3-4B4ABC4F439D}"/>
+                  </a:ext>
+                </a:extLst>
+              </p:cNvPr>
+              <p:cNvSpPr txBox="1"/>
+              <p:nvPr/>
+            </p:nvSpPr>
+            <p:spPr>
+              <a:xfrm>
+                <a:off x="9926653" y="2657777"/>
+                <a:ext cx="1143262" cy="369332"/>
+              </a:xfrm>
+              <a:prstGeom prst="rect">
+                <a:avLst/>
+              </a:prstGeom>
+              <a:noFill/>
+            </p:spPr>
+            <p:txBody>
+              <a:bodyPr wrap="none" rtlCol="0">
+                <a:spAutoFit/>
+              </a:bodyPr>
+              <a:lstStyle/>
+              <a:p>
+                <a:r>
+                  <a:rPr lang="es-CO" dirty="0"/>
+                  <a:t>D</a:t>
+                </a:r>
+                <a:r>
+                  <a:rPr lang="es-CO" baseline="-25000" dirty="0"/>
+                  <a:t>1</a:t>
+                </a:r>
+                <a:r>
+                  <a:rPr lang="es-CO" dirty="0"/>
+                  <a:t>, 0, 50%</a:t>
+                </a:r>
+              </a:p>
+            </p:txBody>
+          </p:sp>
+          <p:sp>
+            <p:nvSpPr>
+              <p:cNvPr id="95" name="CuadroTexto 94">
+                <a:extLst>
+                  <a:ext uri="{FF2B5EF4-FFF2-40B4-BE49-F238E27FC236}">
+                    <a16:creationId xmlns:a16="http://schemas.microsoft.com/office/drawing/2014/main" id="{073267B1-F13B-2947-85FE-7BE7C3CDC4A5}"/>
+                  </a:ext>
+                </a:extLst>
+              </p:cNvPr>
+              <p:cNvSpPr txBox="1"/>
+              <p:nvPr/>
+            </p:nvSpPr>
+            <p:spPr>
+              <a:xfrm>
+                <a:off x="9903895" y="3648769"/>
+                <a:ext cx="1447832" cy="369332"/>
+              </a:xfrm>
+              <a:prstGeom prst="rect">
+                <a:avLst/>
+              </a:prstGeom>
+              <a:noFill/>
+            </p:spPr>
+            <p:txBody>
+              <a:bodyPr wrap="none" rtlCol="0">
+                <a:spAutoFit/>
+              </a:bodyPr>
+              <a:lstStyle/>
+              <a:p>
+                <a:r>
+                  <a:rPr lang="es-CO" dirty="0"/>
+                  <a:t>D</a:t>
+                </a:r>
+                <a:r>
+                  <a:rPr lang="es-CO" baseline="-25000" dirty="0"/>
+                  <a:t>2</a:t>
+                </a:r>
+                <a:r>
+                  <a:rPr lang="es-CO" dirty="0"/>
+                  <a:t>, -120, 50%</a:t>
+                </a:r>
+              </a:p>
+            </p:txBody>
+          </p:sp>
+          <p:sp>
+            <p:nvSpPr>
+              <p:cNvPr id="96" name="Triángulo 95">
+                <a:extLst>
+                  <a:ext uri="{FF2B5EF4-FFF2-40B4-BE49-F238E27FC236}">
+                    <a16:creationId xmlns:a16="http://schemas.microsoft.com/office/drawing/2014/main" id="{3C702F10-84E6-BA4B-8F27-2597A8F3FC23}"/>
+                  </a:ext>
+                </a:extLst>
+              </p:cNvPr>
+              <p:cNvSpPr/>
+              <p:nvPr/>
+            </p:nvSpPr>
+            <p:spPr>
+              <a:xfrm rot="16200000">
+                <a:off x="11543406" y="5606070"/>
+                <a:ext cx="251999" cy="251999"/>
+              </a:xfrm>
+              <a:prstGeom prst="triangle">
+                <a:avLst/>
+              </a:prstGeom>
+              <a:solidFill>
+                <a:schemeClr val="bg1"/>
+              </a:solidFill>
+              <a:ln w="22225">
+                <a:solidFill>
+                  <a:schemeClr val="tx1"/>
+                </a:solidFill>
+              </a:ln>
+            </p:spPr>
+            <p:style>
+              <a:lnRef idx="2">
+                <a:schemeClr val="accent1">
+                  <a:shade val="50000"/>
+                </a:schemeClr>
+              </a:lnRef>
+              <a:fillRef idx="1">
+                <a:schemeClr val="accent1"/>
+              </a:fillRef>
+              <a:effectRef idx="0">
+                <a:schemeClr val="accent1"/>
+              </a:effectRef>
+              <a:fontRef idx="minor">
+                <a:schemeClr val="lt1"/>
+              </a:fontRef>
+            </p:style>
+            <p:txBody>
+              <a:bodyPr rtlCol="0" anchor="ctr"/>
+              <a:lstStyle/>
+              <a:p>
+                <a:pPr algn="ctr"/>
+                <a:endParaRPr lang="es-CO"/>
+              </a:p>
+            </p:txBody>
+          </p:sp>
+          <p:sp>
+            <p:nvSpPr>
+              <p:cNvPr id="97" name="Triángulo 96">
+                <a:extLst>
+                  <a:ext uri="{FF2B5EF4-FFF2-40B4-BE49-F238E27FC236}">
+                    <a16:creationId xmlns:a16="http://schemas.microsoft.com/office/drawing/2014/main" id="{E4728590-03CB-8D40-8630-5EF3E918C1E4}"/>
+                  </a:ext>
+                </a:extLst>
+              </p:cNvPr>
+              <p:cNvSpPr/>
+              <p:nvPr/>
+            </p:nvSpPr>
+            <p:spPr>
+              <a:xfrm rot="16200000">
+                <a:off x="11543406" y="4617985"/>
+                <a:ext cx="251999" cy="251999"/>
+              </a:xfrm>
+              <a:prstGeom prst="triangle">
+                <a:avLst/>
+              </a:prstGeom>
+              <a:solidFill>
+                <a:schemeClr val="bg1"/>
+              </a:solidFill>
+              <a:ln w="22225">
+                <a:solidFill>
+                  <a:schemeClr val="tx1"/>
+                </a:solidFill>
+              </a:ln>
+            </p:spPr>
+            <p:style>
+              <a:lnRef idx="2">
+                <a:schemeClr val="accent1">
+                  <a:shade val="50000"/>
+                </a:schemeClr>
+              </a:lnRef>
+              <a:fillRef idx="1">
+                <a:schemeClr val="accent1"/>
+              </a:fillRef>
+              <a:effectRef idx="0">
+                <a:schemeClr val="accent1"/>
+              </a:effectRef>
+              <a:fontRef idx="minor">
+                <a:schemeClr val="lt1"/>
+              </a:fontRef>
+            </p:style>
+            <p:txBody>
+              <a:bodyPr rtlCol="0" anchor="ctr"/>
+              <a:lstStyle/>
+              <a:p>
+                <a:pPr algn="ctr"/>
+                <a:endParaRPr lang="es-CO"/>
+              </a:p>
+            </p:txBody>
+          </p:sp>
+          <p:sp>
+            <p:nvSpPr>
+              <p:cNvPr id="98" name="Triángulo 97">
+                <a:extLst>
+                  <a:ext uri="{FF2B5EF4-FFF2-40B4-BE49-F238E27FC236}">
+                    <a16:creationId xmlns:a16="http://schemas.microsoft.com/office/drawing/2014/main" id="{77A97530-8422-424E-B4FC-DAF984DDD77F}"/>
+                  </a:ext>
+                </a:extLst>
+              </p:cNvPr>
+              <p:cNvSpPr/>
+              <p:nvPr/>
+            </p:nvSpPr>
+            <p:spPr>
+              <a:xfrm rot="16200000">
+                <a:off x="11540994" y="3905983"/>
+                <a:ext cx="251999" cy="251999"/>
+              </a:xfrm>
+              <a:prstGeom prst="triangle">
+                <a:avLst/>
+              </a:prstGeom>
+              <a:solidFill>
+                <a:schemeClr val="bg1"/>
+              </a:solidFill>
+              <a:ln w="22225">
+                <a:solidFill>
+                  <a:schemeClr val="tx1"/>
+                </a:solidFill>
+              </a:ln>
+            </p:spPr>
+            <p:style>
+              <a:lnRef idx="2">
+                <a:schemeClr val="accent1">
+                  <a:shade val="50000"/>
+                </a:schemeClr>
+              </a:lnRef>
+              <a:fillRef idx="1">
+                <a:schemeClr val="accent1"/>
+              </a:fillRef>
+              <a:effectRef idx="0">
+                <a:schemeClr val="accent1"/>
+              </a:effectRef>
+              <a:fontRef idx="minor">
+                <a:schemeClr val="lt1"/>
+              </a:fontRef>
+            </p:style>
+            <p:txBody>
+              <a:bodyPr rtlCol="0" anchor="ctr"/>
+              <a:lstStyle/>
+              <a:p>
+                <a:pPr algn="ctr"/>
+                <a:endParaRPr lang="es-CO"/>
+              </a:p>
+            </p:txBody>
+          </p:sp>
+          <p:sp>
+            <p:nvSpPr>
+              <p:cNvPr id="99" name="Triángulo 98">
+                <a:extLst>
+                  <a:ext uri="{FF2B5EF4-FFF2-40B4-BE49-F238E27FC236}">
+                    <a16:creationId xmlns:a16="http://schemas.microsoft.com/office/drawing/2014/main" id="{723A1C43-44F3-A04C-A885-C7543DE40197}"/>
+                  </a:ext>
+                </a:extLst>
+              </p:cNvPr>
+              <p:cNvSpPr/>
+              <p:nvPr/>
+            </p:nvSpPr>
+            <p:spPr>
+              <a:xfrm rot="16200000">
+                <a:off x="11558947" y="2931646"/>
+                <a:ext cx="251999" cy="251999"/>
+              </a:xfrm>
+              <a:prstGeom prst="triangle">
+                <a:avLst/>
+              </a:prstGeom>
+              <a:solidFill>
+                <a:schemeClr val="bg1"/>
+              </a:solidFill>
+              <a:ln w="22225">
+                <a:solidFill>
+                  <a:schemeClr val="tx1"/>
+                </a:solidFill>
+              </a:ln>
+            </p:spPr>
+            <p:style>
+              <a:lnRef idx="2">
+                <a:schemeClr val="accent1">
+                  <a:shade val="50000"/>
+                </a:schemeClr>
+              </a:lnRef>
+              <a:fillRef idx="1">
+                <a:schemeClr val="accent1"/>
+              </a:fillRef>
+              <a:effectRef idx="0">
+                <a:schemeClr val="accent1"/>
+              </a:effectRef>
+              <a:fontRef idx="minor">
+                <a:schemeClr val="lt1"/>
+              </a:fontRef>
+            </p:style>
+            <p:txBody>
+              <a:bodyPr rtlCol="0" anchor="ctr"/>
+              <a:lstStyle/>
+              <a:p>
+                <a:pPr algn="ctr"/>
+                <a:endParaRPr lang="es-CO"/>
+              </a:p>
+            </p:txBody>
+          </p:sp>
+          <p:sp>
+            <p:nvSpPr>
+              <p:cNvPr id="101" name="Elipse 100">
+                <a:extLst>
+                  <a:ext uri="{FF2B5EF4-FFF2-40B4-BE49-F238E27FC236}">
+                    <a16:creationId xmlns:a16="http://schemas.microsoft.com/office/drawing/2014/main" id="{01D115B3-50FE-3543-B424-B8E6E2846CBD}"/>
+                  </a:ext>
+                </a:extLst>
+              </p:cNvPr>
+              <p:cNvSpPr/>
+              <p:nvPr/>
+            </p:nvSpPr>
+            <p:spPr>
+              <a:xfrm>
+                <a:off x="9263067" y="5104748"/>
+                <a:ext cx="251999" cy="251999"/>
+              </a:xfrm>
+              <a:prstGeom prst="ellipse">
+                <a:avLst/>
+              </a:prstGeom>
+              <a:solidFill>
+                <a:schemeClr val="bg1"/>
+              </a:solidFill>
+              <a:ln w="22225">
+                <a:solidFill>
+                  <a:schemeClr val="tx1"/>
+                </a:solidFill>
+              </a:ln>
+            </p:spPr>
+            <p:style>
+              <a:lnRef idx="2">
+                <a:schemeClr val="accent1">
+                  <a:shade val="50000"/>
+                </a:schemeClr>
+              </a:lnRef>
+              <a:fillRef idx="1">
+                <a:schemeClr val="accent1"/>
+              </a:fillRef>
+              <a:effectRef idx="0">
+                <a:schemeClr val="accent1"/>
+              </a:effectRef>
+              <a:fontRef idx="minor">
+                <a:schemeClr val="lt1"/>
+              </a:fontRef>
+            </p:style>
+            <p:txBody>
+              <a:bodyPr rtlCol="0" anchor="ctr"/>
+              <a:lstStyle/>
+              <a:p>
+                <a:pPr algn="ctr"/>
+                <a:endParaRPr lang="es-CO"/>
+              </a:p>
+            </p:txBody>
+          </p:sp>
+          <p:sp>
+            <p:nvSpPr>
+              <p:cNvPr id="102" name="Elipse 101">
+                <a:extLst>
+                  <a:ext uri="{FF2B5EF4-FFF2-40B4-BE49-F238E27FC236}">
+                    <a16:creationId xmlns:a16="http://schemas.microsoft.com/office/drawing/2014/main" id="{0D13E9F3-23ED-4A42-909B-5C4F33F2B98E}"/>
+                  </a:ext>
+                </a:extLst>
+              </p:cNvPr>
+              <p:cNvSpPr/>
+              <p:nvPr/>
+            </p:nvSpPr>
+            <p:spPr>
+              <a:xfrm>
+                <a:off x="9263067" y="3411942"/>
+                <a:ext cx="251999" cy="251999"/>
+              </a:xfrm>
+              <a:prstGeom prst="ellipse">
+                <a:avLst/>
+              </a:prstGeom>
+              <a:solidFill>
+                <a:schemeClr val="bg1"/>
+              </a:solidFill>
+              <a:ln w="22225">
+                <a:solidFill>
+                  <a:schemeClr val="tx1"/>
+                </a:solidFill>
+              </a:ln>
+            </p:spPr>
+            <p:style>
+              <a:lnRef idx="2">
+                <a:schemeClr val="accent1">
+                  <a:shade val="50000"/>
+                </a:schemeClr>
+              </a:lnRef>
+              <a:fillRef idx="1">
+                <a:schemeClr val="accent1"/>
+              </a:fillRef>
+              <a:effectRef idx="0">
+                <a:schemeClr val="accent1"/>
+              </a:effectRef>
+              <a:fontRef idx="minor">
+                <a:schemeClr val="lt1"/>
+              </a:fontRef>
+            </p:style>
+            <p:txBody>
+              <a:bodyPr rtlCol="0" anchor="ctr"/>
+              <a:lstStyle/>
+              <a:p>
+                <a:pPr algn="ctr"/>
+                <a:endParaRPr lang="es-CO"/>
+              </a:p>
+            </p:txBody>
+          </p:sp>
+        </p:grpSp>
+        <p:grpSp>
+          <p:nvGrpSpPr>
+            <p:cNvPr id="105" name="Grupo 104">
+              <a:extLst>
+                <a:ext uri="{FF2B5EF4-FFF2-40B4-BE49-F238E27FC236}">
+                  <a16:creationId xmlns:a16="http://schemas.microsoft.com/office/drawing/2014/main" id="{EF114FEE-1E0E-4941-9604-E187F95B0A9B}"/>
+                </a:ext>
+              </a:extLst>
+            </p:cNvPr>
+            <p:cNvGrpSpPr/>
+            <p:nvPr/>
+          </p:nvGrpSpPr>
+          <p:grpSpPr>
+            <a:xfrm>
+              <a:off x="5921411" y="2417919"/>
+              <a:ext cx="2032131" cy="3010497"/>
+              <a:chOff x="1843158" y="2960914"/>
+              <a:chExt cx="2395013" cy="2525488"/>
+            </a:xfrm>
+          </p:grpSpPr>
+          <p:cxnSp>
+            <p:nvCxnSpPr>
+              <p:cNvPr id="106" name="Conector recto 105">
+                <a:extLst>
+                  <a:ext uri="{FF2B5EF4-FFF2-40B4-BE49-F238E27FC236}">
+                    <a16:creationId xmlns:a16="http://schemas.microsoft.com/office/drawing/2014/main" id="{477F4548-E73B-6E4C-9082-11047BC64AC7}"/>
+                  </a:ext>
+                </a:extLst>
+              </p:cNvPr>
+              <p:cNvCxnSpPr>
+                <a:cxnSpLocks/>
+              </p:cNvCxnSpPr>
+              <p:nvPr/>
+            </p:nvCxnSpPr>
+            <p:spPr>
+              <a:xfrm flipV="1">
+                <a:off x="1843158" y="2960914"/>
+                <a:ext cx="436492" cy="1233658"/>
+              </a:xfrm>
+              <a:prstGeom prst="line">
+                <a:avLst/>
+              </a:prstGeom>
+              <a:ln w="22225">
+                <a:solidFill>
+                  <a:schemeClr val="tx1"/>
+                </a:solidFill>
+              </a:ln>
+            </p:spPr>
+            <p:style>
+              <a:lnRef idx="1">
+                <a:schemeClr val="accent1"/>
+              </a:lnRef>
+              <a:fillRef idx="0">
+                <a:schemeClr val="accent1"/>
+              </a:fillRef>
+              <a:effectRef idx="0">
+                <a:schemeClr val="accent1"/>
+              </a:effectRef>
+              <a:fontRef idx="minor">
+                <a:schemeClr val="tx1"/>
+              </a:fontRef>
+            </p:style>
+          </p:cxnSp>
+          <p:cxnSp>
+            <p:nvCxnSpPr>
+              <p:cNvPr id="107" name="Conector recto 106">
+                <a:extLst>
+                  <a:ext uri="{FF2B5EF4-FFF2-40B4-BE49-F238E27FC236}">
+                    <a16:creationId xmlns:a16="http://schemas.microsoft.com/office/drawing/2014/main" id="{05EEA311-6F71-E349-B867-54713C7EEA85}"/>
+                  </a:ext>
+                </a:extLst>
+              </p:cNvPr>
+              <p:cNvCxnSpPr>
+                <a:cxnSpLocks/>
+              </p:cNvCxnSpPr>
+              <p:nvPr/>
+            </p:nvCxnSpPr>
+            <p:spPr>
+              <a:xfrm>
+                <a:off x="1843158" y="4194569"/>
+                <a:ext cx="459187" cy="1291832"/>
+              </a:xfrm>
+              <a:prstGeom prst="line">
+                <a:avLst/>
+              </a:prstGeom>
+              <a:ln w="22225">
+                <a:solidFill>
+                  <a:schemeClr val="tx1"/>
+                </a:solidFill>
+              </a:ln>
+            </p:spPr>
+            <p:style>
+              <a:lnRef idx="1">
+                <a:schemeClr val="accent1"/>
+              </a:lnRef>
+              <a:fillRef idx="0">
+                <a:schemeClr val="accent1"/>
+              </a:fillRef>
+              <a:effectRef idx="0">
+                <a:schemeClr val="accent1"/>
+              </a:effectRef>
+              <a:fontRef idx="minor">
+                <a:schemeClr val="tx1"/>
+              </a:fontRef>
+            </p:style>
+          </p:cxnSp>
+          <p:cxnSp>
+            <p:nvCxnSpPr>
+              <p:cNvPr id="108" name="Conector recto 107">
+                <a:extLst>
+                  <a:ext uri="{FF2B5EF4-FFF2-40B4-BE49-F238E27FC236}">
+                    <a16:creationId xmlns:a16="http://schemas.microsoft.com/office/drawing/2014/main" id="{1D148F0B-FFAF-4F42-BD9C-2CFE8870BC91}"/>
+                  </a:ext>
+                </a:extLst>
+              </p:cNvPr>
+              <p:cNvCxnSpPr>
+                <a:cxnSpLocks/>
+              </p:cNvCxnSpPr>
+              <p:nvPr/>
+            </p:nvCxnSpPr>
+            <p:spPr>
+              <a:xfrm flipV="1">
+                <a:off x="2287910" y="2960915"/>
+                <a:ext cx="1950261" cy="1"/>
+              </a:xfrm>
+              <a:prstGeom prst="line">
+                <a:avLst/>
+              </a:prstGeom>
+              <a:ln w="22225">
+                <a:solidFill>
+                  <a:schemeClr val="tx1"/>
+                </a:solidFill>
+              </a:ln>
+            </p:spPr>
+            <p:style>
+              <a:lnRef idx="1">
+                <a:schemeClr val="accent1"/>
+              </a:lnRef>
+              <a:fillRef idx="0">
+                <a:schemeClr val="accent1"/>
+              </a:fillRef>
+              <a:effectRef idx="0">
+                <a:schemeClr val="accent1"/>
+              </a:effectRef>
+              <a:fontRef idx="minor">
+                <a:schemeClr val="tx1"/>
+              </a:fontRef>
+            </p:style>
+          </p:cxnSp>
+          <p:cxnSp>
+            <p:nvCxnSpPr>
+              <p:cNvPr id="109" name="Conector recto 108">
+                <a:extLst>
+                  <a:ext uri="{FF2B5EF4-FFF2-40B4-BE49-F238E27FC236}">
+                    <a16:creationId xmlns:a16="http://schemas.microsoft.com/office/drawing/2014/main" id="{5558210A-EF4A-3E41-B47D-50604FD162ED}"/>
+                  </a:ext>
+                </a:extLst>
+              </p:cNvPr>
+              <p:cNvCxnSpPr>
+                <a:cxnSpLocks/>
+              </p:cNvCxnSpPr>
+              <p:nvPr/>
+            </p:nvCxnSpPr>
+            <p:spPr>
+              <a:xfrm flipV="1">
+                <a:off x="2287910" y="5486401"/>
+                <a:ext cx="1950261" cy="1"/>
+              </a:xfrm>
+              <a:prstGeom prst="line">
+                <a:avLst/>
+              </a:prstGeom>
+              <a:ln w="22225">
+                <a:solidFill>
+                  <a:schemeClr val="tx1"/>
+                </a:solidFill>
+              </a:ln>
+            </p:spPr>
+            <p:style>
+              <a:lnRef idx="1">
+                <a:schemeClr val="accent1"/>
+              </a:lnRef>
+              <a:fillRef idx="0">
+                <a:schemeClr val="accent1"/>
+              </a:fillRef>
+              <a:effectRef idx="0">
+                <a:schemeClr val="accent1"/>
+              </a:effectRef>
+              <a:fontRef idx="minor">
+                <a:schemeClr val="tx1"/>
+              </a:fontRef>
+            </p:style>
+          </p:cxnSp>
+        </p:grpSp>
+        <p:sp>
+          <p:nvSpPr>
+            <p:cNvPr id="110" name="Triángulo 109">
+              <a:extLst>
+                <a:ext uri="{FF2B5EF4-FFF2-40B4-BE49-F238E27FC236}">
+                  <a16:creationId xmlns:a16="http://schemas.microsoft.com/office/drawing/2014/main" id="{2D55316E-2CA1-B34F-A30D-5CD6CAABD2EC}"/>
+                </a:ext>
+              </a:extLst>
+            </p:cNvPr>
+            <p:cNvSpPr/>
+            <p:nvPr/>
+          </p:nvSpPr>
+          <p:spPr>
+            <a:xfrm rot="16200000">
+              <a:off x="7960550" y="2283927"/>
+              <a:ext cx="251999" cy="251999"/>
+            </a:xfrm>
+            <a:prstGeom prst="triangle">
+              <a:avLst/>
+            </a:prstGeom>
+            <a:solidFill>
+              <a:schemeClr val="bg1"/>
+            </a:solidFill>
+            <a:ln w="22225">
+              <a:solidFill>
+                <a:schemeClr val="tx1"/>
+              </a:solidFill>
+            </a:ln>
+          </p:spPr>
+          <p:style>
+            <a:lnRef idx="2">
+              <a:schemeClr val="accent1">
+                <a:shade val="50000"/>
+              </a:schemeClr>
+            </a:lnRef>
+            <a:fillRef idx="1">
+              <a:schemeClr val="accent1"/>
+            </a:fillRef>
+            <a:effectRef idx="0">
+              <a:schemeClr val="accent1"/>
+            </a:effectRef>
+            <a:fontRef idx="minor">
+              <a:schemeClr val="lt1"/>
+            </a:fontRef>
+          </p:style>
+          <p:txBody>
+            <a:bodyPr rtlCol="0" anchor="ctr"/>
+            <a:lstStyle/>
+            <a:p>
+              <a:pPr algn="ctr"/>
+              <a:endParaRPr lang="es-CO"/>
+            </a:p>
+          </p:txBody>
+        </p:sp>
+        <p:cxnSp>
+          <p:nvCxnSpPr>
+            <p:cNvPr id="112" name="Conector recto 111">
+              <a:extLst>
+                <a:ext uri="{FF2B5EF4-FFF2-40B4-BE49-F238E27FC236}">
+                  <a16:creationId xmlns:a16="http://schemas.microsoft.com/office/drawing/2014/main" id="{B2E39A3D-67E9-844A-BB67-0DD0CB3484C3}"/>
+                </a:ext>
+              </a:extLst>
+            </p:cNvPr>
+            <p:cNvCxnSpPr>
+              <a:cxnSpLocks/>
+            </p:cNvCxnSpPr>
+            <p:nvPr/>
+          </p:nvCxnSpPr>
+          <p:spPr>
+            <a:xfrm flipV="1">
+              <a:off x="6291768" y="3723034"/>
+              <a:ext cx="1654766" cy="1"/>
+            </a:xfrm>
+            <a:prstGeom prst="line">
+              <a:avLst/>
+            </a:prstGeom>
+            <a:ln w="22225">
+              <a:solidFill>
+                <a:schemeClr val="tx1"/>
+              </a:solidFill>
+            </a:ln>
+          </p:spPr>
+          <p:style>
+            <a:lnRef idx="1">
+              <a:schemeClr val="accent1"/>
+            </a:lnRef>
+            <a:fillRef idx="0">
+              <a:schemeClr val="accent1"/>
+            </a:fillRef>
+            <a:effectRef idx="0">
+              <a:schemeClr val="accent1"/>
+            </a:effectRef>
+            <a:fontRef idx="minor">
+              <a:schemeClr val="tx1"/>
+            </a:fontRef>
+          </p:style>
+        </p:cxnSp>
+        <p:cxnSp>
+          <p:nvCxnSpPr>
+            <p:cNvPr id="113" name="Conector recto 112">
+              <a:extLst>
+                <a:ext uri="{FF2B5EF4-FFF2-40B4-BE49-F238E27FC236}">
+                  <a16:creationId xmlns:a16="http://schemas.microsoft.com/office/drawing/2014/main" id="{78840042-8B6E-9446-8878-7460737307DE}"/>
+                </a:ext>
+              </a:extLst>
+            </p:cNvPr>
+            <p:cNvCxnSpPr>
+              <a:cxnSpLocks/>
+              <a:stCxn id="18" idx="3"/>
+            </p:cNvCxnSpPr>
+            <p:nvPr/>
+          </p:nvCxnSpPr>
+          <p:spPr>
+            <a:xfrm flipV="1">
+              <a:off x="5910934" y="3723033"/>
+              <a:ext cx="387842" cy="189159"/>
+            </a:xfrm>
+            <a:prstGeom prst="line">
+              <a:avLst/>
+            </a:prstGeom>
+            <a:ln w="22225">
+              <a:solidFill>
+                <a:schemeClr val="tx1"/>
+              </a:solidFill>
+            </a:ln>
+          </p:spPr>
+          <p:style>
+            <a:lnRef idx="1">
+              <a:schemeClr val="accent1"/>
+            </a:lnRef>
+            <a:fillRef idx="0">
+              <a:schemeClr val="accent1"/>
+            </a:fillRef>
+            <a:effectRef idx="0">
+              <a:schemeClr val="accent1"/>
+            </a:effectRef>
+            <a:fontRef idx="minor">
+              <a:schemeClr val="tx1"/>
+            </a:fontRef>
+          </p:style>
+        </p:cxnSp>
+      </p:grpSp>
+      <p:sp>
+        <p:nvSpPr>
+          <p:cNvPr id="5" name="CuadroTexto 4">
+            <a:extLst>
+              <a:ext uri="{FF2B5EF4-FFF2-40B4-BE49-F238E27FC236}">
+                <a16:creationId xmlns:a16="http://schemas.microsoft.com/office/drawing/2014/main" id="{6CCC08DF-FDC9-DF45-9578-593EA56C153F}"/>
+              </a:ext>
+            </a:extLst>
+          </p:cNvPr>
+          <p:cNvSpPr txBox="1"/>
+          <p:nvPr/>
+        </p:nvSpPr>
+        <p:spPr>
+          <a:xfrm>
+            <a:off x="422357" y="6411092"/>
+            <a:ext cx="314510" cy="400110"/>
+          </a:xfrm>
+          <a:prstGeom prst="rect">
+            <a:avLst/>
+          </a:prstGeom>
+          <a:noFill/>
+        </p:spPr>
+        <p:txBody>
           <a:bodyPr wrap="none" rtlCol="0">
             <a:spAutoFit/>
           </a:bodyPr>
           <a:lstStyle/>
           <a:p>
             <a:r>
-              <a:rPr lang="es-CO" dirty="0"/>
-              <a:t>T4=A</a:t>
+              <a:rPr lang="es-CO" sz="2000" b="1" dirty="0">
+                <a:solidFill>
+                  <a:srgbClr val="FF0000"/>
+                </a:solidFill>
+              </a:rPr>
+              <a:t>0</a:t>
             </a:r>
-            <a:endParaRPr lang="es-CO" baseline="-25000" dirty="0"/>
+          </a:p>
+        </p:txBody>
+      </p:sp>
+      <p:sp>
+        <p:nvSpPr>
+          <p:cNvPr id="61" name="CuadroTexto 60">
+            <a:extLst>
+              <a:ext uri="{FF2B5EF4-FFF2-40B4-BE49-F238E27FC236}">
+                <a16:creationId xmlns:a16="http://schemas.microsoft.com/office/drawing/2014/main" id="{E14D2436-D22C-1745-A342-97B39040CB79}"/>
+              </a:ext>
+            </a:extLst>
+          </p:cNvPr>
+          <p:cNvSpPr txBox="1"/>
+          <p:nvPr/>
+        </p:nvSpPr>
+        <p:spPr>
+          <a:xfrm>
+            <a:off x="2449486" y="5166741"/>
+            <a:ext cx="314510" cy="400110"/>
+          </a:xfrm>
+          <a:prstGeom prst="rect">
+            <a:avLst/>
+          </a:prstGeom>
+          <a:noFill/>
+        </p:spPr>
+        <p:txBody>
+          <a:bodyPr wrap="none" rtlCol="0">
+            <a:spAutoFit/>
+          </a:bodyPr>
+          <a:lstStyle/>
+          <a:p>
+            <a:r>
+              <a:rPr lang="es-CO" sz="2000" b="1" dirty="0">
+                <a:solidFill>
+                  <a:srgbClr val="FF0000"/>
+                </a:solidFill>
+              </a:rPr>
+              <a:t>1</a:t>
+            </a:r>
+          </a:p>
+        </p:txBody>
+      </p:sp>
+      <p:sp>
+        <p:nvSpPr>
+          <p:cNvPr id="62" name="CuadroTexto 61">
+            <a:extLst>
+              <a:ext uri="{FF2B5EF4-FFF2-40B4-BE49-F238E27FC236}">
+                <a16:creationId xmlns:a16="http://schemas.microsoft.com/office/drawing/2014/main" id="{182A3B2F-6481-E84F-AC0F-209549C4620C}"/>
+              </a:ext>
+            </a:extLst>
+          </p:cNvPr>
+          <p:cNvSpPr txBox="1"/>
+          <p:nvPr/>
+        </p:nvSpPr>
+        <p:spPr>
+          <a:xfrm>
+            <a:off x="2560606" y="7693644"/>
+            <a:ext cx="314510" cy="400110"/>
+          </a:xfrm>
+          <a:prstGeom prst="rect">
+            <a:avLst/>
+          </a:prstGeom>
+          <a:noFill/>
+        </p:spPr>
+        <p:txBody>
+          <a:bodyPr wrap="none" rtlCol="0">
+            <a:spAutoFit/>
+          </a:bodyPr>
+          <a:lstStyle/>
+          <a:p>
+            <a:r>
+              <a:rPr lang="es-CO" sz="2000" b="1" dirty="0">
+                <a:solidFill>
+                  <a:srgbClr val="FF0000"/>
+                </a:solidFill>
+              </a:rPr>
+              <a:t>2</a:t>
+            </a:r>
+          </a:p>
+        </p:txBody>
+      </p:sp>
+      <p:sp>
+        <p:nvSpPr>
+          <p:cNvPr id="63" name="CuadroTexto 62">
+            <a:extLst>
+              <a:ext uri="{FF2B5EF4-FFF2-40B4-BE49-F238E27FC236}">
+                <a16:creationId xmlns:a16="http://schemas.microsoft.com/office/drawing/2014/main" id="{802A00A3-458F-7941-920D-5E1BE306E05E}"/>
+              </a:ext>
+            </a:extLst>
+          </p:cNvPr>
+          <p:cNvSpPr txBox="1"/>
+          <p:nvPr/>
+        </p:nvSpPr>
+        <p:spPr>
+          <a:xfrm>
+            <a:off x="4612335" y="3921870"/>
+            <a:ext cx="314510" cy="400110"/>
+          </a:xfrm>
+          <a:prstGeom prst="rect">
+            <a:avLst/>
+          </a:prstGeom>
+          <a:noFill/>
+        </p:spPr>
+        <p:txBody>
+          <a:bodyPr wrap="none" rtlCol="0">
+            <a:spAutoFit/>
+          </a:bodyPr>
+          <a:lstStyle/>
+          <a:p>
+            <a:r>
+              <a:rPr lang="es-CO" sz="2000" b="1" dirty="0">
+                <a:solidFill>
+                  <a:srgbClr val="FF0000"/>
+                </a:solidFill>
+              </a:rPr>
+              <a:t>3</a:t>
+            </a:r>
+          </a:p>
+        </p:txBody>
+      </p:sp>
+      <p:sp>
+        <p:nvSpPr>
+          <p:cNvPr id="64" name="CuadroTexto 63">
+            <a:extLst>
+              <a:ext uri="{FF2B5EF4-FFF2-40B4-BE49-F238E27FC236}">
+                <a16:creationId xmlns:a16="http://schemas.microsoft.com/office/drawing/2014/main" id="{0CB1548F-D659-0045-83B7-3015061667A9}"/>
+              </a:ext>
+            </a:extLst>
+          </p:cNvPr>
+          <p:cNvSpPr txBox="1"/>
+          <p:nvPr/>
+        </p:nvSpPr>
+        <p:spPr>
+          <a:xfrm>
+            <a:off x="4692026" y="6439137"/>
+            <a:ext cx="314510" cy="400110"/>
+          </a:xfrm>
+          <a:prstGeom prst="rect">
+            <a:avLst/>
+          </a:prstGeom>
+          <a:noFill/>
+        </p:spPr>
+        <p:txBody>
+          <a:bodyPr wrap="none" rtlCol="0">
+            <a:spAutoFit/>
+          </a:bodyPr>
+          <a:lstStyle/>
+          <a:p>
+            <a:r>
+              <a:rPr lang="es-CO" sz="2000" b="1" dirty="0">
+                <a:solidFill>
+                  <a:srgbClr val="FF0000"/>
+                </a:solidFill>
+              </a:rPr>
+              <a:t>4</a:t>
+            </a:r>
+          </a:p>
+        </p:txBody>
+      </p:sp>
+      <p:sp>
+        <p:nvSpPr>
+          <p:cNvPr id="65" name="CuadroTexto 64">
+            <a:extLst>
+              <a:ext uri="{FF2B5EF4-FFF2-40B4-BE49-F238E27FC236}">
+                <a16:creationId xmlns:a16="http://schemas.microsoft.com/office/drawing/2014/main" id="{6247A6F6-234E-5042-93F0-2718B5266A7E}"/>
+              </a:ext>
+            </a:extLst>
+          </p:cNvPr>
+          <p:cNvSpPr txBox="1"/>
+          <p:nvPr/>
+        </p:nvSpPr>
+        <p:spPr>
+          <a:xfrm>
+            <a:off x="6921307" y="2430518"/>
+            <a:ext cx="314510" cy="400110"/>
+          </a:xfrm>
+          <a:prstGeom prst="rect">
+            <a:avLst/>
+          </a:prstGeom>
+          <a:noFill/>
+        </p:spPr>
+        <p:txBody>
+          <a:bodyPr wrap="none" rtlCol="0">
+            <a:spAutoFit/>
+          </a:bodyPr>
+          <a:lstStyle/>
+          <a:p>
+            <a:r>
+              <a:rPr lang="es-CO" sz="2000" b="1" dirty="0">
+                <a:solidFill>
+                  <a:srgbClr val="FF0000"/>
+                </a:solidFill>
+              </a:rPr>
+              <a:t>5</a:t>
+            </a:r>
+          </a:p>
+        </p:txBody>
+      </p:sp>
+      <p:sp>
+        <p:nvSpPr>
+          <p:cNvPr id="66" name="CuadroTexto 65">
+            <a:extLst>
+              <a:ext uri="{FF2B5EF4-FFF2-40B4-BE49-F238E27FC236}">
+                <a16:creationId xmlns:a16="http://schemas.microsoft.com/office/drawing/2014/main" id="{2B95A9B0-BFA6-9141-92F1-1013DF64FA69}"/>
+              </a:ext>
+            </a:extLst>
+          </p:cNvPr>
+          <p:cNvSpPr txBox="1"/>
+          <p:nvPr/>
+        </p:nvSpPr>
+        <p:spPr>
+          <a:xfrm>
+            <a:off x="6911362" y="3708743"/>
+            <a:ext cx="314510" cy="400110"/>
+          </a:xfrm>
+          <a:prstGeom prst="rect">
+            <a:avLst/>
+          </a:prstGeom>
+          <a:noFill/>
+        </p:spPr>
+        <p:txBody>
+          <a:bodyPr wrap="none" rtlCol="0">
+            <a:spAutoFit/>
+          </a:bodyPr>
+          <a:lstStyle/>
+          <a:p>
+            <a:r>
+              <a:rPr lang="es-CO" sz="2000" b="1" dirty="0">
+                <a:solidFill>
+                  <a:srgbClr val="FF0000"/>
+                </a:solidFill>
+              </a:rPr>
+              <a:t>6</a:t>
+            </a:r>
+          </a:p>
+        </p:txBody>
+      </p:sp>
+      <p:sp>
+        <p:nvSpPr>
+          <p:cNvPr id="67" name="CuadroTexto 66">
+            <a:extLst>
+              <a:ext uri="{FF2B5EF4-FFF2-40B4-BE49-F238E27FC236}">
+                <a16:creationId xmlns:a16="http://schemas.microsoft.com/office/drawing/2014/main" id="{88776786-0FAA-B14C-8767-98C7F0367192}"/>
+              </a:ext>
+            </a:extLst>
+          </p:cNvPr>
+          <p:cNvSpPr txBox="1"/>
+          <p:nvPr/>
+        </p:nvSpPr>
+        <p:spPr>
+          <a:xfrm>
+            <a:off x="6929897" y="5432851"/>
+            <a:ext cx="314510" cy="400110"/>
+          </a:xfrm>
+          <a:prstGeom prst="rect">
+            <a:avLst/>
+          </a:prstGeom>
+          <a:noFill/>
+        </p:spPr>
+        <p:txBody>
+          <a:bodyPr wrap="none" rtlCol="0">
+            <a:spAutoFit/>
+          </a:bodyPr>
+          <a:lstStyle/>
+          <a:p>
+            <a:r>
+              <a:rPr lang="es-CO" sz="2000" b="1" dirty="0">
+                <a:solidFill>
+                  <a:srgbClr val="FF0000"/>
+                </a:solidFill>
+              </a:rPr>
+              <a:t>7</a:t>
+            </a:r>
+          </a:p>
+        </p:txBody>
+      </p:sp>
+      <p:sp>
+        <p:nvSpPr>
+          <p:cNvPr id="68" name="CuadroTexto 67">
+            <a:extLst>
+              <a:ext uri="{FF2B5EF4-FFF2-40B4-BE49-F238E27FC236}">
+                <a16:creationId xmlns:a16="http://schemas.microsoft.com/office/drawing/2014/main" id="{FB51570C-AA5B-B94E-A46F-68E0F1A299DB}"/>
+              </a:ext>
+            </a:extLst>
+          </p:cNvPr>
+          <p:cNvSpPr txBox="1"/>
+          <p:nvPr/>
+        </p:nvSpPr>
+        <p:spPr>
+          <a:xfrm>
+            <a:off x="9252323" y="3249875"/>
+            <a:ext cx="314510" cy="400110"/>
+          </a:xfrm>
+          <a:prstGeom prst="rect">
+            <a:avLst/>
+          </a:prstGeom>
+          <a:noFill/>
+        </p:spPr>
+        <p:txBody>
+          <a:bodyPr wrap="none" rtlCol="0">
+            <a:spAutoFit/>
+          </a:bodyPr>
+          <a:lstStyle/>
+          <a:p>
+            <a:r>
+              <a:rPr lang="es-CO" sz="2000" b="1" dirty="0">
+                <a:solidFill>
+                  <a:srgbClr val="FF0000"/>
+                </a:solidFill>
+              </a:rPr>
+              <a:t>8</a:t>
+            </a:r>
+          </a:p>
+        </p:txBody>
+      </p:sp>
+      <p:sp>
+        <p:nvSpPr>
+          <p:cNvPr id="69" name="CuadroTexto 68">
+            <a:extLst>
+              <a:ext uri="{FF2B5EF4-FFF2-40B4-BE49-F238E27FC236}">
+                <a16:creationId xmlns:a16="http://schemas.microsoft.com/office/drawing/2014/main" id="{A930A38E-2033-F048-A926-A1016E461829}"/>
+              </a:ext>
+            </a:extLst>
+          </p:cNvPr>
+          <p:cNvSpPr txBox="1"/>
+          <p:nvPr/>
+        </p:nvSpPr>
+        <p:spPr>
+          <a:xfrm>
+            <a:off x="9246230" y="4229558"/>
+            <a:ext cx="314510" cy="400110"/>
+          </a:xfrm>
+          <a:prstGeom prst="rect">
+            <a:avLst/>
+          </a:prstGeom>
+          <a:noFill/>
+        </p:spPr>
+        <p:txBody>
+          <a:bodyPr wrap="none" rtlCol="0">
+            <a:spAutoFit/>
+          </a:bodyPr>
+          <a:lstStyle/>
+          <a:p>
+            <a:r>
+              <a:rPr lang="es-CO" sz="2000" b="1" dirty="0">
+                <a:solidFill>
+                  <a:srgbClr val="FF0000"/>
+                </a:solidFill>
+              </a:rPr>
+              <a:t>8</a:t>
+            </a:r>
+          </a:p>
+        </p:txBody>
+      </p:sp>
+      <p:sp>
+        <p:nvSpPr>
+          <p:cNvPr id="70" name="CuadroTexto 69">
+            <a:extLst>
+              <a:ext uri="{FF2B5EF4-FFF2-40B4-BE49-F238E27FC236}">
+                <a16:creationId xmlns:a16="http://schemas.microsoft.com/office/drawing/2014/main" id="{0B8FA301-BE01-1F40-924E-6245DA29D02B}"/>
+              </a:ext>
+            </a:extLst>
+          </p:cNvPr>
+          <p:cNvSpPr txBox="1"/>
+          <p:nvPr/>
+        </p:nvSpPr>
+        <p:spPr>
+          <a:xfrm>
+            <a:off x="9268002" y="4933500"/>
+            <a:ext cx="314510" cy="400110"/>
+          </a:xfrm>
+          <a:prstGeom prst="rect">
+            <a:avLst/>
+          </a:prstGeom>
+          <a:noFill/>
+        </p:spPr>
+        <p:txBody>
+          <a:bodyPr wrap="none" rtlCol="0">
+            <a:spAutoFit/>
+          </a:bodyPr>
+          <a:lstStyle/>
+          <a:p>
+            <a:r>
+              <a:rPr lang="es-CO" sz="2000" b="1" dirty="0">
+                <a:solidFill>
+                  <a:srgbClr val="FF0000"/>
+                </a:solidFill>
+              </a:rPr>
+              <a:t>8</a:t>
+            </a:r>
+          </a:p>
+        </p:txBody>
+      </p:sp>
+      <p:sp>
+        <p:nvSpPr>
+          <p:cNvPr id="72" name="CuadroTexto 71">
+            <a:extLst>
+              <a:ext uri="{FF2B5EF4-FFF2-40B4-BE49-F238E27FC236}">
+                <a16:creationId xmlns:a16="http://schemas.microsoft.com/office/drawing/2014/main" id="{22F203B1-245A-3240-9CBD-568EBF3EA93E}"/>
+              </a:ext>
+            </a:extLst>
+          </p:cNvPr>
+          <p:cNvSpPr txBox="1"/>
+          <p:nvPr/>
+        </p:nvSpPr>
+        <p:spPr>
+          <a:xfrm>
+            <a:off x="9217202" y="5942241"/>
+            <a:ext cx="314510" cy="400110"/>
+          </a:xfrm>
+          <a:prstGeom prst="rect">
+            <a:avLst/>
+          </a:prstGeom>
+          <a:noFill/>
+        </p:spPr>
+        <p:txBody>
+          <a:bodyPr wrap="none" rtlCol="0">
+            <a:spAutoFit/>
+          </a:bodyPr>
+          <a:lstStyle/>
+          <a:p>
+            <a:r>
+              <a:rPr lang="es-CO" sz="2000" b="1" dirty="0">
+                <a:solidFill>
+                  <a:srgbClr val="FF0000"/>
+                </a:solidFill>
+              </a:rPr>
+              <a:t>8</a:t>
+            </a:r>
           </a:p>
         </p:txBody>
       </p:sp>
     </p:spTree>
     <p:extLst>
       <p:ext uri="{BB962C8B-B14F-4D97-AF65-F5344CB8AC3E}">
-        <p14:creationId xmlns:p14="http://schemas.microsoft.com/office/powerpoint/2010/main" val="3876555779"/>
+        <p14:creationId xmlns:p14="http://schemas.microsoft.com/office/powerpoint/2010/main" val="606102179"/>
       </p:ext>
     </p:extLst>
   </p:cSld>

--- a/docs/images.pptx
+++ b/docs/images.pptx
@@ -243,7 +243,7 @@
           <a:p>
             <a:fld id="{F8B9BAEA-F684-D943-B74C-F1059F981867}" type="datetimeFigureOut">
               <a:rPr lang="es-CO" smtClean="0"/>
-              <a:t>24/05/18</a:t>
+              <a:t>30/05/18</a:t>
             </a:fld>
             <a:endParaRPr lang="es-CO"/>
           </a:p>
@@ -389,7 +389,7 @@
           <a:p>
             <a:fld id="{F8B9BAEA-F684-D943-B74C-F1059F981867}" type="datetimeFigureOut">
               <a:rPr lang="es-CO" smtClean="0"/>
-              <a:t>24/05/18</a:t>
+              <a:t>30/05/18</a:t>
             </a:fld>
             <a:endParaRPr lang="es-CO"/>
           </a:p>
@@ -545,7 +545,7 @@
           <a:p>
             <a:fld id="{F8B9BAEA-F684-D943-B74C-F1059F981867}" type="datetimeFigureOut">
               <a:rPr lang="es-CO" smtClean="0"/>
-              <a:t>24/05/18</a:t>
+              <a:t>30/05/18</a:t>
             </a:fld>
             <a:endParaRPr lang="es-CO"/>
           </a:p>
@@ -691,7 +691,7 @@
           <a:p>
             <a:fld id="{F8B9BAEA-F684-D943-B74C-F1059F981867}" type="datetimeFigureOut">
               <a:rPr lang="es-CO" smtClean="0"/>
-              <a:t>24/05/18</a:t>
+              <a:t>30/05/18</a:t>
             </a:fld>
             <a:endParaRPr lang="es-CO"/>
           </a:p>
@@ -940,7 +940,7 @@
           <a:p>
             <a:fld id="{F8B9BAEA-F684-D943-B74C-F1059F981867}" type="datetimeFigureOut">
               <a:rPr lang="es-CO" smtClean="0"/>
-              <a:t>24/05/18</a:t>
+              <a:t>30/05/18</a:t>
             </a:fld>
             <a:endParaRPr lang="es-CO"/>
           </a:p>
@@ -1124,7 +1124,7 @@
           <a:p>
             <a:fld id="{F8B9BAEA-F684-D943-B74C-F1059F981867}" type="datetimeFigureOut">
               <a:rPr lang="es-CO" smtClean="0"/>
-              <a:t>24/05/18</a:t>
+              <a:t>30/05/18</a:t>
             </a:fld>
             <a:endParaRPr lang="es-CO"/>
           </a:p>
@@ -1453,7 +1453,7 @@
           <a:p>
             <a:fld id="{F8B9BAEA-F684-D943-B74C-F1059F981867}" type="datetimeFigureOut">
               <a:rPr lang="es-CO" smtClean="0"/>
-              <a:t>24/05/18</a:t>
+              <a:t>30/05/18</a:t>
             </a:fld>
             <a:endParaRPr lang="es-CO"/>
           </a:p>
@@ -1571,7 +1571,7 @@
           <a:p>
             <a:fld id="{F8B9BAEA-F684-D943-B74C-F1059F981867}" type="datetimeFigureOut">
               <a:rPr lang="es-CO" smtClean="0"/>
-              <a:t>24/05/18</a:t>
+              <a:t>30/05/18</a:t>
             </a:fld>
             <a:endParaRPr lang="es-CO"/>
           </a:p>
@@ -1666,7 +1666,7 @@
           <a:p>
             <a:fld id="{F8B9BAEA-F684-D943-B74C-F1059F981867}" type="datetimeFigureOut">
               <a:rPr lang="es-CO" smtClean="0"/>
-              <a:t>24/05/18</a:t>
+              <a:t>30/05/18</a:t>
             </a:fld>
             <a:endParaRPr lang="es-CO"/>
           </a:p>
@@ -1924,7 +1924,7 @@
           <a:p>
             <a:fld id="{F8B9BAEA-F684-D943-B74C-F1059F981867}" type="datetimeFigureOut">
               <a:rPr lang="es-CO" smtClean="0"/>
-              <a:t>24/05/18</a:t>
+              <a:t>30/05/18</a:t>
             </a:fld>
             <a:endParaRPr lang="es-CO"/>
           </a:p>
@@ -2186,7 +2186,7 @@
           <a:p>
             <a:fld id="{F8B9BAEA-F684-D943-B74C-F1059F981867}" type="datetimeFigureOut">
               <a:rPr lang="es-CO" smtClean="0"/>
-              <a:t>24/05/18</a:t>
+              <a:t>30/05/18</a:t>
             </a:fld>
             <a:endParaRPr lang="es-CO"/>
           </a:p>
@@ -2375,7 +2375,7 @@
           <a:p>
             <a:fld id="{F8B9BAEA-F684-D943-B74C-F1059F981867}" type="datetimeFigureOut">
               <a:rPr lang="es-CO" smtClean="0"/>
-              <a:t>24/05/18</a:t>
+              <a:t>30/05/18</a:t>
             </a:fld>
             <a:endParaRPr lang="es-CO"/>
           </a:p>
@@ -2794,7 +2794,7 @@
         </p:nvSpPr>
         <p:spPr>
           <a:xfrm>
-            <a:off x="721240" y="6290850"/>
+            <a:off x="880894" y="6290850"/>
             <a:ext cx="251999" cy="251999"/>
           </a:xfrm>
           <a:prstGeom prst="rect">
@@ -2848,7 +2848,7 @@
         </p:nvSpPr>
         <p:spPr>
           <a:xfrm>
-            <a:off x="2782977" y="5039354"/>
+            <a:off x="2942631" y="5039354"/>
             <a:ext cx="251999" cy="251999"/>
           </a:xfrm>
           <a:prstGeom prst="ellipse">
@@ -2902,7 +2902,7 @@
         </p:nvGrpSpPr>
         <p:grpSpPr>
           <a:xfrm>
-            <a:off x="988669" y="5167788"/>
+            <a:off x="1148323" y="5167788"/>
             <a:ext cx="1780132" cy="2525488"/>
             <a:chOff x="988669" y="5167788"/>
             <a:chExt cx="1780132" cy="2525488"/>
@@ -3095,7 +3095,7 @@
         </p:nvSpPr>
         <p:spPr>
           <a:xfrm rot="16200000">
-            <a:off x="2777532" y="7558898"/>
+            <a:off x="2937186" y="7558898"/>
             <a:ext cx="251999" cy="251999"/>
           </a:xfrm>
           <a:prstGeom prst="triangle">
@@ -3149,7 +3149,7 @@
         </p:nvSpPr>
         <p:spPr>
           <a:xfrm rot="16200000">
-            <a:off x="4946483" y="6307610"/>
+            <a:off x="5106137" y="6307610"/>
             <a:ext cx="251999" cy="251999"/>
           </a:xfrm>
           <a:prstGeom prst="triangle">
@@ -3203,8 +3203,8 @@
         </p:nvSpPr>
         <p:spPr>
           <a:xfrm>
-            <a:off x="1324718" y="4796022"/>
-            <a:ext cx="811441" cy="369332"/>
+            <a:off x="1484372" y="4796022"/>
+            <a:ext cx="869149" cy="369332"/>
           </a:xfrm>
           <a:prstGeom prst="rect">
             <a:avLst/>
@@ -3227,7 +3227,7 @@
             </a:r>
             <a:r>
               <a:rPr lang="es-CO" dirty="0"/>
-              <a:t>, -50</a:t>
+              <a:t>= -50</a:t>
             </a:r>
           </a:p>
         </p:txBody>
@@ -3246,8 +3246,8 @@
         </p:nvSpPr>
         <p:spPr>
           <a:xfrm>
-            <a:off x="1327969" y="7322860"/>
-            <a:ext cx="623889" cy="369332"/>
+            <a:off x="1487623" y="7322860"/>
+            <a:ext cx="681597" cy="369332"/>
           </a:xfrm>
           <a:prstGeom prst="rect">
             <a:avLst/>
@@ -3270,7 +3270,7 @@
             </a:r>
             <a:r>
               <a:rPr lang="es-CO" dirty="0"/>
-              <a:t>, 0</a:t>
+              <a:t>= 0</a:t>
             </a:r>
           </a:p>
         </p:txBody>
@@ -3289,8 +3289,8 @@
         </p:nvSpPr>
         <p:spPr>
           <a:xfrm>
-            <a:off x="3413959" y="3552538"/>
-            <a:ext cx="1359668" cy="369332"/>
+            <a:off x="3573613" y="3552538"/>
+            <a:ext cx="1417376" cy="369332"/>
           </a:xfrm>
           <a:prstGeom prst="rect">
             <a:avLst/>
@@ -3313,7 +3313,7 @@
             </a:r>
             <a:r>
               <a:rPr lang="es-CO" dirty="0"/>
-              <a:t>, 250, 50%</a:t>
+              <a:t>= 250, 50%</a:t>
             </a:r>
           </a:p>
         </p:txBody>
@@ -3332,8 +3332,8 @@
         </p:nvSpPr>
         <p:spPr>
           <a:xfrm>
-            <a:off x="3464910" y="6052915"/>
-            <a:ext cx="1125629" cy="369332"/>
+            <a:off x="3624564" y="6052915"/>
+            <a:ext cx="1183337" cy="369332"/>
           </a:xfrm>
           <a:prstGeom prst="rect">
             <a:avLst/>
@@ -3356,7 +3356,7 @@
             </a:r>
             <a:r>
               <a:rPr lang="es-CO" dirty="0"/>
-              <a:t>, 0, 50%</a:t>
+              <a:t>= 0, 50%</a:t>
             </a:r>
           </a:p>
         </p:txBody>
@@ -3375,7 +3375,7 @@
         </p:nvSpPr>
         <p:spPr>
           <a:xfrm>
-            <a:off x="10263617" y="4352828"/>
+            <a:off x="10369092" y="3525299"/>
             <a:ext cx="1505540" cy="369332"/>
           </a:xfrm>
           <a:prstGeom prst="rect">
@@ -3411,8 +3411,8 @@
         </p:nvSpPr>
         <p:spPr>
           <a:xfrm>
-            <a:off x="9733173" y="2870628"/>
-            <a:ext cx="374049" cy="3388843"/>
+            <a:off x="9892827" y="2989943"/>
+            <a:ext cx="374049" cy="1460882"/>
           </a:xfrm>
           <a:prstGeom prst="rightBrace">
             <a:avLst>
@@ -3463,7 +3463,7 @@
         </p:nvSpPr>
         <p:spPr>
           <a:xfrm>
-            <a:off x="5237628" y="6259472"/>
+            <a:off x="5397282" y="6259472"/>
             <a:ext cx="1008609" cy="369332"/>
           </a:xfrm>
           <a:prstGeom prst="rect">
@@ -3479,7 +3479,7 @@
           <a:p>
             <a:r>
               <a:rPr lang="es-CO" dirty="0"/>
-              <a:t>T3 = A+B</a:t>
+              <a:t>T4 = A+B</a:t>
             </a:r>
             <a:endParaRPr lang="es-CO" baseline="-25000" dirty="0"/>
           </a:p>
@@ -3499,7 +3499,7 @@
         </p:nvSpPr>
         <p:spPr>
           <a:xfrm>
-            <a:off x="3035211" y="7519638"/>
+            <a:off x="3194865" y="7519638"/>
             <a:ext cx="974958" cy="369332"/>
           </a:xfrm>
           <a:prstGeom prst="rect">
@@ -3515,7 +3515,7 @@
           <a:p>
             <a:r>
               <a:rPr lang="es-CO" dirty="0"/>
-              <a:t>T4 = A</a:t>
+              <a:t>T5 = A</a:t>
             </a:r>
             <a:endParaRPr lang="es-CO" baseline="-25000" dirty="0"/>
           </a:p>
@@ -3538,7 +3538,7 @@
         </p:nvCxnSpPr>
         <p:spPr>
           <a:xfrm>
-            <a:off x="77272" y="6411898"/>
+            <a:off x="236926" y="6411898"/>
             <a:ext cx="643968" cy="4952"/>
           </a:xfrm>
           <a:prstGeom prst="line">
@@ -3579,7 +3579,7 @@
         </p:nvGrpSpPr>
         <p:grpSpPr>
           <a:xfrm>
-            <a:off x="3047854" y="3918651"/>
+            <a:off x="3207508" y="3918651"/>
             <a:ext cx="1898629" cy="2525488"/>
             <a:chOff x="1843158" y="2960914"/>
             <a:chExt cx="2395013" cy="2525488"/>
@@ -3758,12 +3758,231 @@
           </p:style>
         </p:cxnSp>
       </p:grpSp>
+      <p:sp>
+        <p:nvSpPr>
+          <p:cNvPr id="18" name="Rectángulo 17">
+            <a:extLst>
+              <a:ext uri="{FF2B5EF4-FFF2-40B4-BE49-F238E27FC236}">
+                <a16:creationId xmlns:a16="http://schemas.microsoft.com/office/drawing/2014/main" id="{16FE6538-C1BE-B740-8CB4-014C45EDCCE1}"/>
+              </a:ext>
+            </a:extLst>
+          </p:cNvPr>
+          <p:cNvSpPr/>
+          <p:nvPr/>
+        </p:nvSpPr>
+        <p:spPr>
+          <a:xfrm>
+            <a:off x="5087889" y="3792331"/>
+            <a:ext cx="251999" cy="251999"/>
+          </a:xfrm>
+          <a:prstGeom prst="rect">
+            <a:avLst/>
+          </a:prstGeom>
+          <a:solidFill>
+            <a:schemeClr val="bg1"/>
+          </a:solidFill>
+          <a:ln w="22225">
+            <a:solidFill>
+              <a:schemeClr val="tx1"/>
+            </a:solidFill>
+          </a:ln>
+        </p:spPr>
+        <p:style>
+          <a:lnRef idx="2">
+            <a:schemeClr val="accent1">
+              <a:shade val="50000"/>
+            </a:schemeClr>
+          </a:lnRef>
+          <a:fillRef idx="1">
+            <a:schemeClr val="accent1"/>
+          </a:fillRef>
+          <a:effectRef idx="0">
+            <a:schemeClr val="accent1"/>
+          </a:effectRef>
+          <a:fontRef idx="minor">
+            <a:schemeClr val="lt1"/>
+          </a:fontRef>
+        </p:style>
+        <p:txBody>
+          <a:bodyPr rtlCol="0" anchor="ctr"/>
+          <a:lstStyle/>
+          <a:p>
+            <a:pPr algn="ctr"/>
+            <a:endParaRPr lang="es-CO"/>
+          </a:p>
+        </p:txBody>
+      </p:sp>
+      <p:sp>
+        <p:nvSpPr>
+          <p:cNvPr id="43" name="CuadroTexto 42">
+            <a:extLst>
+              <a:ext uri="{FF2B5EF4-FFF2-40B4-BE49-F238E27FC236}">
+                <a16:creationId xmlns:a16="http://schemas.microsoft.com/office/drawing/2014/main" id="{7F1E6D14-79B5-2642-9AF4-658549125A80}"/>
+              </a:ext>
+            </a:extLst>
+          </p:cNvPr>
+          <p:cNvSpPr txBox="1"/>
+          <p:nvPr/>
+        </p:nvSpPr>
+        <p:spPr>
+          <a:xfrm>
+            <a:off x="5681468" y="2031030"/>
+            <a:ext cx="976549" cy="369332"/>
+          </a:xfrm>
+          <a:prstGeom prst="rect">
+            <a:avLst/>
+          </a:prstGeom>
+          <a:noFill/>
+        </p:spPr>
+        <p:txBody>
+          <a:bodyPr wrap="none" rtlCol="0">
+            <a:spAutoFit/>
+          </a:bodyPr>
+          <a:lstStyle/>
+          <a:p>
+            <a:r>
+              <a:rPr lang="es-CO" dirty="0"/>
+              <a:t>C</a:t>
+            </a:r>
+            <a:r>
+              <a:rPr lang="es-CO" baseline="-25000" dirty="0"/>
+              <a:t>1</a:t>
+            </a:r>
+            <a:r>
+              <a:rPr lang="es-CO" dirty="0"/>
+              <a:t>= -120</a:t>
+            </a:r>
+          </a:p>
+        </p:txBody>
+      </p:sp>
+      <p:sp>
+        <p:nvSpPr>
+          <p:cNvPr id="44" name="CuadroTexto 43">
+            <a:extLst>
+              <a:ext uri="{FF2B5EF4-FFF2-40B4-BE49-F238E27FC236}">
+                <a16:creationId xmlns:a16="http://schemas.microsoft.com/office/drawing/2014/main" id="{654A20FE-A7EF-2F40-BE0F-5A94737D6829}"/>
+              </a:ext>
+            </a:extLst>
+          </p:cNvPr>
+          <p:cNvSpPr txBox="1"/>
+          <p:nvPr/>
+        </p:nvSpPr>
+        <p:spPr>
+          <a:xfrm>
+            <a:off x="5739978" y="3348394"/>
+            <a:ext cx="859531" cy="369332"/>
+          </a:xfrm>
+          <a:prstGeom prst="rect">
+            <a:avLst/>
+          </a:prstGeom>
+          <a:noFill/>
+        </p:spPr>
+        <p:txBody>
+          <a:bodyPr wrap="none" rtlCol="0">
+            <a:spAutoFit/>
+          </a:bodyPr>
+          <a:lstStyle/>
+          <a:p>
+            <a:r>
+              <a:rPr lang="es-CO" dirty="0"/>
+              <a:t>C</a:t>
+            </a:r>
+            <a:r>
+              <a:rPr lang="es-CO" baseline="-25000" dirty="0"/>
+              <a:t>2</a:t>
+            </a:r>
+            <a:r>
+              <a:rPr lang="es-CO" dirty="0"/>
+              <a:t>= -50</a:t>
+            </a:r>
+          </a:p>
+        </p:txBody>
+      </p:sp>
+      <p:sp>
+        <p:nvSpPr>
+          <p:cNvPr id="45" name="CuadroTexto 44">
+            <a:extLst>
+              <a:ext uri="{FF2B5EF4-FFF2-40B4-BE49-F238E27FC236}">
+                <a16:creationId xmlns:a16="http://schemas.microsoft.com/office/drawing/2014/main" id="{7D17E999-095B-DF42-8C8D-3CAEB2B65FAD}"/>
+              </a:ext>
+            </a:extLst>
+          </p:cNvPr>
+          <p:cNvSpPr txBox="1"/>
+          <p:nvPr/>
+        </p:nvSpPr>
+        <p:spPr>
+          <a:xfrm>
+            <a:off x="5748511" y="5065222"/>
+            <a:ext cx="859531" cy="369332"/>
+          </a:xfrm>
+          <a:prstGeom prst="rect">
+            <a:avLst/>
+          </a:prstGeom>
+          <a:noFill/>
+        </p:spPr>
+        <p:txBody>
+          <a:bodyPr wrap="none" rtlCol="0">
+            <a:spAutoFit/>
+          </a:bodyPr>
+          <a:lstStyle/>
+          <a:p>
+            <a:r>
+              <a:rPr lang="es-CO" dirty="0"/>
+              <a:t>C</a:t>
+            </a:r>
+            <a:r>
+              <a:rPr lang="es-CO" baseline="-25000" dirty="0"/>
+              <a:t>3</a:t>
+            </a:r>
+            <a:r>
+              <a:rPr lang="es-CO" dirty="0"/>
+              <a:t>= -80</a:t>
+            </a:r>
+          </a:p>
+        </p:txBody>
+      </p:sp>
+      <p:sp>
+        <p:nvSpPr>
+          <p:cNvPr id="50" name="CuadroTexto 49">
+            <a:extLst>
+              <a:ext uri="{FF2B5EF4-FFF2-40B4-BE49-F238E27FC236}">
+                <a16:creationId xmlns:a16="http://schemas.microsoft.com/office/drawing/2014/main" id="{FE11F11D-CB96-EA44-BDD6-AD5ABDD54E2C}"/>
+              </a:ext>
+            </a:extLst>
+          </p:cNvPr>
+          <p:cNvSpPr txBox="1"/>
+          <p:nvPr/>
+        </p:nvSpPr>
+        <p:spPr>
+          <a:xfrm>
+            <a:off x="7702326" y="2226982"/>
+            <a:ext cx="1247457" cy="369332"/>
+          </a:xfrm>
+          <a:prstGeom prst="rect">
+            <a:avLst/>
+          </a:prstGeom>
+          <a:noFill/>
+        </p:spPr>
+        <p:txBody>
+          <a:bodyPr wrap="none" rtlCol="0">
+            <a:spAutoFit/>
+          </a:bodyPr>
+          <a:lstStyle/>
+          <a:p>
+            <a:r>
+              <a:rPr lang="es-CO" dirty="0"/>
+              <a:t>T1 = A+B+C</a:t>
+            </a:r>
+            <a:endParaRPr lang="es-CO" baseline="-25000" dirty="0"/>
+          </a:p>
+        </p:txBody>
+      </p:sp>
       <p:grpSp>
         <p:nvGrpSpPr>
-          <p:cNvPr id="4" name="Grupo 3">
+          <p:cNvPr id="104" name="Grupo 103">
             <a:extLst>
               <a:ext uri="{FF2B5EF4-FFF2-40B4-BE49-F238E27FC236}">
-                <a16:creationId xmlns:a16="http://schemas.microsoft.com/office/drawing/2014/main" id="{A51FE307-753B-914C-85C5-D877780D8938}"/>
+                <a16:creationId xmlns:a16="http://schemas.microsoft.com/office/drawing/2014/main" id="{95E48ACA-08B0-C54D-B5F8-F328E4673ABA}"/>
               </a:ext>
             </a:extLst>
           </p:cNvPr>
@@ -3772,237 +3991,18 @@
         </p:nvGrpSpPr>
         <p:grpSpPr>
           <a:xfrm>
-            <a:off x="4928235" y="2031030"/>
-            <a:ext cx="4842486" cy="4021885"/>
-            <a:chOff x="5658935" y="2024891"/>
-            <a:chExt cx="4842486" cy="4021885"/>
+            <a:off x="7382496" y="2852623"/>
+            <a:ext cx="2547879" cy="3200292"/>
+            <a:chOff x="9263067" y="2657777"/>
+            <a:chExt cx="2547879" cy="3200292"/>
           </a:xfrm>
         </p:grpSpPr>
-        <p:sp>
-          <p:nvSpPr>
-            <p:cNvPr id="18" name="Rectángulo 17">
+        <p:grpSp>
+          <p:nvGrpSpPr>
+            <p:cNvPr id="82" name="Grupo 81">
               <a:extLst>
                 <a:ext uri="{FF2B5EF4-FFF2-40B4-BE49-F238E27FC236}">
-                  <a16:creationId xmlns:a16="http://schemas.microsoft.com/office/drawing/2014/main" id="{16FE6538-C1BE-B740-8CB4-014C45EDCCE1}"/>
-                </a:ext>
-              </a:extLst>
-            </p:cNvPr>
-            <p:cNvSpPr/>
-            <p:nvPr/>
-          </p:nvSpPr>
-          <p:spPr>
-            <a:xfrm>
-              <a:off x="5658935" y="3786192"/>
-              <a:ext cx="251999" cy="251999"/>
-            </a:xfrm>
-            <a:prstGeom prst="rect">
-              <a:avLst/>
-            </a:prstGeom>
-            <a:solidFill>
-              <a:schemeClr val="bg1"/>
-            </a:solidFill>
-            <a:ln w="22225">
-              <a:solidFill>
-                <a:schemeClr val="tx1"/>
-              </a:solidFill>
-            </a:ln>
-          </p:spPr>
-          <p:style>
-            <a:lnRef idx="2">
-              <a:schemeClr val="accent1">
-                <a:shade val="50000"/>
-              </a:schemeClr>
-            </a:lnRef>
-            <a:fillRef idx="1">
-              <a:schemeClr val="accent1"/>
-            </a:fillRef>
-            <a:effectRef idx="0">
-              <a:schemeClr val="accent1"/>
-            </a:effectRef>
-            <a:fontRef idx="minor">
-              <a:schemeClr val="lt1"/>
-            </a:fontRef>
-          </p:style>
-          <p:txBody>
-            <a:bodyPr rtlCol="0" anchor="ctr"/>
-            <a:lstStyle/>
-            <a:p>
-              <a:pPr algn="ctr"/>
-              <a:endParaRPr lang="es-CO"/>
-            </a:p>
-          </p:txBody>
-        </p:sp>
-        <p:sp>
-          <p:nvSpPr>
-            <p:cNvPr id="43" name="CuadroTexto 42">
-              <a:extLst>
-                <a:ext uri="{FF2B5EF4-FFF2-40B4-BE49-F238E27FC236}">
-                  <a16:creationId xmlns:a16="http://schemas.microsoft.com/office/drawing/2014/main" id="{7F1E6D14-79B5-2642-9AF4-658549125A80}"/>
-                </a:ext>
-              </a:extLst>
-            </p:cNvPr>
-            <p:cNvSpPr txBox="1"/>
-            <p:nvPr/>
-          </p:nvSpPr>
-          <p:spPr>
-            <a:xfrm>
-              <a:off x="6252514" y="2024891"/>
-              <a:ext cx="976549" cy="369332"/>
-            </a:xfrm>
-            <a:prstGeom prst="rect">
-              <a:avLst/>
-            </a:prstGeom>
-            <a:noFill/>
-          </p:spPr>
-          <p:txBody>
-            <a:bodyPr wrap="none" rtlCol="0">
-              <a:spAutoFit/>
-            </a:bodyPr>
-            <a:lstStyle/>
-            <a:p>
-              <a:r>
-                <a:rPr lang="es-CO" dirty="0"/>
-                <a:t>C</a:t>
-              </a:r>
-              <a:r>
-                <a:rPr lang="es-CO" baseline="-25000" dirty="0"/>
-                <a:t>1</a:t>
-              </a:r>
-              <a:r>
-                <a:rPr lang="es-CO" dirty="0"/>
-                <a:t>= -120</a:t>
-              </a:r>
-            </a:p>
-          </p:txBody>
-        </p:sp>
-        <p:sp>
-          <p:nvSpPr>
-            <p:cNvPr id="44" name="CuadroTexto 43">
-              <a:extLst>
-                <a:ext uri="{FF2B5EF4-FFF2-40B4-BE49-F238E27FC236}">
-                  <a16:creationId xmlns:a16="http://schemas.microsoft.com/office/drawing/2014/main" id="{654A20FE-A7EF-2F40-BE0F-5A94737D6829}"/>
-                </a:ext>
-              </a:extLst>
-            </p:cNvPr>
-            <p:cNvSpPr txBox="1"/>
-            <p:nvPr/>
-          </p:nvSpPr>
-          <p:spPr>
-            <a:xfrm>
-              <a:off x="6311024" y="3342255"/>
-              <a:ext cx="859531" cy="369332"/>
-            </a:xfrm>
-            <a:prstGeom prst="rect">
-              <a:avLst/>
-            </a:prstGeom>
-            <a:noFill/>
-          </p:spPr>
-          <p:txBody>
-            <a:bodyPr wrap="none" rtlCol="0">
-              <a:spAutoFit/>
-            </a:bodyPr>
-            <a:lstStyle/>
-            <a:p>
-              <a:r>
-                <a:rPr lang="es-CO" dirty="0"/>
-                <a:t>C</a:t>
-              </a:r>
-              <a:r>
-                <a:rPr lang="es-CO" baseline="-25000" dirty="0"/>
-                <a:t>2</a:t>
-              </a:r>
-              <a:r>
-                <a:rPr lang="es-CO" dirty="0"/>
-                <a:t>= -50</a:t>
-              </a:r>
-            </a:p>
-          </p:txBody>
-        </p:sp>
-        <p:sp>
-          <p:nvSpPr>
-            <p:cNvPr id="45" name="CuadroTexto 44">
-              <a:extLst>
-                <a:ext uri="{FF2B5EF4-FFF2-40B4-BE49-F238E27FC236}">
-                  <a16:creationId xmlns:a16="http://schemas.microsoft.com/office/drawing/2014/main" id="{7D17E999-095B-DF42-8C8D-3CAEB2B65FAD}"/>
-                </a:ext>
-              </a:extLst>
-            </p:cNvPr>
-            <p:cNvSpPr txBox="1"/>
-            <p:nvPr/>
-          </p:nvSpPr>
-          <p:spPr>
-            <a:xfrm>
-              <a:off x="6319557" y="5059083"/>
-              <a:ext cx="859531" cy="369332"/>
-            </a:xfrm>
-            <a:prstGeom prst="rect">
-              <a:avLst/>
-            </a:prstGeom>
-            <a:noFill/>
-          </p:spPr>
-          <p:txBody>
-            <a:bodyPr wrap="none" rtlCol="0">
-              <a:spAutoFit/>
-            </a:bodyPr>
-            <a:lstStyle/>
-            <a:p>
-              <a:r>
-                <a:rPr lang="es-CO" dirty="0"/>
-                <a:t>C</a:t>
-              </a:r>
-              <a:r>
-                <a:rPr lang="es-CO" baseline="-25000" dirty="0"/>
-                <a:t>3</a:t>
-              </a:r>
-              <a:r>
-                <a:rPr lang="es-CO" dirty="0"/>
-                <a:t>= -80</a:t>
-              </a:r>
-            </a:p>
-          </p:txBody>
-        </p:sp>
-        <p:sp>
-          <p:nvSpPr>
-            <p:cNvPr id="50" name="CuadroTexto 49">
-              <a:extLst>
-                <a:ext uri="{FF2B5EF4-FFF2-40B4-BE49-F238E27FC236}">
-                  <a16:creationId xmlns:a16="http://schemas.microsoft.com/office/drawing/2014/main" id="{FE11F11D-CB96-EA44-BDD6-AD5ABDD54E2C}"/>
-                </a:ext>
-              </a:extLst>
-            </p:cNvPr>
-            <p:cNvSpPr txBox="1"/>
-            <p:nvPr/>
-          </p:nvSpPr>
-          <p:spPr>
-            <a:xfrm>
-              <a:off x="8273372" y="2220843"/>
-              <a:ext cx="1247457" cy="369332"/>
-            </a:xfrm>
-            <a:prstGeom prst="rect">
-              <a:avLst/>
-            </a:prstGeom>
-            <a:noFill/>
-          </p:spPr>
-          <p:txBody>
-            <a:bodyPr wrap="none" rtlCol="0">
-              <a:spAutoFit/>
-            </a:bodyPr>
-            <a:lstStyle/>
-            <a:p>
-              <a:r>
-                <a:rPr lang="es-CO" dirty="0"/>
-                <a:t>T1 = A+B+C</a:t>
-              </a:r>
-              <a:endParaRPr lang="es-CO" baseline="-25000" dirty="0"/>
-            </a:p>
-          </p:txBody>
-        </p:sp>
-        <p:grpSp>
-          <p:nvGrpSpPr>
-            <p:cNvPr id="104" name="Grupo 103">
-              <a:extLst>
-                <a:ext uri="{FF2B5EF4-FFF2-40B4-BE49-F238E27FC236}">
-                  <a16:creationId xmlns:a16="http://schemas.microsoft.com/office/drawing/2014/main" id="{95E48ACA-08B0-C54D-B5F8-F328E4673ABA}"/>
+                  <a16:creationId xmlns:a16="http://schemas.microsoft.com/office/drawing/2014/main" id="{E3F8B92A-9DA2-514F-8C22-C0ED40DA6004}"/>
                 </a:ext>
               </a:extLst>
             </p:cNvPr>
@@ -4011,921 +4011,18 @@
           </p:nvGrpSpPr>
           <p:grpSpPr>
             <a:xfrm>
-              <a:off x="7953542" y="2846484"/>
-              <a:ext cx="2547879" cy="3200292"/>
-              <a:chOff x="9263067" y="2657777"/>
-              <a:chExt cx="2547879" cy="3200292"/>
-            </a:xfrm>
-          </p:grpSpPr>
-          <p:grpSp>
-            <p:nvGrpSpPr>
-              <p:cNvPr id="82" name="Grupo 81">
-                <a:extLst>
-                  <a:ext uri="{FF2B5EF4-FFF2-40B4-BE49-F238E27FC236}">
-                    <a16:creationId xmlns:a16="http://schemas.microsoft.com/office/drawing/2014/main" id="{E3F8B92A-9DA2-514F-8C22-C0ED40DA6004}"/>
-                  </a:ext>
-                </a:extLst>
-              </p:cNvPr>
-              <p:cNvGrpSpPr/>
-              <p:nvPr/>
-            </p:nvGrpSpPr>
-            <p:grpSpPr>
-              <a:xfrm>
-                <a:off x="9519808" y="4743985"/>
-                <a:ext cx="2032131" cy="980202"/>
-                <a:chOff x="1843158" y="2960914"/>
-                <a:chExt cx="2395013" cy="2525488"/>
-              </a:xfrm>
-            </p:grpSpPr>
-            <p:cxnSp>
-              <p:nvCxnSpPr>
-                <p:cNvPr id="83" name="Conector recto 82">
-                  <a:extLst>
-                    <a:ext uri="{FF2B5EF4-FFF2-40B4-BE49-F238E27FC236}">
-                      <a16:creationId xmlns:a16="http://schemas.microsoft.com/office/drawing/2014/main" id="{10321713-407E-3E44-8429-B8CA634ACB5D}"/>
-                    </a:ext>
-                  </a:extLst>
-                </p:cNvPr>
-                <p:cNvCxnSpPr>
-                  <a:cxnSpLocks/>
-                </p:cNvCxnSpPr>
-                <p:nvPr/>
-              </p:nvCxnSpPr>
-              <p:spPr>
-                <a:xfrm flipV="1">
-                  <a:off x="1843158" y="2960914"/>
-                  <a:ext cx="436492" cy="1233658"/>
-                </a:xfrm>
-                <a:prstGeom prst="line">
-                  <a:avLst/>
-                </a:prstGeom>
-                <a:ln w="22225">
-                  <a:solidFill>
-                    <a:schemeClr val="tx1"/>
-                  </a:solidFill>
-                </a:ln>
-              </p:spPr>
-              <p:style>
-                <a:lnRef idx="1">
-                  <a:schemeClr val="accent1"/>
-                </a:lnRef>
-                <a:fillRef idx="0">
-                  <a:schemeClr val="accent1"/>
-                </a:fillRef>
-                <a:effectRef idx="0">
-                  <a:schemeClr val="accent1"/>
-                </a:effectRef>
-                <a:fontRef idx="minor">
-                  <a:schemeClr val="tx1"/>
-                </a:fontRef>
-              </p:style>
-            </p:cxnSp>
-            <p:cxnSp>
-              <p:nvCxnSpPr>
-                <p:cNvPr id="84" name="Conector recto 83">
-                  <a:extLst>
-                    <a:ext uri="{FF2B5EF4-FFF2-40B4-BE49-F238E27FC236}">
-                      <a16:creationId xmlns:a16="http://schemas.microsoft.com/office/drawing/2014/main" id="{7B3BB77A-2D06-C642-A58B-E578FA9CD153}"/>
-                    </a:ext>
-                  </a:extLst>
-                </p:cNvPr>
-                <p:cNvCxnSpPr>
-                  <a:cxnSpLocks/>
-                </p:cNvCxnSpPr>
-                <p:nvPr/>
-              </p:nvCxnSpPr>
-              <p:spPr>
-                <a:xfrm>
-                  <a:off x="1843158" y="4194569"/>
-                  <a:ext cx="459187" cy="1291832"/>
-                </a:xfrm>
-                <a:prstGeom prst="line">
-                  <a:avLst/>
-                </a:prstGeom>
-                <a:ln w="22225">
-                  <a:solidFill>
-                    <a:schemeClr val="tx1"/>
-                  </a:solidFill>
-                </a:ln>
-              </p:spPr>
-              <p:style>
-                <a:lnRef idx="1">
-                  <a:schemeClr val="accent1"/>
-                </a:lnRef>
-                <a:fillRef idx="0">
-                  <a:schemeClr val="accent1"/>
-                </a:fillRef>
-                <a:effectRef idx="0">
-                  <a:schemeClr val="accent1"/>
-                </a:effectRef>
-                <a:fontRef idx="minor">
-                  <a:schemeClr val="tx1"/>
-                </a:fontRef>
-              </p:style>
-            </p:cxnSp>
-            <p:cxnSp>
-              <p:nvCxnSpPr>
-                <p:cNvPr id="85" name="Conector recto 84">
-                  <a:extLst>
-                    <a:ext uri="{FF2B5EF4-FFF2-40B4-BE49-F238E27FC236}">
-                      <a16:creationId xmlns:a16="http://schemas.microsoft.com/office/drawing/2014/main" id="{B8CFF97F-0725-5D4D-959E-6AF2B41B9569}"/>
-                    </a:ext>
-                  </a:extLst>
-                </p:cNvPr>
-                <p:cNvCxnSpPr>
-                  <a:cxnSpLocks/>
-                </p:cNvCxnSpPr>
-                <p:nvPr/>
-              </p:nvCxnSpPr>
-              <p:spPr>
-                <a:xfrm flipV="1">
-                  <a:off x="2287910" y="2960915"/>
-                  <a:ext cx="1950261" cy="1"/>
-                </a:xfrm>
-                <a:prstGeom prst="line">
-                  <a:avLst/>
-                </a:prstGeom>
-                <a:ln w="22225">
-                  <a:solidFill>
-                    <a:schemeClr val="tx1"/>
-                  </a:solidFill>
-                </a:ln>
-              </p:spPr>
-              <p:style>
-                <a:lnRef idx="1">
-                  <a:schemeClr val="accent1"/>
-                </a:lnRef>
-                <a:fillRef idx="0">
-                  <a:schemeClr val="accent1"/>
-                </a:fillRef>
-                <a:effectRef idx="0">
-                  <a:schemeClr val="accent1"/>
-                </a:effectRef>
-                <a:fontRef idx="minor">
-                  <a:schemeClr val="tx1"/>
-                </a:fontRef>
-              </p:style>
-            </p:cxnSp>
-            <p:cxnSp>
-              <p:nvCxnSpPr>
-                <p:cNvPr id="86" name="Conector recto 85">
-                  <a:extLst>
-                    <a:ext uri="{FF2B5EF4-FFF2-40B4-BE49-F238E27FC236}">
-                      <a16:creationId xmlns:a16="http://schemas.microsoft.com/office/drawing/2014/main" id="{9EF4C595-0BC0-A94D-86D3-8B38DFC4A94D}"/>
-                    </a:ext>
-                  </a:extLst>
-                </p:cNvPr>
-                <p:cNvCxnSpPr>
-                  <a:cxnSpLocks/>
-                </p:cNvCxnSpPr>
-                <p:nvPr/>
-              </p:nvCxnSpPr>
-              <p:spPr>
-                <a:xfrm flipV="1">
-                  <a:off x="2287910" y="5486401"/>
-                  <a:ext cx="1950261" cy="1"/>
-                </a:xfrm>
-                <a:prstGeom prst="line">
-                  <a:avLst/>
-                </a:prstGeom>
-                <a:ln w="22225">
-                  <a:solidFill>
-                    <a:schemeClr val="tx1"/>
-                  </a:solidFill>
-                </a:ln>
-              </p:spPr>
-              <p:style>
-                <a:lnRef idx="1">
-                  <a:schemeClr val="accent1"/>
-                </a:lnRef>
-                <a:fillRef idx="0">
-                  <a:schemeClr val="accent1"/>
-                </a:fillRef>
-                <a:effectRef idx="0">
-                  <a:schemeClr val="accent1"/>
-                </a:effectRef>
-                <a:fontRef idx="minor">
-                  <a:schemeClr val="tx1"/>
-                </a:fontRef>
-              </p:style>
-            </p:cxnSp>
-          </p:grpSp>
-          <p:sp>
-            <p:nvSpPr>
-              <p:cNvPr id="87" name="CuadroTexto 86">
-                <a:extLst>
-                  <a:ext uri="{FF2B5EF4-FFF2-40B4-BE49-F238E27FC236}">
-                    <a16:creationId xmlns:a16="http://schemas.microsoft.com/office/drawing/2014/main" id="{7189CC31-41EF-174D-A368-01B396D3A0E6}"/>
-                  </a:ext>
-                </a:extLst>
-              </p:cNvPr>
-              <p:cNvSpPr txBox="1"/>
-              <p:nvPr/>
-            </p:nvSpPr>
-            <p:spPr>
-              <a:xfrm>
-                <a:off x="9926653" y="4349890"/>
-                <a:ext cx="1112805" cy="369332"/>
-              </a:xfrm>
-              <a:prstGeom prst="rect">
-                <a:avLst/>
-              </a:prstGeom>
-              <a:noFill/>
-            </p:spPr>
-            <p:txBody>
-              <a:bodyPr wrap="none" rtlCol="0">
-                <a:spAutoFit/>
-              </a:bodyPr>
-              <a:lstStyle/>
-              <a:p>
-                <a:r>
-                  <a:rPr lang="es-CO" dirty="0"/>
-                  <a:t>E</a:t>
-                </a:r>
-                <a:r>
-                  <a:rPr lang="es-CO" baseline="-25000" dirty="0"/>
-                  <a:t>1</a:t>
-                </a:r>
-                <a:r>
-                  <a:rPr lang="es-CO" dirty="0"/>
-                  <a:t>, 0, 70%</a:t>
-                </a:r>
-              </a:p>
-            </p:txBody>
-          </p:sp>
-          <p:sp>
-            <p:nvSpPr>
-              <p:cNvPr id="88" name="CuadroTexto 87">
-                <a:extLst>
-                  <a:ext uri="{FF2B5EF4-FFF2-40B4-BE49-F238E27FC236}">
-                    <a16:creationId xmlns:a16="http://schemas.microsoft.com/office/drawing/2014/main" id="{DF38A20D-DA46-5F46-907A-AD96FFC6A8F0}"/>
-                  </a:ext>
-                </a:extLst>
-              </p:cNvPr>
-              <p:cNvSpPr txBox="1"/>
-              <p:nvPr/>
-            </p:nvSpPr>
-            <p:spPr>
-              <a:xfrm>
-                <a:off x="9903895" y="5340882"/>
-                <a:ext cx="1417376" cy="369332"/>
-              </a:xfrm>
-              <a:prstGeom prst="rect">
-                <a:avLst/>
-              </a:prstGeom>
-              <a:noFill/>
-            </p:spPr>
-            <p:txBody>
-              <a:bodyPr wrap="none" rtlCol="0">
-                <a:spAutoFit/>
-              </a:bodyPr>
-              <a:lstStyle/>
-              <a:p>
-                <a:r>
-                  <a:rPr lang="es-CO" dirty="0"/>
-                  <a:t>E</a:t>
-                </a:r>
-                <a:r>
-                  <a:rPr lang="es-CO" baseline="-25000" dirty="0"/>
-                  <a:t>2</a:t>
-                </a:r>
-                <a:r>
-                  <a:rPr lang="es-CO" dirty="0"/>
-                  <a:t>, -120, 30%</a:t>
-                </a:r>
-              </a:p>
-            </p:txBody>
-          </p:sp>
-          <p:grpSp>
-            <p:nvGrpSpPr>
-              <p:cNvPr id="89" name="Grupo 88">
-                <a:extLst>
-                  <a:ext uri="{FF2B5EF4-FFF2-40B4-BE49-F238E27FC236}">
-                    <a16:creationId xmlns:a16="http://schemas.microsoft.com/office/drawing/2014/main" id="{CB2D8374-4F4E-8645-A184-BC45E7FD8702}"/>
-                  </a:ext>
-                </a:extLst>
-              </p:cNvPr>
-              <p:cNvGrpSpPr/>
-              <p:nvPr/>
-            </p:nvGrpSpPr>
-            <p:grpSpPr>
-              <a:xfrm>
-                <a:off x="9519808" y="3051872"/>
-                <a:ext cx="2032131" cy="980202"/>
-                <a:chOff x="1843158" y="2960914"/>
-                <a:chExt cx="2395013" cy="2525488"/>
-              </a:xfrm>
-            </p:grpSpPr>
-            <p:cxnSp>
-              <p:nvCxnSpPr>
-                <p:cNvPr id="90" name="Conector recto 89">
-                  <a:extLst>
-                    <a:ext uri="{FF2B5EF4-FFF2-40B4-BE49-F238E27FC236}">
-                      <a16:creationId xmlns:a16="http://schemas.microsoft.com/office/drawing/2014/main" id="{D26D54B4-A8F1-1D47-8A19-045422D683E0}"/>
-                    </a:ext>
-                  </a:extLst>
-                </p:cNvPr>
-                <p:cNvCxnSpPr>
-                  <a:cxnSpLocks/>
-                </p:cNvCxnSpPr>
-                <p:nvPr/>
-              </p:nvCxnSpPr>
-              <p:spPr>
-                <a:xfrm flipV="1">
-                  <a:off x="1843158" y="2960914"/>
-                  <a:ext cx="436492" cy="1233658"/>
-                </a:xfrm>
-                <a:prstGeom prst="line">
-                  <a:avLst/>
-                </a:prstGeom>
-                <a:ln w="22225">
-                  <a:solidFill>
-                    <a:schemeClr val="tx1"/>
-                  </a:solidFill>
-                </a:ln>
-              </p:spPr>
-              <p:style>
-                <a:lnRef idx="1">
-                  <a:schemeClr val="accent1"/>
-                </a:lnRef>
-                <a:fillRef idx="0">
-                  <a:schemeClr val="accent1"/>
-                </a:fillRef>
-                <a:effectRef idx="0">
-                  <a:schemeClr val="accent1"/>
-                </a:effectRef>
-                <a:fontRef idx="minor">
-                  <a:schemeClr val="tx1"/>
-                </a:fontRef>
-              </p:style>
-            </p:cxnSp>
-            <p:cxnSp>
-              <p:nvCxnSpPr>
-                <p:cNvPr id="91" name="Conector recto 90">
-                  <a:extLst>
-                    <a:ext uri="{FF2B5EF4-FFF2-40B4-BE49-F238E27FC236}">
-                      <a16:creationId xmlns:a16="http://schemas.microsoft.com/office/drawing/2014/main" id="{D269AC7F-1A94-CB43-8F4B-E67436C94DA7}"/>
-                    </a:ext>
-                  </a:extLst>
-                </p:cNvPr>
-                <p:cNvCxnSpPr>
-                  <a:cxnSpLocks/>
-                </p:cNvCxnSpPr>
-                <p:nvPr/>
-              </p:nvCxnSpPr>
-              <p:spPr>
-                <a:xfrm>
-                  <a:off x="1843158" y="4194569"/>
-                  <a:ext cx="459187" cy="1291832"/>
-                </a:xfrm>
-                <a:prstGeom prst="line">
-                  <a:avLst/>
-                </a:prstGeom>
-                <a:ln w="22225">
-                  <a:solidFill>
-                    <a:schemeClr val="tx1"/>
-                  </a:solidFill>
-                </a:ln>
-              </p:spPr>
-              <p:style>
-                <a:lnRef idx="1">
-                  <a:schemeClr val="accent1"/>
-                </a:lnRef>
-                <a:fillRef idx="0">
-                  <a:schemeClr val="accent1"/>
-                </a:fillRef>
-                <a:effectRef idx="0">
-                  <a:schemeClr val="accent1"/>
-                </a:effectRef>
-                <a:fontRef idx="minor">
-                  <a:schemeClr val="tx1"/>
-                </a:fontRef>
-              </p:style>
-            </p:cxnSp>
-            <p:cxnSp>
-              <p:nvCxnSpPr>
-                <p:cNvPr id="92" name="Conector recto 91">
-                  <a:extLst>
-                    <a:ext uri="{FF2B5EF4-FFF2-40B4-BE49-F238E27FC236}">
-                      <a16:creationId xmlns:a16="http://schemas.microsoft.com/office/drawing/2014/main" id="{5761D0ED-04A1-3C4C-B460-A05AC1F0691D}"/>
-                    </a:ext>
-                  </a:extLst>
-                </p:cNvPr>
-                <p:cNvCxnSpPr>
-                  <a:cxnSpLocks/>
-                </p:cNvCxnSpPr>
-                <p:nvPr/>
-              </p:nvCxnSpPr>
-              <p:spPr>
-                <a:xfrm flipV="1">
-                  <a:off x="2287910" y="2960915"/>
-                  <a:ext cx="1950261" cy="1"/>
-                </a:xfrm>
-                <a:prstGeom prst="line">
-                  <a:avLst/>
-                </a:prstGeom>
-                <a:ln w="22225">
-                  <a:solidFill>
-                    <a:schemeClr val="tx1"/>
-                  </a:solidFill>
-                </a:ln>
-              </p:spPr>
-              <p:style>
-                <a:lnRef idx="1">
-                  <a:schemeClr val="accent1"/>
-                </a:lnRef>
-                <a:fillRef idx="0">
-                  <a:schemeClr val="accent1"/>
-                </a:fillRef>
-                <a:effectRef idx="0">
-                  <a:schemeClr val="accent1"/>
-                </a:effectRef>
-                <a:fontRef idx="minor">
-                  <a:schemeClr val="tx1"/>
-                </a:fontRef>
-              </p:style>
-            </p:cxnSp>
-            <p:cxnSp>
-              <p:nvCxnSpPr>
-                <p:cNvPr id="93" name="Conector recto 92">
-                  <a:extLst>
-                    <a:ext uri="{FF2B5EF4-FFF2-40B4-BE49-F238E27FC236}">
-                      <a16:creationId xmlns:a16="http://schemas.microsoft.com/office/drawing/2014/main" id="{6E972C10-585B-4248-B407-CB1FA9D26701}"/>
-                    </a:ext>
-                  </a:extLst>
-                </p:cNvPr>
-                <p:cNvCxnSpPr>
-                  <a:cxnSpLocks/>
-                </p:cNvCxnSpPr>
-                <p:nvPr/>
-              </p:nvCxnSpPr>
-              <p:spPr>
-                <a:xfrm flipV="1">
-                  <a:off x="2287910" y="5486401"/>
-                  <a:ext cx="1950261" cy="1"/>
-                </a:xfrm>
-                <a:prstGeom prst="line">
-                  <a:avLst/>
-                </a:prstGeom>
-                <a:ln w="22225">
-                  <a:solidFill>
-                    <a:schemeClr val="tx1"/>
-                  </a:solidFill>
-                </a:ln>
-              </p:spPr>
-              <p:style>
-                <a:lnRef idx="1">
-                  <a:schemeClr val="accent1"/>
-                </a:lnRef>
-                <a:fillRef idx="0">
-                  <a:schemeClr val="accent1"/>
-                </a:fillRef>
-                <a:effectRef idx="0">
-                  <a:schemeClr val="accent1"/>
-                </a:effectRef>
-                <a:fontRef idx="minor">
-                  <a:schemeClr val="tx1"/>
-                </a:fontRef>
-              </p:style>
-            </p:cxnSp>
-          </p:grpSp>
-          <p:sp>
-            <p:nvSpPr>
-              <p:cNvPr id="94" name="CuadroTexto 93">
-                <a:extLst>
-                  <a:ext uri="{FF2B5EF4-FFF2-40B4-BE49-F238E27FC236}">
-                    <a16:creationId xmlns:a16="http://schemas.microsoft.com/office/drawing/2014/main" id="{48367319-17E4-4941-AAF3-4B4ABC4F439D}"/>
-                  </a:ext>
-                </a:extLst>
-              </p:cNvPr>
-              <p:cNvSpPr txBox="1"/>
-              <p:nvPr/>
-            </p:nvSpPr>
-            <p:spPr>
-              <a:xfrm>
-                <a:off x="9926653" y="2657777"/>
-                <a:ext cx="1143262" cy="369332"/>
-              </a:xfrm>
-              <a:prstGeom prst="rect">
-                <a:avLst/>
-              </a:prstGeom>
-              <a:noFill/>
-            </p:spPr>
-            <p:txBody>
-              <a:bodyPr wrap="none" rtlCol="0">
-                <a:spAutoFit/>
-              </a:bodyPr>
-              <a:lstStyle/>
-              <a:p>
-                <a:r>
-                  <a:rPr lang="es-CO" dirty="0"/>
-                  <a:t>D</a:t>
-                </a:r>
-                <a:r>
-                  <a:rPr lang="es-CO" baseline="-25000" dirty="0"/>
-                  <a:t>1</a:t>
-                </a:r>
-                <a:r>
-                  <a:rPr lang="es-CO" dirty="0"/>
-                  <a:t>, 0, 50%</a:t>
-                </a:r>
-              </a:p>
-            </p:txBody>
-          </p:sp>
-          <p:sp>
-            <p:nvSpPr>
-              <p:cNvPr id="95" name="CuadroTexto 94">
-                <a:extLst>
-                  <a:ext uri="{FF2B5EF4-FFF2-40B4-BE49-F238E27FC236}">
-                    <a16:creationId xmlns:a16="http://schemas.microsoft.com/office/drawing/2014/main" id="{073267B1-F13B-2947-85FE-7BE7C3CDC4A5}"/>
-                  </a:ext>
-                </a:extLst>
-              </p:cNvPr>
-              <p:cNvSpPr txBox="1"/>
-              <p:nvPr/>
-            </p:nvSpPr>
-            <p:spPr>
-              <a:xfrm>
-                <a:off x="9903895" y="3648769"/>
-                <a:ext cx="1447832" cy="369332"/>
-              </a:xfrm>
-              <a:prstGeom prst="rect">
-                <a:avLst/>
-              </a:prstGeom>
-              <a:noFill/>
-            </p:spPr>
-            <p:txBody>
-              <a:bodyPr wrap="none" rtlCol="0">
-                <a:spAutoFit/>
-              </a:bodyPr>
-              <a:lstStyle/>
-              <a:p>
-                <a:r>
-                  <a:rPr lang="es-CO" dirty="0"/>
-                  <a:t>D</a:t>
-                </a:r>
-                <a:r>
-                  <a:rPr lang="es-CO" baseline="-25000" dirty="0"/>
-                  <a:t>2</a:t>
-                </a:r>
-                <a:r>
-                  <a:rPr lang="es-CO" dirty="0"/>
-                  <a:t>, -120, 50%</a:t>
-                </a:r>
-              </a:p>
-            </p:txBody>
-          </p:sp>
-          <p:sp>
-            <p:nvSpPr>
-              <p:cNvPr id="96" name="Triángulo 95">
-                <a:extLst>
-                  <a:ext uri="{FF2B5EF4-FFF2-40B4-BE49-F238E27FC236}">
-                    <a16:creationId xmlns:a16="http://schemas.microsoft.com/office/drawing/2014/main" id="{3C702F10-84E6-BA4B-8F27-2597A8F3FC23}"/>
-                  </a:ext>
-                </a:extLst>
-              </p:cNvPr>
-              <p:cNvSpPr/>
-              <p:nvPr/>
-            </p:nvSpPr>
-            <p:spPr>
-              <a:xfrm rot="16200000">
-                <a:off x="11543406" y="5606070"/>
-                <a:ext cx="251999" cy="251999"/>
-              </a:xfrm>
-              <a:prstGeom prst="triangle">
-                <a:avLst/>
-              </a:prstGeom>
-              <a:solidFill>
-                <a:schemeClr val="bg1"/>
-              </a:solidFill>
-              <a:ln w="22225">
-                <a:solidFill>
-                  <a:schemeClr val="tx1"/>
-                </a:solidFill>
-              </a:ln>
-            </p:spPr>
-            <p:style>
-              <a:lnRef idx="2">
-                <a:schemeClr val="accent1">
-                  <a:shade val="50000"/>
-                </a:schemeClr>
-              </a:lnRef>
-              <a:fillRef idx="1">
-                <a:schemeClr val="accent1"/>
-              </a:fillRef>
-              <a:effectRef idx="0">
-                <a:schemeClr val="accent1"/>
-              </a:effectRef>
-              <a:fontRef idx="minor">
-                <a:schemeClr val="lt1"/>
-              </a:fontRef>
-            </p:style>
-            <p:txBody>
-              <a:bodyPr rtlCol="0" anchor="ctr"/>
-              <a:lstStyle/>
-              <a:p>
-                <a:pPr algn="ctr"/>
-                <a:endParaRPr lang="es-CO"/>
-              </a:p>
-            </p:txBody>
-          </p:sp>
-          <p:sp>
-            <p:nvSpPr>
-              <p:cNvPr id="97" name="Triángulo 96">
-                <a:extLst>
-                  <a:ext uri="{FF2B5EF4-FFF2-40B4-BE49-F238E27FC236}">
-                    <a16:creationId xmlns:a16="http://schemas.microsoft.com/office/drawing/2014/main" id="{E4728590-03CB-8D40-8630-5EF3E918C1E4}"/>
-                  </a:ext>
-                </a:extLst>
-              </p:cNvPr>
-              <p:cNvSpPr/>
-              <p:nvPr/>
-            </p:nvSpPr>
-            <p:spPr>
-              <a:xfrm rot="16200000">
-                <a:off x="11543406" y="4617985"/>
-                <a:ext cx="251999" cy="251999"/>
-              </a:xfrm>
-              <a:prstGeom prst="triangle">
-                <a:avLst/>
-              </a:prstGeom>
-              <a:solidFill>
-                <a:schemeClr val="bg1"/>
-              </a:solidFill>
-              <a:ln w="22225">
-                <a:solidFill>
-                  <a:schemeClr val="tx1"/>
-                </a:solidFill>
-              </a:ln>
-            </p:spPr>
-            <p:style>
-              <a:lnRef idx="2">
-                <a:schemeClr val="accent1">
-                  <a:shade val="50000"/>
-                </a:schemeClr>
-              </a:lnRef>
-              <a:fillRef idx="1">
-                <a:schemeClr val="accent1"/>
-              </a:fillRef>
-              <a:effectRef idx="0">
-                <a:schemeClr val="accent1"/>
-              </a:effectRef>
-              <a:fontRef idx="minor">
-                <a:schemeClr val="lt1"/>
-              </a:fontRef>
-            </p:style>
-            <p:txBody>
-              <a:bodyPr rtlCol="0" anchor="ctr"/>
-              <a:lstStyle/>
-              <a:p>
-                <a:pPr algn="ctr"/>
-                <a:endParaRPr lang="es-CO"/>
-              </a:p>
-            </p:txBody>
-          </p:sp>
-          <p:sp>
-            <p:nvSpPr>
-              <p:cNvPr id="98" name="Triángulo 97">
-                <a:extLst>
-                  <a:ext uri="{FF2B5EF4-FFF2-40B4-BE49-F238E27FC236}">
-                    <a16:creationId xmlns:a16="http://schemas.microsoft.com/office/drawing/2014/main" id="{77A97530-8422-424E-B4FC-DAF984DDD77F}"/>
-                  </a:ext>
-                </a:extLst>
-              </p:cNvPr>
-              <p:cNvSpPr/>
-              <p:nvPr/>
-            </p:nvSpPr>
-            <p:spPr>
-              <a:xfrm rot="16200000">
-                <a:off x="11540994" y="3905983"/>
-                <a:ext cx="251999" cy="251999"/>
-              </a:xfrm>
-              <a:prstGeom prst="triangle">
-                <a:avLst/>
-              </a:prstGeom>
-              <a:solidFill>
-                <a:schemeClr val="bg1"/>
-              </a:solidFill>
-              <a:ln w="22225">
-                <a:solidFill>
-                  <a:schemeClr val="tx1"/>
-                </a:solidFill>
-              </a:ln>
-            </p:spPr>
-            <p:style>
-              <a:lnRef idx="2">
-                <a:schemeClr val="accent1">
-                  <a:shade val="50000"/>
-                </a:schemeClr>
-              </a:lnRef>
-              <a:fillRef idx="1">
-                <a:schemeClr val="accent1"/>
-              </a:fillRef>
-              <a:effectRef idx="0">
-                <a:schemeClr val="accent1"/>
-              </a:effectRef>
-              <a:fontRef idx="minor">
-                <a:schemeClr val="lt1"/>
-              </a:fontRef>
-            </p:style>
-            <p:txBody>
-              <a:bodyPr rtlCol="0" anchor="ctr"/>
-              <a:lstStyle/>
-              <a:p>
-                <a:pPr algn="ctr"/>
-                <a:endParaRPr lang="es-CO"/>
-              </a:p>
-            </p:txBody>
-          </p:sp>
-          <p:sp>
-            <p:nvSpPr>
-              <p:cNvPr id="99" name="Triángulo 98">
-                <a:extLst>
-                  <a:ext uri="{FF2B5EF4-FFF2-40B4-BE49-F238E27FC236}">
-                    <a16:creationId xmlns:a16="http://schemas.microsoft.com/office/drawing/2014/main" id="{723A1C43-44F3-A04C-A885-C7543DE40197}"/>
-                  </a:ext>
-                </a:extLst>
-              </p:cNvPr>
-              <p:cNvSpPr/>
-              <p:nvPr/>
-            </p:nvSpPr>
-            <p:spPr>
-              <a:xfrm rot="16200000">
-                <a:off x="11558947" y="2931646"/>
-                <a:ext cx="251999" cy="251999"/>
-              </a:xfrm>
-              <a:prstGeom prst="triangle">
-                <a:avLst/>
-              </a:prstGeom>
-              <a:solidFill>
-                <a:schemeClr val="bg1"/>
-              </a:solidFill>
-              <a:ln w="22225">
-                <a:solidFill>
-                  <a:schemeClr val="tx1"/>
-                </a:solidFill>
-              </a:ln>
-            </p:spPr>
-            <p:style>
-              <a:lnRef idx="2">
-                <a:schemeClr val="accent1">
-                  <a:shade val="50000"/>
-                </a:schemeClr>
-              </a:lnRef>
-              <a:fillRef idx="1">
-                <a:schemeClr val="accent1"/>
-              </a:fillRef>
-              <a:effectRef idx="0">
-                <a:schemeClr val="accent1"/>
-              </a:effectRef>
-              <a:fontRef idx="minor">
-                <a:schemeClr val="lt1"/>
-              </a:fontRef>
-            </p:style>
-            <p:txBody>
-              <a:bodyPr rtlCol="0" anchor="ctr"/>
-              <a:lstStyle/>
-              <a:p>
-                <a:pPr algn="ctr"/>
-                <a:endParaRPr lang="es-CO"/>
-              </a:p>
-            </p:txBody>
-          </p:sp>
-          <p:sp>
-            <p:nvSpPr>
-              <p:cNvPr id="101" name="Elipse 100">
-                <a:extLst>
-                  <a:ext uri="{FF2B5EF4-FFF2-40B4-BE49-F238E27FC236}">
-                    <a16:creationId xmlns:a16="http://schemas.microsoft.com/office/drawing/2014/main" id="{01D115B3-50FE-3543-B424-B8E6E2846CBD}"/>
-                  </a:ext>
-                </a:extLst>
-              </p:cNvPr>
-              <p:cNvSpPr/>
-              <p:nvPr/>
-            </p:nvSpPr>
-            <p:spPr>
-              <a:xfrm>
-                <a:off x="9263067" y="5104748"/>
-                <a:ext cx="251999" cy="251999"/>
-              </a:xfrm>
-              <a:prstGeom prst="ellipse">
-                <a:avLst/>
-              </a:prstGeom>
-              <a:solidFill>
-                <a:schemeClr val="bg1"/>
-              </a:solidFill>
-              <a:ln w="22225">
-                <a:solidFill>
-                  <a:schemeClr val="tx1"/>
-                </a:solidFill>
-              </a:ln>
-            </p:spPr>
-            <p:style>
-              <a:lnRef idx="2">
-                <a:schemeClr val="accent1">
-                  <a:shade val="50000"/>
-                </a:schemeClr>
-              </a:lnRef>
-              <a:fillRef idx="1">
-                <a:schemeClr val="accent1"/>
-              </a:fillRef>
-              <a:effectRef idx="0">
-                <a:schemeClr val="accent1"/>
-              </a:effectRef>
-              <a:fontRef idx="minor">
-                <a:schemeClr val="lt1"/>
-              </a:fontRef>
-            </p:style>
-            <p:txBody>
-              <a:bodyPr rtlCol="0" anchor="ctr"/>
-              <a:lstStyle/>
-              <a:p>
-                <a:pPr algn="ctr"/>
-                <a:endParaRPr lang="es-CO"/>
-              </a:p>
-            </p:txBody>
-          </p:sp>
-          <p:sp>
-            <p:nvSpPr>
-              <p:cNvPr id="102" name="Elipse 101">
-                <a:extLst>
-                  <a:ext uri="{FF2B5EF4-FFF2-40B4-BE49-F238E27FC236}">
-                    <a16:creationId xmlns:a16="http://schemas.microsoft.com/office/drawing/2014/main" id="{0D13E9F3-23ED-4A42-909B-5C4F33F2B98E}"/>
-                  </a:ext>
-                </a:extLst>
-              </p:cNvPr>
-              <p:cNvSpPr/>
-              <p:nvPr/>
-            </p:nvSpPr>
-            <p:spPr>
-              <a:xfrm>
-                <a:off x="9263067" y="3411942"/>
-                <a:ext cx="251999" cy="251999"/>
-              </a:xfrm>
-              <a:prstGeom prst="ellipse">
-                <a:avLst/>
-              </a:prstGeom>
-              <a:solidFill>
-                <a:schemeClr val="bg1"/>
-              </a:solidFill>
-              <a:ln w="22225">
-                <a:solidFill>
-                  <a:schemeClr val="tx1"/>
-                </a:solidFill>
-              </a:ln>
-            </p:spPr>
-            <p:style>
-              <a:lnRef idx="2">
-                <a:schemeClr val="accent1">
-                  <a:shade val="50000"/>
-                </a:schemeClr>
-              </a:lnRef>
-              <a:fillRef idx="1">
-                <a:schemeClr val="accent1"/>
-              </a:fillRef>
-              <a:effectRef idx="0">
-                <a:schemeClr val="accent1"/>
-              </a:effectRef>
-              <a:fontRef idx="minor">
-                <a:schemeClr val="lt1"/>
-              </a:fontRef>
-            </p:style>
-            <p:txBody>
-              <a:bodyPr rtlCol="0" anchor="ctr"/>
-              <a:lstStyle/>
-              <a:p>
-                <a:pPr algn="ctr"/>
-                <a:endParaRPr lang="es-CO"/>
-              </a:p>
-            </p:txBody>
-          </p:sp>
-        </p:grpSp>
-        <p:grpSp>
-          <p:nvGrpSpPr>
-            <p:cNvPr id="105" name="Grupo 104">
-              <a:extLst>
-                <a:ext uri="{FF2B5EF4-FFF2-40B4-BE49-F238E27FC236}">
-                  <a16:creationId xmlns:a16="http://schemas.microsoft.com/office/drawing/2014/main" id="{EF114FEE-1E0E-4941-9604-E187F95B0A9B}"/>
-                </a:ext>
-              </a:extLst>
-            </p:cNvPr>
-            <p:cNvGrpSpPr/>
-            <p:nvPr/>
-          </p:nvGrpSpPr>
-          <p:grpSpPr>
-            <a:xfrm>
-              <a:off x="5921411" y="2417919"/>
-              <a:ext cx="2032131" cy="3010497"/>
+              <a:off x="9519808" y="4743985"/>
+              <a:ext cx="2032131" cy="980202"/>
               <a:chOff x="1843158" y="2960914"/>
               <a:chExt cx="2395013" cy="2525488"/>
             </a:xfrm>
           </p:grpSpPr>
           <p:cxnSp>
             <p:nvCxnSpPr>
-              <p:cNvPr id="106" name="Conector recto 105">
+              <p:cNvPr id="83" name="Conector recto 82">
                 <a:extLst>
                   <a:ext uri="{FF2B5EF4-FFF2-40B4-BE49-F238E27FC236}">
-                    <a16:creationId xmlns:a16="http://schemas.microsoft.com/office/drawing/2014/main" id="{477F4548-E73B-6E4C-9082-11047BC64AC7}"/>
+                    <a16:creationId xmlns:a16="http://schemas.microsoft.com/office/drawing/2014/main" id="{10321713-407E-3E44-8429-B8CA634ACB5D}"/>
                   </a:ext>
                 </a:extLst>
               </p:cNvPr>
@@ -4965,10 +4062,10 @@
           </p:cxnSp>
           <p:cxnSp>
             <p:nvCxnSpPr>
-              <p:cNvPr id="107" name="Conector recto 106">
+              <p:cNvPr id="84" name="Conector recto 83">
                 <a:extLst>
                   <a:ext uri="{FF2B5EF4-FFF2-40B4-BE49-F238E27FC236}">
-                    <a16:creationId xmlns:a16="http://schemas.microsoft.com/office/drawing/2014/main" id="{05EEA311-6F71-E349-B867-54713C7EEA85}"/>
+                    <a16:creationId xmlns:a16="http://schemas.microsoft.com/office/drawing/2014/main" id="{7B3BB77A-2D06-C642-A58B-E578FA9CD153}"/>
                   </a:ext>
                 </a:extLst>
               </p:cNvPr>
@@ -5008,10 +4105,10 @@
           </p:cxnSp>
           <p:cxnSp>
             <p:nvCxnSpPr>
-              <p:cNvPr id="108" name="Conector recto 107">
+              <p:cNvPr id="85" name="Conector recto 84">
                 <a:extLst>
                   <a:ext uri="{FF2B5EF4-FFF2-40B4-BE49-F238E27FC236}">
-                    <a16:creationId xmlns:a16="http://schemas.microsoft.com/office/drawing/2014/main" id="{1D148F0B-FFAF-4F42-BD9C-2CFE8870BC91}"/>
+                    <a16:creationId xmlns:a16="http://schemas.microsoft.com/office/drawing/2014/main" id="{B8CFF97F-0725-5D4D-959E-6AF2B41B9569}"/>
                   </a:ext>
                 </a:extLst>
               </p:cNvPr>
@@ -5051,10 +4148,10 @@
           </p:cxnSp>
           <p:cxnSp>
             <p:nvCxnSpPr>
-              <p:cNvPr id="109" name="Conector recto 108">
+              <p:cNvPr id="86" name="Conector recto 85">
                 <a:extLst>
                   <a:ext uri="{FF2B5EF4-FFF2-40B4-BE49-F238E27FC236}">
-                    <a16:creationId xmlns:a16="http://schemas.microsoft.com/office/drawing/2014/main" id="{5558210A-EF4A-3E41-B47D-50604FD162ED}"/>
+                    <a16:creationId xmlns:a16="http://schemas.microsoft.com/office/drawing/2014/main" id="{9EF4C595-0BC0-A94D-86D3-8B38DFC4A94D}"/>
                   </a:ext>
                 </a:extLst>
               </p:cNvPr>
@@ -5095,10 +4192,375 @@
         </p:grpSp>
         <p:sp>
           <p:nvSpPr>
-            <p:cNvPr id="110" name="Triángulo 109">
+            <p:cNvPr id="87" name="CuadroTexto 86">
               <a:extLst>
                 <a:ext uri="{FF2B5EF4-FFF2-40B4-BE49-F238E27FC236}">
-                  <a16:creationId xmlns:a16="http://schemas.microsoft.com/office/drawing/2014/main" id="{2D55316E-2CA1-B34F-A30D-5CD6CAABD2EC}"/>
+                  <a16:creationId xmlns:a16="http://schemas.microsoft.com/office/drawing/2014/main" id="{7189CC31-41EF-174D-A368-01B396D3A0E6}"/>
+                </a:ext>
+              </a:extLst>
+            </p:cNvPr>
+            <p:cNvSpPr txBox="1"/>
+            <p:nvPr/>
+          </p:nvSpPr>
+          <p:spPr>
+            <a:xfrm>
+              <a:off x="9926653" y="4349890"/>
+              <a:ext cx="1170513" cy="369332"/>
+            </a:xfrm>
+            <a:prstGeom prst="rect">
+              <a:avLst/>
+            </a:prstGeom>
+            <a:noFill/>
+          </p:spPr>
+          <p:txBody>
+            <a:bodyPr wrap="none" rtlCol="0">
+              <a:spAutoFit/>
+            </a:bodyPr>
+            <a:lstStyle/>
+            <a:p>
+              <a:r>
+                <a:rPr lang="es-CO" dirty="0"/>
+                <a:t>E</a:t>
+              </a:r>
+              <a:r>
+                <a:rPr lang="es-CO" baseline="-25000" dirty="0"/>
+                <a:t>1</a:t>
+              </a:r>
+              <a:r>
+                <a:rPr lang="es-CO" dirty="0"/>
+                <a:t>= 0, 70%</a:t>
+              </a:r>
+            </a:p>
+          </p:txBody>
+        </p:sp>
+        <p:sp>
+          <p:nvSpPr>
+            <p:cNvPr id="88" name="CuadroTexto 87">
+              <a:extLst>
+                <a:ext uri="{FF2B5EF4-FFF2-40B4-BE49-F238E27FC236}">
+                  <a16:creationId xmlns:a16="http://schemas.microsoft.com/office/drawing/2014/main" id="{DF38A20D-DA46-5F46-907A-AD96FFC6A8F0}"/>
+                </a:ext>
+              </a:extLst>
+            </p:cNvPr>
+            <p:cNvSpPr txBox="1"/>
+            <p:nvPr/>
+          </p:nvSpPr>
+          <p:spPr>
+            <a:xfrm>
+              <a:off x="9903895" y="5340882"/>
+              <a:ext cx="1475084" cy="369332"/>
+            </a:xfrm>
+            <a:prstGeom prst="rect">
+              <a:avLst/>
+            </a:prstGeom>
+            <a:noFill/>
+          </p:spPr>
+          <p:txBody>
+            <a:bodyPr wrap="none" rtlCol="0">
+              <a:spAutoFit/>
+            </a:bodyPr>
+            <a:lstStyle/>
+            <a:p>
+              <a:r>
+                <a:rPr lang="es-CO" dirty="0"/>
+                <a:t>E</a:t>
+              </a:r>
+              <a:r>
+                <a:rPr lang="es-CO" baseline="-25000" dirty="0"/>
+                <a:t>2</a:t>
+              </a:r>
+              <a:r>
+                <a:rPr lang="es-CO" dirty="0"/>
+                <a:t>= -120, 30%</a:t>
+              </a:r>
+            </a:p>
+          </p:txBody>
+        </p:sp>
+        <p:grpSp>
+          <p:nvGrpSpPr>
+            <p:cNvPr id="89" name="Grupo 88">
+              <a:extLst>
+                <a:ext uri="{FF2B5EF4-FFF2-40B4-BE49-F238E27FC236}">
+                  <a16:creationId xmlns:a16="http://schemas.microsoft.com/office/drawing/2014/main" id="{CB2D8374-4F4E-8645-A184-BC45E7FD8702}"/>
+                </a:ext>
+              </a:extLst>
+            </p:cNvPr>
+            <p:cNvGrpSpPr/>
+            <p:nvPr/>
+          </p:nvGrpSpPr>
+          <p:grpSpPr>
+            <a:xfrm>
+              <a:off x="9519808" y="3051872"/>
+              <a:ext cx="2032131" cy="980202"/>
+              <a:chOff x="1843158" y="2960914"/>
+              <a:chExt cx="2395013" cy="2525488"/>
+            </a:xfrm>
+          </p:grpSpPr>
+          <p:cxnSp>
+            <p:nvCxnSpPr>
+              <p:cNvPr id="90" name="Conector recto 89">
+                <a:extLst>
+                  <a:ext uri="{FF2B5EF4-FFF2-40B4-BE49-F238E27FC236}">
+                    <a16:creationId xmlns:a16="http://schemas.microsoft.com/office/drawing/2014/main" id="{D26D54B4-A8F1-1D47-8A19-045422D683E0}"/>
+                  </a:ext>
+                </a:extLst>
+              </p:cNvPr>
+              <p:cNvCxnSpPr>
+                <a:cxnSpLocks/>
+              </p:cNvCxnSpPr>
+              <p:nvPr/>
+            </p:nvCxnSpPr>
+            <p:spPr>
+              <a:xfrm flipV="1">
+                <a:off x="1843158" y="2960914"/>
+                <a:ext cx="436492" cy="1233658"/>
+              </a:xfrm>
+              <a:prstGeom prst="line">
+                <a:avLst/>
+              </a:prstGeom>
+              <a:ln w="22225">
+                <a:solidFill>
+                  <a:schemeClr val="tx1"/>
+                </a:solidFill>
+              </a:ln>
+            </p:spPr>
+            <p:style>
+              <a:lnRef idx="1">
+                <a:schemeClr val="accent1"/>
+              </a:lnRef>
+              <a:fillRef idx="0">
+                <a:schemeClr val="accent1"/>
+              </a:fillRef>
+              <a:effectRef idx="0">
+                <a:schemeClr val="accent1"/>
+              </a:effectRef>
+              <a:fontRef idx="minor">
+                <a:schemeClr val="tx1"/>
+              </a:fontRef>
+            </p:style>
+          </p:cxnSp>
+          <p:cxnSp>
+            <p:nvCxnSpPr>
+              <p:cNvPr id="91" name="Conector recto 90">
+                <a:extLst>
+                  <a:ext uri="{FF2B5EF4-FFF2-40B4-BE49-F238E27FC236}">
+                    <a16:creationId xmlns:a16="http://schemas.microsoft.com/office/drawing/2014/main" id="{D269AC7F-1A94-CB43-8F4B-E67436C94DA7}"/>
+                  </a:ext>
+                </a:extLst>
+              </p:cNvPr>
+              <p:cNvCxnSpPr>
+                <a:cxnSpLocks/>
+              </p:cNvCxnSpPr>
+              <p:nvPr/>
+            </p:nvCxnSpPr>
+            <p:spPr>
+              <a:xfrm>
+                <a:off x="1843158" y="4194569"/>
+                <a:ext cx="459187" cy="1291832"/>
+              </a:xfrm>
+              <a:prstGeom prst="line">
+                <a:avLst/>
+              </a:prstGeom>
+              <a:ln w="22225">
+                <a:solidFill>
+                  <a:schemeClr val="tx1"/>
+                </a:solidFill>
+              </a:ln>
+            </p:spPr>
+            <p:style>
+              <a:lnRef idx="1">
+                <a:schemeClr val="accent1"/>
+              </a:lnRef>
+              <a:fillRef idx="0">
+                <a:schemeClr val="accent1"/>
+              </a:fillRef>
+              <a:effectRef idx="0">
+                <a:schemeClr val="accent1"/>
+              </a:effectRef>
+              <a:fontRef idx="minor">
+                <a:schemeClr val="tx1"/>
+              </a:fontRef>
+            </p:style>
+          </p:cxnSp>
+          <p:cxnSp>
+            <p:nvCxnSpPr>
+              <p:cNvPr id="92" name="Conector recto 91">
+                <a:extLst>
+                  <a:ext uri="{FF2B5EF4-FFF2-40B4-BE49-F238E27FC236}">
+                    <a16:creationId xmlns:a16="http://schemas.microsoft.com/office/drawing/2014/main" id="{5761D0ED-04A1-3C4C-B460-A05AC1F0691D}"/>
+                  </a:ext>
+                </a:extLst>
+              </p:cNvPr>
+              <p:cNvCxnSpPr>
+                <a:cxnSpLocks/>
+              </p:cNvCxnSpPr>
+              <p:nvPr/>
+            </p:nvCxnSpPr>
+            <p:spPr>
+              <a:xfrm flipV="1">
+                <a:off x="2287910" y="2960915"/>
+                <a:ext cx="1950261" cy="1"/>
+              </a:xfrm>
+              <a:prstGeom prst="line">
+                <a:avLst/>
+              </a:prstGeom>
+              <a:ln w="22225">
+                <a:solidFill>
+                  <a:schemeClr val="tx1"/>
+                </a:solidFill>
+              </a:ln>
+            </p:spPr>
+            <p:style>
+              <a:lnRef idx="1">
+                <a:schemeClr val="accent1"/>
+              </a:lnRef>
+              <a:fillRef idx="0">
+                <a:schemeClr val="accent1"/>
+              </a:fillRef>
+              <a:effectRef idx="0">
+                <a:schemeClr val="accent1"/>
+              </a:effectRef>
+              <a:fontRef idx="minor">
+                <a:schemeClr val="tx1"/>
+              </a:fontRef>
+            </p:style>
+          </p:cxnSp>
+          <p:cxnSp>
+            <p:nvCxnSpPr>
+              <p:cNvPr id="93" name="Conector recto 92">
+                <a:extLst>
+                  <a:ext uri="{FF2B5EF4-FFF2-40B4-BE49-F238E27FC236}">
+                    <a16:creationId xmlns:a16="http://schemas.microsoft.com/office/drawing/2014/main" id="{6E972C10-585B-4248-B407-CB1FA9D26701}"/>
+                  </a:ext>
+                </a:extLst>
+              </p:cNvPr>
+              <p:cNvCxnSpPr>
+                <a:cxnSpLocks/>
+              </p:cNvCxnSpPr>
+              <p:nvPr/>
+            </p:nvCxnSpPr>
+            <p:spPr>
+              <a:xfrm flipV="1">
+                <a:off x="2287910" y="5486401"/>
+                <a:ext cx="1950261" cy="1"/>
+              </a:xfrm>
+              <a:prstGeom prst="line">
+                <a:avLst/>
+              </a:prstGeom>
+              <a:ln w="22225">
+                <a:solidFill>
+                  <a:schemeClr val="tx1"/>
+                </a:solidFill>
+              </a:ln>
+            </p:spPr>
+            <p:style>
+              <a:lnRef idx="1">
+                <a:schemeClr val="accent1"/>
+              </a:lnRef>
+              <a:fillRef idx="0">
+                <a:schemeClr val="accent1"/>
+              </a:fillRef>
+              <a:effectRef idx="0">
+                <a:schemeClr val="accent1"/>
+              </a:effectRef>
+              <a:fontRef idx="minor">
+                <a:schemeClr val="tx1"/>
+              </a:fontRef>
+            </p:style>
+          </p:cxnSp>
+        </p:grpSp>
+        <p:sp>
+          <p:nvSpPr>
+            <p:cNvPr id="94" name="CuadroTexto 93">
+              <a:extLst>
+                <a:ext uri="{FF2B5EF4-FFF2-40B4-BE49-F238E27FC236}">
+                  <a16:creationId xmlns:a16="http://schemas.microsoft.com/office/drawing/2014/main" id="{48367319-17E4-4941-AAF3-4B4ABC4F439D}"/>
+                </a:ext>
+              </a:extLst>
+            </p:cNvPr>
+            <p:cNvSpPr txBox="1"/>
+            <p:nvPr/>
+          </p:nvSpPr>
+          <p:spPr>
+            <a:xfrm>
+              <a:off x="9926653" y="2657777"/>
+              <a:ext cx="1200970" cy="369332"/>
+            </a:xfrm>
+            <a:prstGeom prst="rect">
+              <a:avLst/>
+            </a:prstGeom>
+            <a:noFill/>
+          </p:spPr>
+          <p:txBody>
+            <a:bodyPr wrap="none" rtlCol="0">
+              <a:spAutoFit/>
+            </a:bodyPr>
+            <a:lstStyle/>
+            <a:p>
+              <a:r>
+                <a:rPr lang="es-CO" dirty="0"/>
+                <a:t>D</a:t>
+              </a:r>
+              <a:r>
+                <a:rPr lang="es-CO" baseline="-25000" dirty="0"/>
+                <a:t>1</a:t>
+              </a:r>
+              <a:r>
+                <a:rPr lang="es-CO" dirty="0"/>
+                <a:t>= 0, 50%</a:t>
+              </a:r>
+            </a:p>
+          </p:txBody>
+        </p:sp>
+        <p:sp>
+          <p:nvSpPr>
+            <p:cNvPr id="95" name="CuadroTexto 94">
+              <a:extLst>
+                <a:ext uri="{FF2B5EF4-FFF2-40B4-BE49-F238E27FC236}">
+                  <a16:creationId xmlns:a16="http://schemas.microsoft.com/office/drawing/2014/main" id="{073267B1-F13B-2947-85FE-7BE7C3CDC4A5}"/>
+                </a:ext>
+              </a:extLst>
+            </p:cNvPr>
+            <p:cNvSpPr txBox="1"/>
+            <p:nvPr/>
+          </p:nvSpPr>
+          <p:spPr>
+            <a:xfrm>
+              <a:off x="9903895" y="3648769"/>
+              <a:ext cx="1505540" cy="369332"/>
+            </a:xfrm>
+            <a:prstGeom prst="rect">
+              <a:avLst/>
+            </a:prstGeom>
+            <a:noFill/>
+          </p:spPr>
+          <p:txBody>
+            <a:bodyPr wrap="none" rtlCol="0">
+              <a:spAutoFit/>
+            </a:bodyPr>
+            <a:lstStyle/>
+            <a:p>
+              <a:r>
+                <a:rPr lang="es-CO" dirty="0"/>
+                <a:t>D</a:t>
+              </a:r>
+              <a:r>
+                <a:rPr lang="es-CO" baseline="-25000" dirty="0"/>
+                <a:t>2</a:t>
+              </a:r>
+              <a:r>
+                <a:rPr lang="es-CO" dirty="0"/>
+                <a:t>= -120, 50%</a:t>
+              </a:r>
+            </a:p>
+          </p:txBody>
+        </p:sp>
+        <p:sp>
+          <p:nvSpPr>
+            <p:cNvPr id="96" name="Triángulo 95">
+              <a:extLst>
+                <a:ext uri="{FF2B5EF4-FFF2-40B4-BE49-F238E27FC236}">
+                  <a16:creationId xmlns:a16="http://schemas.microsoft.com/office/drawing/2014/main" id="{3C702F10-84E6-BA4B-8F27-2597A8F3FC23}"/>
                 </a:ext>
               </a:extLst>
             </p:cNvPr>
@@ -5107,7 +4569,7 @@
           </p:nvSpPr>
           <p:spPr>
             <a:xfrm rot="16200000">
-              <a:off x="7960550" y="2283927"/>
+              <a:off x="11543406" y="5606070"/>
               <a:ext cx="251999" cy="251999"/>
             </a:xfrm>
             <a:prstGeom prst="triangle">
@@ -5147,12 +4609,303 @@
             </a:p>
           </p:txBody>
         </p:sp>
+        <p:sp>
+          <p:nvSpPr>
+            <p:cNvPr id="97" name="Triángulo 96">
+              <a:extLst>
+                <a:ext uri="{FF2B5EF4-FFF2-40B4-BE49-F238E27FC236}">
+                  <a16:creationId xmlns:a16="http://schemas.microsoft.com/office/drawing/2014/main" id="{E4728590-03CB-8D40-8630-5EF3E918C1E4}"/>
+                </a:ext>
+              </a:extLst>
+            </p:cNvPr>
+            <p:cNvSpPr/>
+            <p:nvPr/>
+          </p:nvSpPr>
+          <p:spPr>
+            <a:xfrm rot="16200000">
+              <a:off x="11543406" y="4617985"/>
+              <a:ext cx="251999" cy="251999"/>
+            </a:xfrm>
+            <a:prstGeom prst="triangle">
+              <a:avLst/>
+            </a:prstGeom>
+            <a:solidFill>
+              <a:schemeClr val="bg1"/>
+            </a:solidFill>
+            <a:ln w="22225">
+              <a:solidFill>
+                <a:schemeClr val="tx1"/>
+              </a:solidFill>
+            </a:ln>
+          </p:spPr>
+          <p:style>
+            <a:lnRef idx="2">
+              <a:schemeClr val="accent1">
+                <a:shade val="50000"/>
+              </a:schemeClr>
+            </a:lnRef>
+            <a:fillRef idx="1">
+              <a:schemeClr val="accent1"/>
+            </a:fillRef>
+            <a:effectRef idx="0">
+              <a:schemeClr val="accent1"/>
+            </a:effectRef>
+            <a:fontRef idx="minor">
+              <a:schemeClr val="lt1"/>
+            </a:fontRef>
+          </p:style>
+          <p:txBody>
+            <a:bodyPr rtlCol="0" anchor="ctr"/>
+            <a:lstStyle/>
+            <a:p>
+              <a:pPr algn="ctr"/>
+              <a:endParaRPr lang="es-CO"/>
+            </a:p>
+          </p:txBody>
+        </p:sp>
+        <p:sp>
+          <p:nvSpPr>
+            <p:cNvPr id="98" name="Triángulo 97">
+              <a:extLst>
+                <a:ext uri="{FF2B5EF4-FFF2-40B4-BE49-F238E27FC236}">
+                  <a16:creationId xmlns:a16="http://schemas.microsoft.com/office/drawing/2014/main" id="{77A97530-8422-424E-B4FC-DAF984DDD77F}"/>
+                </a:ext>
+              </a:extLst>
+            </p:cNvPr>
+            <p:cNvSpPr/>
+            <p:nvPr/>
+          </p:nvSpPr>
+          <p:spPr>
+            <a:xfrm rot="16200000">
+              <a:off x="11540994" y="3905983"/>
+              <a:ext cx="251999" cy="251999"/>
+            </a:xfrm>
+            <a:prstGeom prst="triangle">
+              <a:avLst/>
+            </a:prstGeom>
+            <a:solidFill>
+              <a:schemeClr val="bg1"/>
+            </a:solidFill>
+            <a:ln w="22225">
+              <a:solidFill>
+                <a:schemeClr val="tx1"/>
+              </a:solidFill>
+            </a:ln>
+          </p:spPr>
+          <p:style>
+            <a:lnRef idx="2">
+              <a:schemeClr val="accent1">
+                <a:shade val="50000"/>
+              </a:schemeClr>
+            </a:lnRef>
+            <a:fillRef idx="1">
+              <a:schemeClr val="accent1"/>
+            </a:fillRef>
+            <a:effectRef idx="0">
+              <a:schemeClr val="accent1"/>
+            </a:effectRef>
+            <a:fontRef idx="minor">
+              <a:schemeClr val="lt1"/>
+            </a:fontRef>
+          </p:style>
+          <p:txBody>
+            <a:bodyPr rtlCol="0" anchor="ctr"/>
+            <a:lstStyle/>
+            <a:p>
+              <a:pPr algn="ctr"/>
+              <a:endParaRPr lang="es-CO"/>
+            </a:p>
+          </p:txBody>
+        </p:sp>
+        <p:sp>
+          <p:nvSpPr>
+            <p:cNvPr id="99" name="Triángulo 98">
+              <a:extLst>
+                <a:ext uri="{FF2B5EF4-FFF2-40B4-BE49-F238E27FC236}">
+                  <a16:creationId xmlns:a16="http://schemas.microsoft.com/office/drawing/2014/main" id="{723A1C43-44F3-A04C-A885-C7543DE40197}"/>
+                </a:ext>
+              </a:extLst>
+            </p:cNvPr>
+            <p:cNvSpPr/>
+            <p:nvPr/>
+          </p:nvSpPr>
+          <p:spPr>
+            <a:xfrm rot="16200000">
+              <a:off x="11558947" y="2931646"/>
+              <a:ext cx="251999" cy="251999"/>
+            </a:xfrm>
+            <a:prstGeom prst="triangle">
+              <a:avLst/>
+            </a:prstGeom>
+            <a:solidFill>
+              <a:schemeClr val="bg1"/>
+            </a:solidFill>
+            <a:ln w="22225">
+              <a:solidFill>
+                <a:schemeClr val="tx1"/>
+              </a:solidFill>
+            </a:ln>
+          </p:spPr>
+          <p:style>
+            <a:lnRef idx="2">
+              <a:schemeClr val="accent1">
+                <a:shade val="50000"/>
+              </a:schemeClr>
+            </a:lnRef>
+            <a:fillRef idx="1">
+              <a:schemeClr val="accent1"/>
+            </a:fillRef>
+            <a:effectRef idx="0">
+              <a:schemeClr val="accent1"/>
+            </a:effectRef>
+            <a:fontRef idx="minor">
+              <a:schemeClr val="lt1"/>
+            </a:fontRef>
+          </p:style>
+          <p:txBody>
+            <a:bodyPr rtlCol="0" anchor="ctr"/>
+            <a:lstStyle/>
+            <a:p>
+              <a:pPr algn="ctr"/>
+              <a:endParaRPr lang="es-CO"/>
+            </a:p>
+          </p:txBody>
+        </p:sp>
+        <p:sp>
+          <p:nvSpPr>
+            <p:cNvPr id="101" name="Elipse 100">
+              <a:extLst>
+                <a:ext uri="{FF2B5EF4-FFF2-40B4-BE49-F238E27FC236}">
+                  <a16:creationId xmlns:a16="http://schemas.microsoft.com/office/drawing/2014/main" id="{01D115B3-50FE-3543-B424-B8E6E2846CBD}"/>
+                </a:ext>
+              </a:extLst>
+            </p:cNvPr>
+            <p:cNvSpPr/>
+            <p:nvPr/>
+          </p:nvSpPr>
+          <p:spPr>
+            <a:xfrm>
+              <a:off x="9263067" y="5104748"/>
+              <a:ext cx="251999" cy="251999"/>
+            </a:xfrm>
+            <a:prstGeom prst="ellipse">
+              <a:avLst/>
+            </a:prstGeom>
+            <a:solidFill>
+              <a:schemeClr val="bg1"/>
+            </a:solidFill>
+            <a:ln w="22225">
+              <a:solidFill>
+                <a:schemeClr val="tx1"/>
+              </a:solidFill>
+            </a:ln>
+          </p:spPr>
+          <p:style>
+            <a:lnRef idx="2">
+              <a:schemeClr val="accent1">
+                <a:shade val="50000"/>
+              </a:schemeClr>
+            </a:lnRef>
+            <a:fillRef idx="1">
+              <a:schemeClr val="accent1"/>
+            </a:fillRef>
+            <a:effectRef idx="0">
+              <a:schemeClr val="accent1"/>
+            </a:effectRef>
+            <a:fontRef idx="minor">
+              <a:schemeClr val="lt1"/>
+            </a:fontRef>
+          </p:style>
+          <p:txBody>
+            <a:bodyPr rtlCol="0" anchor="ctr"/>
+            <a:lstStyle/>
+            <a:p>
+              <a:pPr algn="ctr"/>
+              <a:endParaRPr lang="es-CO"/>
+            </a:p>
+          </p:txBody>
+        </p:sp>
+        <p:sp>
+          <p:nvSpPr>
+            <p:cNvPr id="102" name="Elipse 101">
+              <a:extLst>
+                <a:ext uri="{FF2B5EF4-FFF2-40B4-BE49-F238E27FC236}">
+                  <a16:creationId xmlns:a16="http://schemas.microsoft.com/office/drawing/2014/main" id="{0D13E9F3-23ED-4A42-909B-5C4F33F2B98E}"/>
+                </a:ext>
+              </a:extLst>
+            </p:cNvPr>
+            <p:cNvSpPr/>
+            <p:nvPr/>
+          </p:nvSpPr>
+          <p:spPr>
+            <a:xfrm>
+              <a:off x="9263067" y="3411942"/>
+              <a:ext cx="251999" cy="251999"/>
+            </a:xfrm>
+            <a:prstGeom prst="ellipse">
+              <a:avLst/>
+            </a:prstGeom>
+            <a:solidFill>
+              <a:schemeClr val="bg1"/>
+            </a:solidFill>
+            <a:ln w="22225">
+              <a:solidFill>
+                <a:schemeClr val="tx1"/>
+              </a:solidFill>
+            </a:ln>
+          </p:spPr>
+          <p:style>
+            <a:lnRef idx="2">
+              <a:schemeClr val="accent1">
+                <a:shade val="50000"/>
+              </a:schemeClr>
+            </a:lnRef>
+            <a:fillRef idx="1">
+              <a:schemeClr val="accent1"/>
+            </a:fillRef>
+            <a:effectRef idx="0">
+              <a:schemeClr val="accent1"/>
+            </a:effectRef>
+            <a:fontRef idx="minor">
+              <a:schemeClr val="lt1"/>
+            </a:fontRef>
+          </p:style>
+          <p:txBody>
+            <a:bodyPr rtlCol="0" anchor="ctr"/>
+            <a:lstStyle/>
+            <a:p>
+              <a:pPr algn="ctr"/>
+              <a:endParaRPr lang="es-CO"/>
+            </a:p>
+          </p:txBody>
+        </p:sp>
+      </p:grpSp>
+      <p:grpSp>
+        <p:nvGrpSpPr>
+          <p:cNvPr id="105" name="Grupo 104">
+            <a:extLst>
+              <a:ext uri="{FF2B5EF4-FFF2-40B4-BE49-F238E27FC236}">
+                <a16:creationId xmlns:a16="http://schemas.microsoft.com/office/drawing/2014/main" id="{EF114FEE-1E0E-4941-9604-E187F95B0A9B}"/>
+              </a:ext>
+            </a:extLst>
+          </p:cNvPr>
+          <p:cNvGrpSpPr/>
+          <p:nvPr/>
+        </p:nvGrpSpPr>
+        <p:grpSpPr>
+          <a:xfrm>
+            <a:off x="5350365" y="2424058"/>
+            <a:ext cx="2032131" cy="3010497"/>
+            <a:chOff x="1843158" y="2960914"/>
+            <a:chExt cx="2395013" cy="2525488"/>
+          </a:xfrm>
+        </p:grpSpPr>
         <p:cxnSp>
           <p:nvCxnSpPr>
-            <p:cNvPr id="112" name="Conector recto 111">
+            <p:cNvPr id="106" name="Conector recto 105">
               <a:extLst>
                 <a:ext uri="{FF2B5EF4-FFF2-40B4-BE49-F238E27FC236}">
-                  <a16:creationId xmlns:a16="http://schemas.microsoft.com/office/drawing/2014/main" id="{B2E39A3D-67E9-844A-BB67-0DD0CB3484C3}"/>
+                  <a16:creationId xmlns:a16="http://schemas.microsoft.com/office/drawing/2014/main" id="{477F4548-E73B-6E4C-9082-11047BC64AC7}"/>
                 </a:ext>
               </a:extLst>
             </p:cNvPr>
@@ -5163,8 +4916,8 @@
           </p:nvCxnSpPr>
           <p:spPr>
             <a:xfrm flipV="1">
-              <a:off x="6291768" y="3723034"/>
-              <a:ext cx="1654766" cy="1"/>
+              <a:off x="1843158" y="2960914"/>
+              <a:ext cx="436492" cy="1233658"/>
             </a:xfrm>
             <a:prstGeom prst="line">
               <a:avLst/>
@@ -5192,23 +4945,108 @@
         </p:cxnSp>
         <p:cxnSp>
           <p:nvCxnSpPr>
-            <p:cNvPr id="113" name="Conector recto 112">
+            <p:cNvPr id="107" name="Conector recto 106">
               <a:extLst>
                 <a:ext uri="{FF2B5EF4-FFF2-40B4-BE49-F238E27FC236}">
-                  <a16:creationId xmlns:a16="http://schemas.microsoft.com/office/drawing/2014/main" id="{78840042-8B6E-9446-8878-7460737307DE}"/>
+                  <a16:creationId xmlns:a16="http://schemas.microsoft.com/office/drawing/2014/main" id="{05EEA311-6F71-E349-B867-54713C7EEA85}"/>
                 </a:ext>
               </a:extLst>
             </p:cNvPr>
             <p:cNvCxnSpPr>
               <a:cxnSpLocks/>
-              <a:stCxn id="18" idx="3"/>
+            </p:cNvCxnSpPr>
+            <p:nvPr/>
+          </p:nvCxnSpPr>
+          <p:spPr>
+            <a:xfrm>
+              <a:off x="1843158" y="4194569"/>
+              <a:ext cx="459187" cy="1291832"/>
+            </a:xfrm>
+            <a:prstGeom prst="line">
+              <a:avLst/>
+            </a:prstGeom>
+            <a:ln w="22225">
+              <a:solidFill>
+                <a:schemeClr val="tx1"/>
+              </a:solidFill>
+            </a:ln>
+          </p:spPr>
+          <p:style>
+            <a:lnRef idx="1">
+              <a:schemeClr val="accent1"/>
+            </a:lnRef>
+            <a:fillRef idx="0">
+              <a:schemeClr val="accent1"/>
+            </a:fillRef>
+            <a:effectRef idx="0">
+              <a:schemeClr val="accent1"/>
+            </a:effectRef>
+            <a:fontRef idx="minor">
+              <a:schemeClr val="tx1"/>
+            </a:fontRef>
+          </p:style>
+        </p:cxnSp>
+        <p:cxnSp>
+          <p:nvCxnSpPr>
+            <p:cNvPr id="108" name="Conector recto 107">
+              <a:extLst>
+                <a:ext uri="{FF2B5EF4-FFF2-40B4-BE49-F238E27FC236}">
+                  <a16:creationId xmlns:a16="http://schemas.microsoft.com/office/drawing/2014/main" id="{1D148F0B-FFAF-4F42-BD9C-2CFE8870BC91}"/>
+                </a:ext>
+              </a:extLst>
+            </p:cNvPr>
+            <p:cNvCxnSpPr>
+              <a:cxnSpLocks/>
             </p:cNvCxnSpPr>
             <p:nvPr/>
           </p:nvCxnSpPr>
           <p:spPr>
             <a:xfrm flipV="1">
-              <a:off x="5910934" y="3723033"/>
-              <a:ext cx="387842" cy="189159"/>
+              <a:off x="2287910" y="2960915"/>
+              <a:ext cx="1950261" cy="1"/>
+            </a:xfrm>
+            <a:prstGeom prst="line">
+              <a:avLst/>
+            </a:prstGeom>
+            <a:ln w="22225">
+              <a:solidFill>
+                <a:schemeClr val="tx1"/>
+              </a:solidFill>
+            </a:ln>
+          </p:spPr>
+          <p:style>
+            <a:lnRef idx="1">
+              <a:schemeClr val="accent1"/>
+            </a:lnRef>
+            <a:fillRef idx="0">
+              <a:schemeClr val="accent1"/>
+            </a:fillRef>
+            <a:effectRef idx="0">
+              <a:schemeClr val="accent1"/>
+            </a:effectRef>
+            <a:fontRef idx="minor">
+              <a:schemeClr val="tx1"/>
+            </a:fontRef>
+          </p:style>
+        </p:cxnSp>
+        <p:cxnSp>
+          <p:nvCxnSpPr>
+            <p:cNvPr id="109" name="Conector recto 108">
+              <a:extLst>
+                <a:ext uri="{FF2B5EF4-FFF2-40B4-BE49-F238E27FC236}">
+                  <a16:creationId xmlns:a16="http://schemas.microsoft.com/office/drawing/2014/main" id="{5558210A-EF4A-3E41-B47D-50604FD162ED}"/>
+                </a:ext>
+              </a:extLst>
+            </p:cNvPr>
+            <p:cNvCxnSpPr>
+              <a:cxnSpLocks/>
+            </p:cNvCxnSpPr>
+            <p:nvPr/>
+          </p:nvCxnSpPr>
+          <p:spPr>
+            <a:xfrm flipV="1">
+              <a:off x="2287910" y="5486401"/>
+              <a:ext cx="1950261" cy="1"/>
             </a:xfrm>
             <a:prstGeom prst="line">
               <a:avLst/>
@@ -5237,6 +5075,147 @@
       </p:grpSp>
       <p:sp>
         <p:nvSpPr>
+          <p:cNvPr id="110" name="Triángulo 109">
+            <a:extLst>
+              <a:ext uri="{FF2B5EF4-FFF2-40B4-BE49-F238E27FC236}">
+                <a16:creationId xmlns:a16="http://schemas.microsoft.com/office/drawing/2014/main" id="{2D55316E-2CA1-B34F-A30D-5CD6CAABD2EC}"/>
+              </a:ext>
+            </a:extLst>
+          </p:cNvPr>
+          <p:cNvSpPr/>
+          <p:nvPr/>
+        </p:nvSpPr>
+        <p:spPr>
+          <a:xfrm rot="16200000">
+            <a:off x="7389504" y="2290066"/>
+            <a:ext cx="251999" cy="251999"/>
+          </a:xfrm>
+          <a:prstGeom prst="triangle">
+            <a:avLst/>
+          </a:prstGeom>
+          <a:solidFill>
+            <a:schemeClr val="bg1"/>
+          </a:solidFill>
+          <a:ln w="22225">
+            <a:solidFill>
+              <a:schemeClr val="tx1"/>
+            </a:solidFill>
+          </a:ln>
+        </p:spPr>
+        <p:style>
+          <a:lnRef idx="2">
+            <a:schemeClr val="accent1">
+              <a:shade val="50000"/>
+            </a:schemeClr>
+          </a:lnRef>
+          <a:fillRef idx="1">
+            <a:schemeClr val="accent1"/>
+          </a:fillRef>
+          <a:effectRef idx="0">
+            <a:schemeClr val="accent1"/>
+          </a:effectRef>
+          <a:fontRef idx="minor">
+            <a:schemeClr val="lt1"/>
+          </a:fontRef>
+        </p:style>
+        <p:txBody>
+          <a:bodyPr rtlCol="0" anchor="ctr"/>
+          <a:lstStyle/>
+          <a:p>
+            <a:pPr algn="ctr"/>
+            <a:endParaRPr lang="es-CO"/>
+          </a:p>
+        </p:txBody>
+      </p:sp>
+      <p:cxnSp>
+        <p:nvCxnSpPr>
+          <p:cNvPr id="112" name="Conector recto 111">
+            <a:extLst>
+              <a:ext uri="{FF2B5EF4-FFF2-40B4-BE49-F238E27FC236}">
+                <a16:creationId xmlns:a16="http://schemas.microsoft.com/office/drawing/2014/main" id="{B2E39A3D-67E9-844A-BB67-0DD0CB3484C3}"/>
+              </a:ext>
+            </a:extLst>
+          </p:cNvPr>
+          <p:cNvCxnSpPr>
+            <a:cxnSpLocks/>
+          </p:cNvCxnSpPr>
+          <p:nvPr/>
+        </p:nvCxnSpPr>
+        <p:spPr>
+          <a:xfrm flipV="1">
+            <a:off x="5720722" y="3729173"/>
+            <a:ext cx="1654766" cy="1"/>
+          </a:xfrm>
+          <a:prstGeom prst="line">
+            <a:avLst/>
+          </a:prstGeom>
+          <a:ln w="22225">
+            <a:solidFill>
+              <a:schemeClr val="tx1"/>
+            </a:solidFill>
+          </a:ln>
+        </p:spPr>
+        <p:style>
+          <a:lnRef idx="1">
+            <a:schemeClr val="accent1"/>
+          </a:lnRef>
+          <a:fillRef idx="0">
+            <a:schemeClr val="accent1"/>
+          </a:fillRef>
+          <a:effectRef idx="0">
+            <a:schemeClr val="accent1"/>
+          </a:effectRef>
+          <a:fontRef idx="minor">
+            <a:schemeClr val="tx1"/>
+          </a:fontRef>
+        </p:style>
+      </p:cxnSp>
+      <p:cxnSp>
+        <p:nvCxnSpPr>
+          <p:cNvPr id="113" name="Conector recto 112">
+            <a:extLst>
+              <a:ext uri="{FF2B5EF4-FFF2-40B4-BE49-F238E27FC236}">
+                <a16:creationId xmlns:a16="http://schemas.microsoft.com/office/drawing/2014/main" id="{78840042-8B6E-9446-8878-7460737307DE}"/>
+              </a:ext>
+            </a:extLst>
+          </p:cNvPr>
+          <p:cNvCxnSpPr>
+            <a:cxnSpLocks/>
+            <a:stCxn id="18" idx="3"/>
+          </p:cNvCxnSpPr>
+          <p:nvPr/>
+        </p:nvCxnSpPr>
+        <p:spPr>
+          <a:xfrm flipV="1">
+            <a:off x="5339888" y="3729172"/>
+            <a:ext cx="387842" cy="189159"/>
+          </a:xfrm>
+          <a:prstGeom prst="line">
+            <a:avLst/>
+          </a:prstGeom>
+          <a:ln w="22225">
+            <a:solidFill>
+              <a:schemeClr val="tx1"/>
+            </a:solidFill>
+          </a:ln>
+        </p:spPr>
+        <p:style>
+          <a:lnRef idx="1">
+            <a:schemeClr val="accent1"/>
+          </a:lnRef>
+          <a:fillRef idx="0">
+            <a:schemeClr val="accent1"/>
+          </a:fillRef>
+          <a:effectRef idx="0">
+            <a:schemeClr val="accent1"/>
+          </a:effectRef>
+          <a:fontRef idx="minor">
+            <a:schemeClr val="tx1"/>
+          </a:fontRef>
+        </p:style>
+      </p:cxnSp>
+      <p:sp>
+        <p:nvSpPr>
           <p:cNvPr id="5" name="CuadroTexto 4">
             <a:extLst>
               <a:ext uri="{FF2B5EF4-FFF2-40B4-BE49-F238E27FC236}">
@@ -5249,7 +5228,7 @@
         </p:nvSpPr>
         <p:spPr>
           <a:xfrm>
-            <a:off x="422357" y="6411092"/>
+            <a:off x="582011" y="6411092"/>
             <a:ext cx="314510" cy="400110"/>
           </a:xfrm>
           <a:prstGeom prst="rect">
@@ -5288,7 +5267,7 @@
         </p:nvSpPr>
         <p:spPr>
           <a:xfrm>
-            <a:off x="2449486" y="5166741"/>
+            <a:off x="2609140" y="5166741"/>
             <a:ext cx="314510" cy="400110"/>
           </a:xfrm>
           <a:prstGeom prst="rect">
@@ -5327,7 +5306,7 @@
         </p:nvSpPr>
         <p:spPr>
           <a:xfrm>
-            <a:off x="2560606" y="7693644"/>
+            <a:off x="2720260" y="7693644"/>
             <a:ext cx="314510" cy="400110"/>
           </a:xfrm>
           <a:prstGeom prst="rect">
@@ -5366,7 +5345,7 @@
         </p:nvSpPr>
         <p:spPr>
           <a:xfrm>
-            <a:off x="4612335" y="3921870"/>
+            <a:off x="4771989" y="3921870"/>
             <a:ext cx="314510" cy="400110"/>
           </a:xfrm>
           <a:prstGeom prst="rect">
@@ -5405,7 +5384,7 @@
         </p:nvSpPr>
         <p:spPr>
           <a:xfrm>
-            <a:off x="4692026" y="6439137"/>
+            <a:off x="4851680" y="6439137"/>
             <a:ext cx="314510" cy="400110"/>
           </a:xfrm>
           <a:prstGeom prst="rect">
@@ -5444,7 +5423,7 @@
         </p:nvSpPr>
         <p:spPr>
           <a:xfrm>
-            <a:off x="6921307" y="2430518"/>
+            <a:off x="7080961" y="2430518"/>
             <a:ext cx="314510" cy="400110"/>
           </a:xfrm>
           <a:prstGeom prst="rect">
@@ -5483,7 +5462,7 @@
         </p:nvSpPr>
         <p:spPr>
           <a:xfrm>
-            <a:off x="6911362" y="3708743"/>
+            <a:off x="7071016" y="3708743"/>
             <a:ext cx="314510" cy="400110"/>
           </a:xfrm>
           <a:prstGeom prst="rect">
@@ -5522,7 +5501,7 @@
         </p:nvSpPr>
         <p:spPr>
           <a:xfrm>
-            <a:off x="6929897" y="5432851"/>
+            <a:off x="7089551" y="5432851"/>
             <a:ext cx="314510" cy="400110"/>
           </a:xfrm>
           <a:prstGeom prst="rect">
@@ -5561,7 +5540,7 @@
         </p:nvSpPr>
         <p:spPr>
           <a:xfrm>
-            <a:off x="9252323" y="3249875"/>
+            <a:off x="9411977" y="3249875"/>
             <a:ext cx="314510" cy="400110"/>
           </a:xfrm>
           <a:prstGeom prst="rect">
@@ -5600,7 +5579,7 @@
         </p:nvSpPr>
         <p:spPr>
           <a:xfrm>
-            <a:off x="9246230" y="4229558"/>
+            <a:off x="9405884" y="4229558"/>
             <a:ext cx="314510" cy="400110"/>
           </a:xfrm>
           <a:prstGeom prst="rect">
@@ -5639,7 +5618,7 @@
         </p:nvSpPr>
         <p:spPr>
           <a:xfrm>
-            <a:off x="9268002" y="4933500"/>
+            <a:off x="9427656" y="4933500"/>
             <a:ext cx="314510" cy="400110"/>
           </a:xfrm>
           <a:prstGeom prst="rect">
@@ -5659,7 +5638,7 @@
                   <a:srgbClr val="FF0000"/>
                 </a:solidFill>
               </a:rPr>
-              <a:t>8</a:t>
+              <a:t>9</a:t>
             </a:r>
           </a:p>
         </p:txBody>
@@ -5678,7 +5657,7 @@
         </p:nvSpPr>
         <p:spPr>
           <a:xfrm>
-            <a:off x="9217202" y="5942241"/>
+            <a:off x="9376856" y="5942241"/>
             <a:ext cx="314510" cy="400110"/>
           </a:xfrm>
           <a:prstGeom prst="rect">
@@ -5698,8 +5677,96 @@
                   <a:srgbClr val="FF0000"/>
                 </a:solidFill>
               </a:rPr>
-              <a:t>8</a:t>
-            </a:r>
+              <a:t>9</a:t>
+            </a:r>
+          </a:p>
+        </p:txBody>
+      </p:sp>
+      <p:sp>
+        <p:nvSpPr>
+          <p:cNvPr id="73" name="CuadroTexto 72">
+            <a:extLst>
+              <a:ext uri="{FF2B5EF4-FFF2-40B4-BE49-F238E27FC236}">
+                <a16:creationId xmlns:a16="http://schemas.microsoft.com/office/drawing/2014/main" id="{C4A5634B-EFBD-234D-9471-8D991208DDBB}"/>
+              </a:ext>
+            </a:extLst>
+          </p:cNvPr>
+          <p:cNvSpPr txBox="1"/>
+          <p:nvPr/>
+        </p:nvSpPr>
+        <p:spPr>
+          <a:xfrm>
+            <a:off x="10369092" y="5212653"/>
+            <a:ext cx="1505540" cy="369332"/>
+          </a:xfrm>
+          <a:prstGeom prst="rect">
+            <a:avLst/>
+          </a:prstGeom>
+          <a:noFill/>
+        </p:spPr>
+        <p:txBody>
+          <a:bodyPr wrap="none" rtlCol="0">
+            <a:spAutoFit/>
+          </a:bodyPr>
+          <a:lstStyle/>
+          <a:p>
+            <a:r>
+              <a:rPr lang="es-CO" dirty="0"/>
+              <a:t>T3 = A+B+C+E</a:t>
+            </a:r>
+            <a:endParaRPr lang="es-CO" baseline="-25000" dirty="0"/>
+          </a:p>
+        </p:txBody>
+      </p:sp>
+      <p:sp>
+        <p:nvSpPr>
+          <p:cNvPr id="74" name="Cerrar llave 73">
+            <a:extLst>
+              <a:ext uri="{FF2B5EF4-FFF2-40B4-BE49-F238E27FC236}">
+                <a16:creationId xmlns:a16="http://schemas.microsoft.com/office/drawing/2014/main" id="{B30D2A2D-77A3-B341-9F06-58C049417C67}"/>
+              </a:ext>
+            </a:extLst>
+          </p:cNvPr>
+          <p:cNvSpPr/>
+          <p:nvPr/>
+        </p:nvSpPr>
+        <p:spPr>
+          <a:xfrm>
+            <a:off x="9930375" y="4710386"/>
+            <a:ext cx="374049" cy="1460882"/>
+          </a:xfrm>
+          <a:prstGeom prst="rightBrace">
+            <a:avLst>
+              <a:gd name="adj1" fmla="val 34905"/>
+              <a:gd name="adj2" fmla="val 50000"/>
+            </a:avLst>
+          </a:prstGeom>
+          <a:ln w="22225">
+            <a:solidFill>
+              <a:schemeClr val="tx1"/>
+            </a:solidFill>
+          </a:ln>
+        </p:spPr>
+        <p:style>
+          <a:lnRef idx="1">
+            <a:schemeClr val="accent1"/>
+          </a:lnRef>
+          <a:fillRef idx="0">
+            <a:schemeClr val="accent1"/>
+          </a:fillRef>
+          <a:effectRef idx="0">
+            <a:schemeClr val="accent1"/>
+          </a:effectRef>
+          <a:fontRef idx="minor">
+            <a:schemeClr val="tx1"/>
+          </a:fontRef>
+        </p:style>
+        <p:txBody>
+          <a:bodyPr rtlCol="0" anchor="ctr"/>
+          <a:lstStyle/>
+          <a:p>
+            <a:pPr algn="ctr"/>
+            <a:endParaRPr lang="es-CO"/>
           </a:p>
         </p:txBody>
       </p:sp>
